--- a/FDI-BLK MarketPlace.pptx
+++ b/FDI-BLK MarketPlace.pptx
@@ -1,35 +1,35 @@
 
 <file path=ppt/presentation.xml><?xml version="1.0" encoding="utf-8"?>
-<p:presentation xmlns:a="http://schemas.openxmlformats.org/drawingml/2006/main" xmlns:r="http://schemas.openxmlformats.org/officeDocument/2006/relationships" xmlns:mc="http://schemas.openxmlformats.org/markup-compatibility/2006" xmlns:mv="urn:schemas-microsoft-com:mac:vml" xmlns:p="http://schemas.openxmlformats.org/presentationml/2006/main" xmlns:c="http://schemas.openxmlformats.org/drawingml/2006/chart" xmlns:dgm="http://schemas.openxmlformats.org/drawingml/2006/diagram" xmlns:o="urn:schemas-microsoft-com:office:office" xmlns:v="urn:schemas-microsoft-com:vml" xmlns:pvml="urn:schemas-microsoft-com:office:powerpoint" xmlns:com="http://schemas.openxmlformats.org/drawingml/2006/compatibility" xmlns:p14="http://schemas.microsoft.com/office/powerpoint/2010/main" xmlns:p15="http://schemas.microsoft.com/office/powerpoint/2012/main" autoCompressPictures="0" embedTrueTypeFonts="1" strictFirstAndLastChars="0" saveSubsetFonts="1">
+<p:presentation xmlns:a="http://schemas.openxmlformats.org/drawingml/2006/main" xmlns:r="http://schemas.openxmlformats.org/officeDocument/2006/relationships" xmlns:p="http://schemas.openxmlformats.org/presentationml/2006/main" strictFirstAndLastChars="0" embedTrueTypeFonts="1" saveSubsetFonts="1" autoCompressPictures="0">
   <p:sldMasterIdLst>
-    <p:sldMasterId id="2147483659" r:id="rId4"/>
+    <p:sldMasterId id="2147483659" r:id="rId1"/>
   </p:sldMasterIdLst>
   <p:notesMasterIdLst>
-    <p:notesMasterId r:id="rId5"/>
+    <p:notesMasterId r:id="rId10"/>
   </p:notesMasterIdLst>
   <p:sldIdLst>
-    <p:sldId id="256" r:id="rId6"/>
-    <p:sldId id="257" r:id="rId7"/>
-    <p:sldId id="258" r:id="rId8"/>
-    <p:sldId id="259" r:id="rId9"/>
-    <p:sldId id="260" r:id="rId10"/>
-    <p:sldId id="261" r:id="rId11"/>
-    <p:sldId id="262" r:id="rId12"/>
-    <p:sldId id="263" r:id="rId13"/>
+    <p:sldId id="256" r:id="rId2"/>
+    <p:sldId id="257" r:id="rId3"/>
+    <p:sldId id="258" r:id="rId4"/>
+    <p:sldId id="259" r:id="rId5"/>
+    <p:sldId id="260" r:id="rId6"/>
+    <p:sldId id="261" r:id="rId7"/>
+    <p:sldId id="262" r:id="rId8"/>
+    <p:sldId id="263" r:id="rId9"/>
   </p:sldIdLst>
-  <p:sldSz cy="5143500" cx="9144000"/>
+  <p:sldSz cx="9144000" cy="5143500" type="screen16x9"/>
   <p:notesSz cx="6858000" cy="9144000"/>
   <p:embeddedFontLst>
     <p:embeddedFont>
-      <p:font typeface="Roboto"/>
-      <p:regular r:id="rId14"/>
-      <p:bold r:id="rId15"/>
-      <p:italic r:id="rId16"/>
-      <p:boldItalic r:id="rId17"/>
+      <p:font typeface="Roboto" panose="02000000000000000000" pitchFamily="2" charset="0"/>
+      <p:regular r:id="rId11"/>
+      <p:bold r:id="rId12"/>
+      <p:italic r:id="rId13"/>
+      <p:boldItalic r:id="rId14"/>
     </p:embeddedFont>
   </p:embeddedFontLst>
   <p:defaultTextStyle>
-    <a:defPPr lvl="0" marR="0" rtl="0" algn="l">
+    <a:defPPr marR="0" lvl="0" algn="l" rtl="0">
       <a:lnSpc>
         <a:spcPct val="100000"/>
       </a:lnSpc>
@@ -40,7 +40,7 @@
         <a:spcPts val="0"/>
       </a:spcAft>
     </a:defPPr>
-    <a:lvl1pPr lvl="0" marR="0" rtl="0" algn="l">
+    <a:lvl1pPr marR="0" lvl="0" algn="l" rtl="0">
       <a:lnSpc>
         <a:spcPct val="100000"/>
       </a:lnSpc>
@@ -54,7 +54,7 @@
         <a:srgbClr val="000000"/>
       </a:buClr>
       <a:buFont typeface="Arial"/>
-      <a:defRPr b="0" i="0" sz="1400" u="none" cap="none" strike="noStrike">
+      <a:defRPr sz="1400" b="0" i="0" u="none" strike="noStrike" cap="none">
         <a:solidFill>
           <a:srgbClr val="000000"/>
         </a:solidFill>
@@ -64,7 +64,7 @@
         <a:sym typeface="Arial"/>
       </a:defRPr>
     </a:lvl1pPr>
-    <a:lvl2pPr lvl="1" marR="0" rtl="0" algn="l">
+    <a:lvl2pPr marR="0" lvl="1" algn="l" rtl="0">
       <a:lnSpc>
         <a:spcPct val="100000"/>
       </a:lnSpc>
@@ -78,7 +78,7 @@
         <a:srgbClr val="000000"/>
       </a:buClr>
       <a:buFont typeface="Arial"/>
-      <a:defRPr b="0" i="0" sz="1400" u="none" cap="none" strike="noStrike">
+      <a:defRPr sz="1400" b="0" i="0" u="none" strike="noStrike" cap="none">
         <a:solidFill>
           <a:srgbClr val="000000"/>
         </a:solidFill>
@@ -88,7 +88,7 @@
         <a:sym typeface="Arial"/>
       </a:defRPr>
     </a:lvl2pPr>
-    <a:lvl3pPr lvl="2" marR="0" rtl="0" algn="l">
+    <a:lvl3pPr marR="0" lvl="2" algn="l" rtl="0">
       <a:lnSpc>
         <a:spcPct val="100000"/>
       </a:lnSpc>
@@ -102,7 +102,7 @@
         <a:srgbClr val="000000"/>
       </a:buClr>
       <a:buFont typeface="Arial"/>
-      <a:defRPr b="0" i="0" sz="1400" u="none" cap="none" strike="noStrike">
+      <a:defRPr sz="1400" b="0" i="0" u="none" strike="noStrike" cap="none">
         <a:solidFill>
           <a:srgbClr val="000000"/>
         </a:solidFill>
@@ -112,7 +112,7 @@
         <a:sym typeface="Arial"/>
       </a:defRPr>
     </a:lvl3pPr>
-    <a:lvl4pPr lvl="3" marR="0" rtl="0" algn="l">
+    <a:lvl4pPr marR="0" lvl="3" algn="l" rtl="0">
       <a:lnSpc>
         <a:spcPct val="100000"/>
       </a:lnSpc>
@@ -126,7 +126,7 @@
         <a:srgbClr val="000000"/>
       </a:buClr>
       <a:buFont typeface="Arial"/>
-      <a:defRPr b="0" i="0" sz="1400" u="none" cap="none" strike="noStrike">
+      <a:defRPr sz="1400" b="0" i="0" u="none" strike="noStrike" cap="none">
         <a:solidFill>
           <a:srgbClr val="000000"/>
         </a:solidFill>
@@ -136,7 +136,7 @@
         <a:sym typeface="Arial"/>
       </a:defRPr>
     </a:lvl4pPr>
-    <a:lvl5pPr lvl="4" marR="0" rtl="0" algn="l">
+    <a:lvl5pPr marR="0" lvl="4" algn="l" rtl="0">
       <a:lnSpc>
         <a:spcPct val="100000"/>
       </a:lnSpc>
@@ -150,7 +150,7 @@
         <a:srgbClr val="000000"/>
       </a:buClr>
       <a:buFont typeface="Arial"/>
-      <a:defRPr b="0" i="0" sz="1400" u="none" cap="none" strike="noStrike">
+      <a:defRPr sz="1400" b="0" i="0" u="none" strike="noStrike" cap="none">
         <a:solidFill>
           <a:srgbClr val="000000"/>
         </a:solidFill>
@@ -160,7 +160,7 @@
         <a:sym typeface="Arial"/>
       </a:defRPr>
     </a:lvl5pPr>
-    <a:lvl6pPr lvl="5" marR="0" rtl="0" algn="l">
+    <a:lvl6pPr marR="0" lvl="5" algn="l" rtl="0">
       <a:lnSpc>
         <a:spcPct val="100000"/>
       </a:lnSpc>
@@ -174,7 +174,7 @@
         <a:srgbClr val="000000"/>
       </a:buClr>
       <a:buFont typeface="Arial"/>
-      <a:defRPr b="0" i="0" sz="1400" u="none" cap="none" strike="noStrike">
+      <a:defRPr sz="1400" b="0" i="0" u="none" strike="noStrike" cap="none">
         <a:solidFill>
           <a:srgbClr val="000000"/>
         </a:solidFill>
@@ -184,7 +184,7 @@
         <a:sym typeface="Arial"/>
       </a:defRPr>
     </a:lvl6pPr>
-    <a:lvl7pPr lvl="6" marR="0" rtl="0" algn="l">
+    <a:lvl7pPr marR="0" lvl="6" algn="l" rtl="0">
       <a:lnSpc>
         <a:spcPct val="100000"/>
       </a:lnSpc>
@@ -198,7 +198,7 @@
         <a:srgbClr val="000000"/>
       </a:buClr>
       <a:buFont typeface="Arial"/>
-      <a:defRPr b="0" i="0" sz="1400" u="none" cap="none" strike="noStrike">
+      <a:defRPr sz="1400" b="0" i="0" u="none" strike="noStrike" cap="none">
         <a:solidFill>
           <a:srgbClr val="000000"/>
         </a:solidFill>
@@ -208,7 +208,7 @@
         <a:sym typeface="Arial"/>
       </a:defRPr>
     </a:lvl7pPr>
-    <a:lvl8pPr lvl="7" marR="0" rtl="0" algn="l">
+    <a:lvl8pPr marR="0" lvl="7" algn="l" rtl="0">
       <a:lnSpc>
         <a:spcPct val="100000"/>
       </a:lnSpc>
@@ -222,7 +222,7 @@
         <a:srgbClr val="000000"/>
       </a:buClr>
       <a:buFont typeface="Arial"/>
-      <a:defRPr b="0" i="0" sz="1400" u="none" cap="none" strike="noStrike">
+      <a:defRPr sz="1400" b="0" i="0" u="none" strike="noStrike" cap="none">
         <a:solidFill>
           <a:srgbClr val="000000"/>
         </a:solidFill>
@@ -232,7 +232,7 @@
         <a:sym typeface="Arial"/>
       </a:defRPr>
     </a:lvl8pPr>
-    <a:lvl9pPr lvl="8" marR="0" rtl="0" algn="l">
+    <a:lvl9pPr marR="0" lvl="8" algn="l" rtl="0">
       <a:lnSpc>
         <a:spcPct val="100000"/>
       </a:lnSpc>
@@ -246,7 +246,7 @@
         <a:srgbClr val="000000"/>
       </a:buClr>
       <a:buFont typeface="Arial"/>
-      <a:defRPr b="0" i="0" sz="1400" u="none" cap="none" strike="noStrike">
+      <a:defRPr sz="1400" b="0" i="0" u="none" strike="noStrike" cap="none">
         <a:solidFill>
           <a:srgbClr val="000000"/>
         </a:solidFill>
@@ -259,7 +259,7 @@
   </p:defaultTextStyle>
   <p:extLst>
     <p:ext uri="{EFAFB233-063F-42B5-8137-9DF3F51BA10A}">
-      <p15:sldGuideLst>
+      <p15:sldGuideLst xmlns:p15="http://schemas.microsoft.com/office/powerpoint/2012/main">
         <p15:guide id="1" orient="horz" pos="1620">
           <p15:clr>
             <a:srgbClr val="A4A3A4"/>
@@ -277,11 +277,16 @@
 </file>
 
 <file path=ppt/notesMasters/notesMaster1.xml><?xml version="1.0" encoding="utf-8"?>
-<p:notesMaster xmlns:a="http://schemas.openxmlformats.org/drawingml/2006/main" xmlns:r="http://schemas.openxmlformats.org/officeDocument/2006/relationships" xmlns:mc="http://schemas.openxmlformats.org/markup-compatibility/2006" xmlns:mv="urn:schemas-microsoft-com:mac:vml" xmlns:p="http://schemas.openxmlformats.org/presentationml/2006/main" xmlns:c="http://schemas.openxmlformats.org/drawingml/2006/chart" xmlns:dgm="http://schemas.openxmlformats.org/drawingml/2006/diagram" xmlns:o="urn:schemas-microsoft-com:office:office" xmlns:v="urn:schemas-microsoft-com:vml" xmlns:pvml="urn:schemas-microsoft-com:office:powerpoint" xmlns:com="http://schemas.openxmlformats.org/drawingml/2006/compatibility" xmlns:p14="http://schemas.microsoft.com/office/powerpoint/2010/main" xmlns:p15="http://schemas.microsoft.com/office/powerpoint/2012/main">
+<p:notesMaster xmlns:a="http://schemas.openxmlformats.org/drawingml/2006/main" xmlns:r="http://schemas.openxmlformats.org/officeDocument/2006/relationships" xmlns:p="http://schemas.openxmlformats.org/presentationml/2006/main">
   <p:cSld>
+    <p:bg>
+      <p:bgRef idx="1001">
+        <a:schemeClr val="bg1"/>
+      </p:bgRef>
+    </p:bg>
     <p:spTree>
       <p:nvGrpSpPr>
-        <p:cNvPr id="2" name="Shape 2"/>
+        <p:cNvPr id="1" name="Shape 2"/>
         <p:cNvGrpSpPr/>
         <p:nvPr/>
       </p:nvGrpSpPr>
@@ -296,9 +301,11 @@
       <p:sp>
         <p:nvSpPr>
           <p:cNvPr id="3" name="Shape 3"/>
-          <p:cNvSpPr/>
+          <p:cNvSpPr>
+            <a:spLocks noGrp="1" noRot="1" noChangeAspect="1"/>
+          </p:cNvSpPr>
           <p:nvPr>
-            <p:ph idx="2" type="sldImg"/>
+            <p:ph type="sldImg" idx="2"/>
           </p:nvPr>
         </p:nvSpPr>
         <p:spPr>
@@ -307,8 +314,13 @@
             <a:ext cx="6096075" cy="3429000"/>
           </a:xfrm>
           <a:custGeom>
+            <a:avLst/>
+            <a:gdLst/>
+            <a:ahLst/>
+            <a:cxnLst/>
+            <a:rect l="0" t="0" r="0" b="0"/>
             <a:pathLst>
-              <a:path extrusionOk="0" h="120000" w="120000">
+              <a:path w="120000" h="120000" extrusionOk="0">
                 <a:moveTo>
                   <a:pt x="0" y="0"/>
                 </a:moveTo>
@@ -326,23 +338,25 @@
             </a:pathLst>
           </a:custGeom>
           <a:noFill/>
-          <a:ln cap="flat" cmpd="sng" w="9525">
+          <a:ln w="9525" cap="flat" cmpd="sng">
             <a:solidFill>
               <a:srgbClr val="000000"/>
             </a:solidFill>
             <a:prstDash val="solid"/>
             <a:round/>
-            <a:headEnd len="sm" w="sm" type="none"/>
-            <a:tailEnd len="sm" w="sm" type="none"/>
+            <a:headEnd type="none" w="sm" len="sm"/>
+            <a:tailEnd type="none" w="sm" len="sm"/>
           </a:ln>
         </p:spPr>
       </p:sp>
       <p:sp>
         <p:nvSpPr>
           <p:cNvPr id="4" name="Shape 4"/>
-          <p:cNvSpPr txBox="1"/>
+          <p:cNvSpPr txBox="1">
+            <a:spLocks noGrp="1"/>
+          </p:cNvSpPr>
           <p:nvPr>
-            <p:ph idx="1" type="body"/>
+            <p:ph type="body" idx="1"/>
           </p:nvPr>
         </p:nvSpPr>
         <p:spPr>
@@ -359,9 +373,9 @@
           </a:ln>
         </p:spPr>
         <p:txBody>
-          <a:bodyPr anchorCtr="0" anchor="t" bIns="91425" lIns="91425" spcFirstLastPara="1" rIns="91425" wrap="square" tIns="91425"/>
+          <a:bodyPr spcFirstLastPara="1" wrap="square" lIns="91425" tIns="91425" rIns="91425" bIns="91425" anchor="t" anchorCtr="0"/>
           <a:lstStyle>
-            <a:lvl1pPr indent="-298450" lvl="0" marL="457200">
+            <a:lvl1pPr marL="457200" lvl="0" indent="-298450">
               <a:spcBef>
                 <a:spcPts val="0"/>
               </a:spcBef>
@@ -372,7 +386,7 @@
               <a:buChar char="●"/>
               <a:defRPr sz="1100"/>
             </a:lvl1pPr>
-            <a:lvl2pPr indent="-298450" lvl="1" marL="914400">
+            <a:lvl2pPr marL="914400" lvl="1" indent="-298450">
               <a:spcBef>
                 <a:spcPts val="0"/>
               </a:spcBef>
@@ -383,7 +397,7 @@
               <a:buChar char="○"/>
               <a:defRPr sz="1100"/>
             </a:lvl2pPr>
-            <a:lvl3pPr indent="-298450" lvl="2" marL="1371600">
+            <a:lvl3pPr marL="1371600" lvl="2" indent="-298450">
               <a:spcBef>
                 <a:spcPts val="0"/>
               </a:spcBef>
@@ -394,7 +408,7 @@
               <a:buChar char="■"/>
               <a:defRPr sz="1100"/>
             </a:lvl3pPr>
-            <a:lvl4pPr indent="-298450" lvl="3" marL="1828800">
+            <a:lvl4pPr marL="1828800" lvl="3" indent="-298450">
               <a:spcBef>
                 <a:spcPts val="0"/>
               </a:spcBef>
@@ -405,7 +419,7 @@
               <a:buChar char="●"/>
               <a:defRPr sz="1100"/>
             </a:lvl4pPr>
-            <a:lvl5pPr indent="-298450" lvl="4" marL="2286000">
+            <a:lvl5pPr marL="2286000" lvl="4" indent="-298450">
               <a:spcBef>
                 <a:spcPts val="0"/>
               </a:spcBef>
@@ -416,7 +430,7 @@
               <a:buChar char="○"/>
               <a:defRPr sz="1100"/>
             </a:lvl5pPr>
-            <a:lvl6pPr indent="-298450" lvl="5" marL="2743200">
+            <a:lvl6pPr marL="2743200" lvl="5" indent="-298450">
               <a:spcBef>
                 <a:spcPts val="0"/>
               </a:spcBef>
@@ -427,7 +441,7 @@
               <a:buChar char="■"/>
               <a:defRPr sz="1100"/>
             </a:lvl6pPr>
-            <a:lvl7pPr indent="-298450" lvl="6" marL="3200400">
+            <a:lvl7pPr marL="3200400" lvl="6" indent="-298450">
               <a:spcBef>
                 <a:spcPts val="0"/>
               </a:spcBef>
@@ -438,7 +452,7 @@
               <a:buChar char="●"/>
               <a:defRPr sz="1100"/>
             </a:lvl7pPr>
-            <a:lvl8pPr indent="-298450" lvl="7" marL="3657600">
+            <a:lvl8pPr marL="3657600" lvl="7" indent="-298450">
               <a:spcBef>
                 <a:spcPts val="0"/>
               </a:spcBef>
@@ -449,7 +463,7 @@
               <a:buChar char="○"/>
               <a:defRPr sz="1100"/>
             </a:lvl8pPr>
-            <a:lvl9pPr indent="-298450" lvl="8" marL="4114800">
+            <a:lvl9pPr marL="4114800" lvl="8" indent="-298450">
               <a:spcBef>
                 <a:spcPts val="0"/>
               </a:spcBef>
@@ -461,14 +475,16 @@
               <a:defRPr sz="1100"/>
             </a:lvl9pPr>
           </a:lstStyle>
-          <a:p/>
+          <a:p>
+            <a:endParaRPr/>
+          </a:p>
         </p:txBody>
       </p:sp>
     </p:spTree>
   </p:cSld>
-  <p:clrMap accent1="accent1" accent2="accent2" accent3="accent3" accent4="accent4" accent5="accent5" accent6="accent6" bg1="lt1" bg2="dk2" tx1="dk1" tx2="lt2" folHlink="folHlink" hlink="hlink"/>
+  <p:clrMap bg1="lt1" tx1="dk1" bg2="dk2" tx2="lt2" accent1="accent1" accent2="accent2" accent3="accent3" accent4="accent4" accent5="accent5" accent6="accent6" hlink="hlink" folHlink="folHlink"/>
   <p:notesStyle>
-    <a:defPPr lvl="0" marR="0" rtl="0" algn="l">
+    <a:defPPr marR="0" lvl="0" algn="l" rtl="0">
       <a:lnSpc>
         <a:spcPct val="100000"/>
       </a:lnSpc>
@@ -479,7 +495,7 @@
         <a:spcPts val="0"/>
       </a:spcAft>
     </a:defPPr>
-    <a:lvl1pPr lvl="0" marR="0" rtl="0" algn="l">
+    <a:lvl1pPr marR="0" lvl="0" algn="l" rtl="0">
       <a:lnSpc>
         <a:spcPct val="100000"/>
       </a:lnSpc>
@@ -493,7 +509,7 @@
         <a:srgbClr val="000000"/>
       </a:buClr>
       <a:buFont typeface="Arial"/>
-      <a:defRPr b="0" i="0" sz="1400" u="none" cap="none" strike="noStrike">
+      <a:defRPr sz="1400" b="0" i="0" u="none" strike="noStrike" cap="none">
         <a:solidFill>
           <a:srgbClr val="000000"/>
         </a:solidFill>
@@ -503,7 +519,7 @@
         <a:sym typeface="Arial"/>
       </a:defRPr>
     </a:lvl1pPr>
-    <a:lvl2pPr lvl="1" marR="0" rtl="0" algn="l">
+    <a:lvl2pPr marR="0" lvl="1" algn="l" rtl="0">
       <a:lnSpc>
         <a:spcPct val="100000"/>
       </a:lnSpc>
@@ -517,7 +533,7 @@
         <a:srgbClr val="000000"/>
       </a:buClr>
       <a:buFont typeface="Arial"/>
-      <a:defRPr b="0" i="0" sz="1400" u="none" cap="none" strike="noStrike">
+      <a:defRPr sz="1400" b="0" i="0" u="none" strike="noStrike" cap="none">
         <a:solidFill>
           <a:srgbClr val="000000"/>
         </a:solidFill>
@@ -527,7 +543,7 @@
         <a:sym typeface="Arial"/>
       </a:defRPr>
     </a:lvl2pPr>
-    <a:lvl3pPr lvl="2" marR="0" rtl="0" algn="l">
+    <a:lvl3pPr marR="0" lvl="2" algn="l" rtl="0">
       <a:lnSpc>
         <a:spcPct val="100000"/>
       </a:lnSpc>
@@ -541,7 +557,7 @@
         <a:srgbClr val="000000"/>
       </a:buClr>
       <a:buFont typeface="Arial"/>
-      <a:defRPr b="0" i="0" sz="1400" u="none" cap="none" strike="noStrike">
+      <a:defRPr sz="1400" b="0" i="0" u="none" strike="noStrike" cap="none">
         <a:solidFill>
           <a:srgbClr val="000000"/>
         </a:solidFill>
@@ -551,7 +567,7 @@
         <a:sym typeface="Arial"/>
       </a:defRPr>
     </a:lvl3pPr>
-    <a:lvl4pPr lvl="3" marR="0" rtl="0" algn="l">
+    <a:lvl4pPr marR="0" lvl="3" algn="l" rtl="0">
       <a:lnSpc>
         <a:spcPct val="100000"/>
       </a:lnSpc>
@@ -565,7 +581,7 @@
         <a:srgbClr val="000000"/>
       </a:buClr>
       <a:buFont typeface="Arial"/>
-      <a:defRPr b="0" i="0" sz="1400" u="none" cap="none" strike="noStrike">
+      <a:defRPr sz="1400" b="0" i="0" u="none" strike="noStrike" cap="none">
         <a:solidFill>
           <a:srgbClr val="000000"/>
         </a:solidFill>
@@ -575,7 +591,7 @@
         <a:sym typeface="Arial"/>
       </a:defRPr>
     </a:lvl4pPr>
-    <a:lvl5pPr lvl="4" marR="0" rtl="0" algn="l">
+    <a:lvl5pPr marR="0" lvl="4" algn="l" rtl="0">
       <a:lnSpc>
         <a:spcPct val="100000"/>
       </a:lnSpc>
@@ -589,7 +605,7 @@
         <a:srgbClr val="000000"/>
       </a:buClr>
       <a:buFont typeface="Arial"/>
-      <a:defRPr b="0" i="0" sz="1400" u="none" cap="none" strike="noStrike">
+      <a:defRPr sz="1400" b="0" i="0" u="none" strike="noStrike" cap="none">
         <a:solidFill>
           <a:srgbClr val="000000"/>
         </a:solidFill>
@@ -599,7 +615,7 @@
         <a:sym typeface="Arial"/>
       </a:defRPr>
     </a:lvl5pPr>
-    <a:lvl6pPr lvl="5" marR="0" rtl="0" algn="l">
+    <a:lvl6pPr marR="0" lvl="5" algn="l" rtl="0">
       <a:lnSpc>
         <a:spcPct val="100000"/>
       </a:lnSpc>
@@ -613,7 +629,7 @@
         <a:srgbClr val="000000"/>
       </a:buClr>
       <a:buFont typeface="Arial"/>
-      <a:defRPr b="0" i="0" sz="1400" u="none" cap="none" strike="noStrike">
+      <a:defRPr sz="1400" b="0" i="0" u="none" strike="noStrike" cap="none">
         <a:solidFill>
           <a:srgbClr val="000000"/>
         </a:solidFill>
@@ -623,7 +639,7 @@
         <a:sym typeface="Arial"/>
       </a:defRPr>
     </a:lvl6pPr>
-    <a:lvl7pPr lvl="6" marR="0" rtl="0" algn="l">
+    <a:lvl7pPr marR="0" lvl="6" algn="l" rtl="0">
       <a:lnSpc>
         <a:spcPct val="100000"/>
       </a:lnSpc>
@@ -637,7 +653,7 @@
         <a:srgbClr val="000000"/>
       </a:buClr>
       <a:buFont typeface="Arial"/>
-      <a:defRPr b="0" i="0" sz="1400" u="none" cap="none" strike="noStrike">
+      <a:defRPr sz="1400" b="0" i="0" u="none" strike="noStrike" cap="none">
         <a:solidFill>
           <a:srgbClr val="000000"/>
         </a:solidFill>
@@ -647,7 +663,7 @@
         <a:sym typeface="Arial"/>
       </a:defRPr>
     </a:lvl7pPr>
-    <a:lvl8pPr lvl="7" marR="0" rtl="0" algn="l">
+    <a:lvl8pPr marR="0" lvl="7" algn="l" rtl="0">
       <a:lnSpc>
         <a:spcPct val="100000"/>
       </a:lnSpc>
@@ -661,7 +677,7 @@
         <a:srgbClr val="000000"/>
       </a:buClr>
       <a:buFont typeface="Arial"/>
-      <a:defRPr b="0" i="0" sz="1400" u="none" cap="none" strike="noStrike">
+      <a:defRPr sz="1400" b="0" i="0" u="none" strike="noStrike" cap="none">
         <a:solidFill>
           <a:srgbClr val="000000"/>
         </a:solidFill>
@@ -671,7 +687,7 @@
         <a:sym typeface="Arial"/>
       </a:defRPr>
     </a:lvl8pPr>
-    <a:lvl9pPr lvl="8" marR="0" rtl="0" algn="l">
+    <a:lvl9pPr marR="0" lvl="8" algn="l" rtl="0">
       <a:lnSpc>
         <a:spcPct val="100000"/>
       </a:lnSpc>
@@ -685,7 +701,7 @@
         <a:srgbClr val="000000"/>
       </a:buClr>
       <a:buFont typeface="Arial"/>
-      <a:defRPr b="0" i="0" sz="1400" u="none" cap="none" strike="noStrike">
+      <a:defRPr sz="1400" b="0" i="0" u="none" strike="noStrike" cap="none">
         <a:solidFill>
           <a:srgbClr val="000000"/>
         </a:solidFill>
@@ -700,11 +716,11 @@
 </file>
 
 <file path=ppt/notesSlides/notesSlide1.xml><?xml version="1.0" encoding="utf-8"?>
-<p:notes xmlns:a="http://schemas.openxmlformats.org/drawingml/2006/main" xmlns:r="http://schemas.openxmlformats.org/officeDocument/2006/relationships" xmlns:mc="http://schemas.openxmlformats.org/markup-compatibility/2006" xmlns:mv="urn:schemas-microsoft-com:mac:vml" xmlns:p="http://schemas.openxmlformats.org/presentationml/2006/main" xmlns:c="http://schemas.openxmlformats.org/drawingml/2006/chart" xmlns:dgm="http://schemas.openxmlformats.org/drawingml/2006/diagram" xmlns:o="urn:schemas-microsoft-com:office:office" xmlns:v="urn:schemas-microsoft-com:vml" xmlns:pvml="urn:schemas-microsoft-com:office:powerpoint" xmlns:com="http://schemas.openxmlformats.org/drawingml/2006/compatibility" xmlns:p14="http://schemas.microsoft.com/office/powerpoint/2010/main" xmlns:p15="http://schemas.microsoft.com/office/powerpoint/2012/main" showMasterPhAnim="0" showMasterSp="0">
+<p:notes xmlns:a="http://schemas.openxmlformats.org/drawingml/2006/main" xmlns:r="http://schemas.openxmlformats.org/officeDocument/2006/relationships" xmlns:p="http://schemas.openxmlformats.org/presentationml/2006/main" showMasterSp="0" showMasterPhAnim="0">
   <p:cSld>
     <p:spTree>
       <p:nvGrpSpPr>
-        <p:cNvPr id="81" name="Shape 81"/>
+        <p:cNvPr id="1" name="Shape 81"/>
         <p:cNvGrpSpPr/>
         <p:nvPr/>
       </p:nvGrpSpPr>
@@ -719,9 +735,11 @@
       <p:sp>
         <p:nvSpPr>
           <p:cNvPr id="82" name="Shape 82"/>
-          <p:cNvSpPr/>
+          <p:cNvSpPr>
+            <a:spLocks noGrp="1" noRot="1" noChangeAspect="1"/>
+          </p:cNvSpPr>
           <p:nvPr>
-            <p:ph idx="2" type="sldImg"/>
+            <p:ph type="sldImg" idx="2"/>
           </p:nvPr>
         </p:nvSpPr>
         <p:spPr>
@@ -730,8 +748,13 @@
             <a:ext cx="6096075" cy="3429000"/>
           </a:xfrm>
           <a:custGeom>
+            <a:avLst/>
+            <a:gdLst/>
+            <a:ahLst/>
+            <a:cxnLst/>
+            <a:rect l="0" t="0" r="0" b="0"/>
             <a:pathLst>
-              <a:path extrusionOk="0" h="120000" w="120000">
+              <a:path w="120000" h="120000" extrusionOk="0">
                 <a:moveTo>
                   <a:pt x="0" y="0"/>
                 </a:moveTo>
@@ -753,9 +776,11 @@
       <p:sp>
         <p:nvSpPr>
           <p:cNvPr id="83" name="Shape 83"/>
-          <p:cNvSpPr txBox="1"/>
+          <p:cNvSpPr txBox="1">
+            <a:spLocks noGrp="1"/>
+          </p:cNvSpPr>
           <p:nvPr>
-            <p:ph idx="1" type="body"/>
+            <p:ph type="body" idx="1"/>
           </p:nvPr>
         </p:nvSpPr>
         <p:spPr>
@@ -768,12 +793,12 @@
           </a:prstGeom>
         </p:spPr>
         <p:txBody>
-          <a:bodyPr anchorCtr="0" anchor="t" bIns="91425" lIns="91425" spcFirstLastPara="1" rIns="91425" wrap="square" tIns="91425">
+          <a:bodyPr spcFirstLastPara="1" wrap="square" lIns="91425" tIns="91425" rIns="91425" bIns="91425" anchor="t" anchorCtr="0">
             <a:noAutofit/>
           </a:bodyPr>
           <a:lstStyle/>
           <a:p>
-            <a:pPr indent="0" lvl="0" marL="0">
+            <a:pPr marL="0" lvl="0" indent="0">
               <a:spcBef>
                 <a:spcPts val="0"/>
               </a:spcBef>
@@ -782,9 +807,6 @@
               </a:spcAft>
               <a:buNone/>
             </a:pPr>
-            <a:r>
-              <a:t/>
-            </a:r>
             <a:endParaRPr/>
           </a:p>
         </p:txBody>
@@ -798,11 +820,11 @@
 </file>
 
 <file path=ppt/notesSlides/notesSlide2.xml><?xml version="1.0" encoding="utf-8"?>
-<p:notes xmlns:a="http://schemas.openxmlformats.org/drawingml/2006/main" xmlns:r="http://schemas.openxmlformats.org/officeDocument/2006/relationships" xmlns:mc="http://schemas.openxmlformats.org/markup-compatibility/2006" xmlns:mv="urn:schemas-microsoft-com:mac:vml" xmlns:p="http://schemas.openxmlformats.org/presentationml/2006/main" xmlns:c="http://schemas.openxmlformats.org/drawingml/2006/chart" xmlns:dgm="http://schemas.openxmlformats.org/drawingml/2006/diagram" xmlns:o="urn:schemas-microsoft-com:office:office" xmlns:v="urn:schemas-microsoft-com:vml" xmlns:pvml="urn:schemas-microsoft-com:office:powerpoint" xmlns:com="http://schemas.openxmlformats.org/drawingml/2006/compatibility" xmlns:p14="http://schemas.microsoft.com/office/powerpoint/2010/main" xmlns:p15="http://schemas.microsoft.com/office/powerpoint/2012/main" showMasterPhAnim="0" showMasterSp="0">
+<p:notes xmlns:a="http://schemas.openxmlformats.org/drawingml/2006/main" xmlns:r="http://schemas.openxmlformats.org/officeDocument/2006/relationships" xmlns:p="http://schemas.openxmlformats.org/presentationml/2006/main" showMasterSp="0" showMasterPhAnim="0">
   <p:cSld>
     <p:spTree>
       <p:nvGrpSpPr>
-        <p:cNvPr id="90" name="Shape 90"/>
+        <p:cNvPr id="1" name="Shape 90"/>
         <p:cNvGrpSpPr/>
         <p:nvPr/>
       </p:nvGrpSpPr>
@@ -817,9 +839,11 @@
       <p:sp>
         <p:nvSpPr>
           <p:cNvPr id="91" name="Shape 91"/>
-          <p:cNvSpPr/>
+          <p:cNvSpPr>
+            <a:spLocks noGrp="1" noRot="1" noChangeAspect="1"/>
+          </p:cNvSpPr>
           <p:nvPr>
-            <p:ph idx="2" type="sldImg"/>
+            <p:ph type="sldImg" idx="2"/>
           </p:nvPr>
         </p:nvSpPr>
         <p:spPr>
@@ -828,8 +852,13 @@
             <a:ext cx="6096000" cy="3429000"/>
           </a:xfrm>
           <a:custGeom>
+            <a:avLst/>
+            <a:gdLst/>
+            <a:ahLst/>
+            <a:cxnLst/>
+            <a:rect l="0" t="0" r="0" b="0"/>
             <a:pathLst>
-              <a:path extrusionOk="0" h="120000" w="120000">
+              <a:path w="120000" h="120000" extrusionOk="0">
                 <a:moveTo>
                   <a:pt x="0" y="0"/>
                 </a:moveTo>
@@ -851,9 +880,11 @@
       <p:sp>
         <p:nvSpPr>
           <p:cNvPr id="92" name="Shape 92"/>
-          <p:cNvSpPr txBox="1"/>
+          <p:cNvSpPr txBox="1">
+            <a:spLocks noGrp="1"/>
+          </p:cNvSpPr>
           <p:nvPr>
-            <p:ph idx="1" type="body"/>
+            <p:ph type="body" idx="1"/>
           </p:nvPr>
         </p:nvSpPr>
         <p:spPr>
@@ -866,12 +897,12 @@
           </a:prstGeom>
         </p:spPr>
         <p:txBody>
-          <a:bodyPr anchorCtr="0" anchor="t" bIns="91425" lIns="91425" spcFirstLastPara="1" rIns="91425" wrap="square" tIns="91425">
+          <a:bodyPr spcFirstLastPara="1" wrap="square" lIns="91425" tIns="91425" rIns="91425" bIns="91425" anchor="t" anchorCtr="0">
             <a:noAutofit/>
           </a:bodyPr>
           <a:lstStyle/>
           <a:p>
-            <a:pPr indent="0" lvl="0" marL="0" rtl="0">
+            <a:pPr marL="0" lvl="0" indent="0" rtl="0">
               <a:spcBef>
                 <a:spcPts val="0"/>
               </a:spcBef>
@@ -880,9 +911,6 @@
               </a:spcAft>
               <a:buNone/>
             </a:pPr>
-            <a:r>
-              <a:t/>
-            </a:r>
             <a:endParaRPr/>
           </a:p>
         </p:txBody>
@@ -896,11 +924,11 @@
 </file>
 
 <file path=ppt/notesSlides/notesSlide3.xml><?xml version="1.0" encoding="utf-8"?>
-<p:notes xmlns:a="http://schemas.openxmlformats.org/drawingml/2006/main" xmlns:r="http://schemas.openxmlformats.org/officeDocument/2006/relationships" xmlns:mc="http://schemas.openxmlformats.org/markup-compatibility/2006" xmlns:mv="urn:schemas-microsoft-com:mac:vml" xmlns:p="http://schemas.openxmlformats.org/presentationml/2006/main" xmlns:c="http://schemas.openxmlformats.org/drawingml/2006/chart" xmlns:dgm="http://schemas.openxmlformats.org/drawingml/2006/diagram" xmlns:o="urn:schemas-microsoft-com:office:office" xmlns:v="urn:schemas-microsoft-com:vml" xmlns:pvml="urn:schemas-microsoft-com:office:powerpoint" xmlns:com="http://schemas.openxmlformats.org/drawingml/2006/compatibility" xmlns:p14="http://schemas.microsoft.com/office/powerpoint/2010/main" xmlns:p15="http://schemas.microsoft.com/office/powerpoint/2012/main" showMasterPhAnim="0" showMasterSp="0">
+<p:notes xmlns:a="http://schemas.openxmlformats.org/drawingml/2006/main" xmlns:r="http://schemas.openxmlformats.org/officeDocument/2006/relationships" xmlns:p="http://schemas.openxmlformats.org/presentationml/2006/main" showMasterSp="0" showMasterPhAnim="0">
   <p:cSld>
     <p:spTree>
       <p:nvGrpSpPr>
-        <p:cNvPr id="96" name="Shape 96"/>
+        <p:cNvPr id="1" name="Shape 96"/>
         <p:cNvGrpSpPr/>
         <p:nvPr/>
       </p:nvGrpSpPr>
@@ -915,9 +943,11 @@
       <p:sp>
         <p:nvSpPr>
           <p:cNvPr id="97" name="Shape 97"/>
-          <p:cNvSpPr/>
+          <p:cNvSpPr>
+            <a:spLocks noGrp="1" noRot="1" noChangeAspect="1"/>
+          </p:cNvSpPr>
           <p:nvPr>
-            <p:ph idx="2" type="sldImg"/>
+            <p:ph type="sldImg" idx="2"/>
           </p:nvPr>
         </p:nvSpPr>
         <p:spPr>
@@ -926,8 +956,13 @@
             <a:ext cx="6096000" cy="3429000"/>
           </a:xfrm>
           <a:custGeom>
+            <a:avLst/>
+            <a:gdLst/>
+            <a:ahLst/>
+            <a:cxnLst/>
+            <a:rect l="0" t="0" r="0" b="0"/>
             <a:pathLst>
-              <a:path extrusionOk="0" h="120000" w="120000">
+              <a:path w="120000" h="120000" extrusionOk="0">
                 <a:moveTo>
                   <a:pt x="0" y="0"/>
                 </a:moveTo>
@@ -949,9 +984,11 @@
       <p:sp>
         <p:nvSpPr>
           <p:cNvPr id="98" name="Shape 98"/>
-          <p:cNvSpPr txBox="1"/>
+          <p:cNvSpPr txBox="1">
+            <a:spLocks noGrp="1"/>
+          </p:cNvSpPr>
           <p:nvPr>
-            <p:ph idx="1" type="body"/>
+            <p:ph type="body" idx="1"/>
           </p:nvPr>
         </p:nvSpPr>
         <p:spPr>
@@ -964,12 +1001,12 @@
           </a:prstGeom>
         </p:spPr>
         <p:txBody>
-          <a:bodyPr anchorCtr="0" anchor="t" bIns="91425" lIns="91425" spcFirstLastPara="1" rIns="91425" wrap="square" tIns="91425">
+          <a:bodyPr spcFirstLastPara="1" wrap="square" lIns="91425" tIns="91425" rIns="91425" bIns="91425" anchor="t" anchorCtr="0">
             <a:noAutofit/>
           </a:bodyPr>
           <a:lstStyle/>
           <a:p>
-            <a:pPr indent="0" lvl="0" marL="0">
+            <a:pPr marL="0" lvl="0" indent="0">
               <a:spcBef>
                 <a:spcPts val="0"/>
               </a:spcBef>
@@ -978,9 +1015,6 @@
               </a:spcAft>
               <a:buNone/>
             </a:pPr>
-            <a:r>
-              <a:t/>
-            </a:r>
             <a:endParaRPr/>
           </a:p>
         </p:txBody>
@@ -994,11 +1028,11 @@
 </file>
 
 <file path=ppt/notesSlides/notesSlide4.xml><?xml version="1.0" encoding="utf-8"?>
-<p:notes xmlns:a="http://schemas.openxmlformats.org/drawingml/2006/main" xmlns:r="http://schemas.openxmlformats.org/officeDocument/2006/relationships" xmlns:mc="http://schemas.openxmlformats.org/markup-compatibility/2006" xmlns:mv="urn:schemas-microsoft-com:mac:vml" xmlns:p="http://schemas.openxmlformats.org/presentationml/2006/main" xmlns:c="http://schemas.openxmlformats.org/drawingml/2006/chart" xmlns:dgm="http://schemas.openxmlformats.org/drawingml/2006/diagram" xmlns:o="urn:schemas-microsoft-com:office:office" xmlns:v="urn:schemas-microsoft-com:vml" xmlns:pvml="urn:schemas-microsoft-com:office:powerpoint" xmlns:com="http://schemas.openxmlformats.org/drawingml/2006/compatibility" xmlns:p14="http://schemas.microsoft.com/office/powerpoint/2010/main" xmlns:p15="http://schemas.microsoft.com/office/powerpoint/2012/main" showMasterPhAnim="0" showMasterSp="0">
+<p:notes xmlns:a="http://schemas.openxmlformats.org/drawingml/2006/main" xmlns:r="http://schemas.openxmlformats.org/officeDocument/2006/relationships" xmlns:p="http://schemas.openxmlformats.org/presentationml/2006/main" showMasterSp="0" showMasterPhAnim="0">
   <p:cSld>
     <p:spTree>
       <p:nvGrpSpPr>
-        <p:cNvPr id="102" name="Shape 102"/>
+        <p:cNvPr id="1" name="Shape 102"/>
         <p:cNvGrpSpPr/>
         <p:nvPr/>
       </p:nvGrpSpPr>
@@ -1013,9 +1047,11 @@
       <p:sp>
         <p:nvSpPr>
           <p:cNvPr id="103" name="Shape 103"/>
-          <p:cNvSpPr/>
+          <p:cNvSpPr>
+            <a:spLocks noGrp="1" noRot="1" noChangeAspect="1"/>
+          </p:cNvSpPr>
           <p:nvPr>
-            <p:ph idx="2" type="sldImg"/>
+            <p:ph type="sldImg" idx="2"/>
           </p:nvPr>
         </p:nvSpPr>
         <p:spPr>
@@ -1024,8 +1060,13 @@
             <a:ext cx="6096000" cy="3429000"/>
           </a:xfrm>
           <a:custGeom>
+            <a:avLst/>
+            <a:gdLst/>
+            <a:ahLst/>
+            <a:cxnLst/>
+            <a:rect l="0" t="0" r="0" b="0"/>
             <a:pathLst>
-              <a:path extrusionOk="0" h="120000" w="120000">
+              <a:path w="120000" h="120000" extrusionOk="0">
                 <a:moveTo>
                   <a:pt x="0" y="0"/>
                 </a:moveTo>
@@ -1047,9 +1088,11 @@
       <p:sp>
         <p:nvSpPr>
           <p:cNvPr id="104" name="Shape 104"/>
-          <p:cNvSpPr txBox="1"/>
+          <p:cNvSpPr txBox="1">
+            <a:spLocks noGrp="1"/>
+          </p:cNvSpPr>
           <p:nvPr>
-            <p:ph idx="1" type="body"/>
+            <p:ph type="body" idx="1"/>
           </p:nvPr>
         </p:nvSpPr>
         <p:spPr>
@@ -1062,12 +1105,12 @@
           </a:prstGeom>
         </p:spPr>
         <p:txBody>
-          <a:bodyPr anchorCtr="0" anchor="t" bIns="91425" lIns="91425" spcFirstLastPara="1" rIns="91425" wrap="square" tIns="91425">
+          <a:bodyPr spcFirstLastPara="1" wrap="square" lIns="91425" tIns="91425" rIns="91425" bIns="91425" anchor="t" anchorCtr="0">
             <a:noAutofit/>
           </a:bodyPr>
           <a:lstStyle/>
           <a:p>
-            <a:pPr indent="0" lvl="0" marL="0">
+            <a:pPr marL="0" lvl="0" indent="0">
               <a:spcBef>
                 <a:spcPts val="0"/>
               </a:spcBef>
@@ -1076,9 +1119,6 @@
               </a:spcAft>
               <a:buNone/>
             </a:pPr>
-            <a:r>
-              <a:t/>
-            </a:r>
             <a:endParaRPr/>
           </a:p>
         </p:txBody>
@@ -1092,11 +1132,11 @@
 </file>
 
 <file path=ppt/notesSlides/notesSlide5.xml><?xml version="1.0" encoding="utf-8"?>
-<p:notes xmlns:a="http://schemas.openxmlformats.org/drawingml/2006/main" xmlns:r="http://schemas.openxmlformats.org/officeDocument/2006/relationships" xmlns:mc="http://schemas.openxmlformats.org/markup-compatibility/2006" xmlns:mv="urn:schemas-microsoft-com:mac:vml" xmlns:p="http://schemas.openxmlformats.org/presentationml/2006/main" xmlns:c="http://schemas.openxmlformats.org/drawingml/2006/chart" xmlns:dgm="http://schemas.openxmlformats.org/drawingml/2006/diagram" xmlns:o="urn:schemas-microsoft-com:office:office" xmlns:v="urn:schemas-microsoft-com:vml" xmlns:pvml="urn:schemas-microsoft-com:office:powerpoint" xmlns:com="http://schemas.openxmlformats.org/drawingml/2006/compatibility" xmlns:p14="http://schemas.microsoft.com/office/powerpoint/2010/main" xmlns:p15="http://schemas.microsoft.com/office/powerpoint/2012/main" showMasterPhAnim="0" showMasterSp="0">
+<p:notes xmlns:a="http://schemas.openxmlformats.org/drawingml/2006/main" xmlns:r="http://schemas.openxmlformats.org/officeDocument/2006/relationships" xmlns:p="http://schemas.openxmlformats.org/presentationml/2006/main" showMasterSp="0" showMasterPhAnim="0">
   <p:cSld>
     <p:spTree>
       <p:nvGrpSpPr>
-        <p:cNvPr id="108" name="Shape 108"/>
+        <p:cNvPr id="1" name="Shape 108"/>
         <p:cNvGrpSpPr/>
         <p:nvPr/>
       </p:nvGrpSpPr>
@@ -1111,9 +1151,11 @@
       <p:sp>
         <p:nvSpPr>
           <p:cNvPr id="109" name="Shape 109"/>
-          <p:cNvSpPr/>
+          <p:cNvSpPr>
+            <a:spLocks noGrp="1" noRot="1" noChangeAspect="1"/>
+          </p:cNvSpPr>
           <p:nvPr>
-            <p:ph idx="2" type="sldImg"/>
+            <p:ph type="sldImg" idx="2"/>
           </p:nvPr>
         </p:nvSpPr>
         <p:spPr>
@@ -1122,8 +1164,13 @@
             <a:ext cx="6096000" cy="3429000"/>
           </a:xfrm>
           <a:custGeom>
+            <a:avLst/>
+            <a:gdLst/>
+            <a:ahLst/>
+            <a:cxnLst/>
+            <a:rect l="0" t="0" r="0" b="0"/>
             <a:pathLst>
-              <a:path extrusionOk="0" h="120000" w="120000">
+              <a:path w="120000" h="120000" extrusionOk="0">
                 <a:moveTo>
                   <a:pt x="0" y="0"/>
                 </a:moveTo>
@@ -1145,9 +1192,11 @@
       <p:sp>
         <p:nvSpPr>
           <p:cNvPr id="110" name="Shape 110"/>
-          <p:cNvSpPr txBox="1"/>
+          <p:cNvSpPr txBox="1">
+            <a:spLocks noGrp="1"/>
+          </p:cNvSpPr>
           <p:nvPr>
-            <p:ph idx="1" type="body"/>
+            <p:ph type="body" idx="1"/>
           </p:nvPr>
         </p:nvSpPr>
         <p:spPr>
@@ -1160,12 +1209,12 @@
           </a:prstGeom>
         </p:spPr>
         <p:txBody>
-          <a:bodyPr anchorCtr="0" anchor="t" bIns="91425" lIns="91425" spcFirstLastPara="1" rIns="91425" wrap="square" tIns="91425">
+          <a:bodyPr spcFirstLastPara="1" wrap="square" lIns="91425" tIns="91425" rIns="91425" bIns="91425" anchor="t" anchorCtr="0">
             <a:noAutofit/>
           </a:bodyPr>
           <a:lstStyle/>
           <a:p>
-            <a:pPr indent="0" lvl="0" marL="0">
+            <a:pPr marL="0" lvl="0" indent="0">
               <a:spcBef>
                 <a:spcPts val="0"/>
               </a:spcBef>
@@ -1174,9 +1223,6 @@
               </a:spcAft>
               <a:buNone/>
             </a:pPr>
-            <a:r>
-              <a:t/>
-            </a:r>
             <a:endParaRPr/>
           </a:p>
         </p:txBody>
@@ -1190,11 +1236,11 @@
 </file>
 
 <file path=ppt/notesSlides/notesSlide6.xml><?xml version="1.0" encoding="utf-8"?>
-<p:notes xmlns:a="http://schemas.openxmlformats.org/drawingml/2006/main" xmlns:r="http://schemas.openxmlformats.org/officeDocument/2006/relationships" xmlns:mc="http://schemas.openxmlformats.org/markup-compatibility/2006" xmlns:mv="urn:schemas-microsoft-com:mac:vml" xmlns:p="http://schemas.openxmlformats.org/presentationml/2006/main" xmlns:c="http://schemas.openxmlformats.org/drawingml/2006/chart" xmlns:dgm="http://schemas.openxmlformats.org/drawingml/2006/diagram" xmlns:o="urn:schemas-microsoft-com:office:office" xmlns:v="urn:schemas-microsoft-com:vml" xmlns:pvml="urn:schemas-microsoft-com:office:powerpoint" xmlns:com="http://schemas.openxmlformats.org/drawingml/2006/compatibility" xmlns:p14="http://schemas.microsoft.com/office/powerpoint/2010/main" xmlns:p15="http://schemas.microsoft.com/office/powerpoint/2012/main" showMasterPhAnim="0" showMasterSp="0">
+<p:notes xmlns:a="http://schemas.openxmlformats.org/drawingml/2006/main" xmlns:r="http://schemas.openxmlformats.org/officeDocument/2006/relationships" xmlns:p="http://schemas.openxmlformats.org/presentationml/2006/main" showMasterSp="0" showMasterPhAnim="0">
   <p:cSld>
     <p:spTree>
       <p:nvGrpSpPr>
-        <p:cNvPr id="114" name="Shape 114"/>
+        <p:cNvPr id="1" name="Shape 114"/>
         <p:cNvGrpSpPr/>
         <p:nvPr/>
       </p:nvGrpSpPr>
@@ -1209,9 +1255,11 @@
       <p:sp>
         <p:nvSpPr>
           <p:cNvPr id="115" name="Shape 115"/>
-          <p:cNvSpPr/>
+          <p:cNvSpPr>
+            <a:spLocks noGrp="1" noRot="1" noChangeAspect="1"/>
+          </p:cNvSpPr>
           <p:nvPr>
-            <p:ph idx="2" type="sldImg"/>
+            <p:ph type="sldImg" idx="2"/>
           </p:nvPr>
         </p:nvSpPr>
         <p:spPr>
@@ -1220,8 +1268,13 @@
             <a:ext cx="6096000" cy="3429000"/>
           </a:xfrm>
           <a:custGeom>
+            <a:avLst/>
+            <a:gdLst/>
+            <a:ahLst/>
+            <a:cxnLst/>
+            <a:rect l="0" t="0" r="0" b="0"/>
             <a:pathLst>
-              <a:path extrusionOk="0" h="120000" w="120000">
+              <a:path w="120000" h="120000" extrusionOk="0">
                 <a:moveTo>
                   <a:pt x="0" y="0"/>
                 </a:moveTo>
@@ -1243,9 +1296,11 @@
       <p:sp>
         <p:nvSpPr>
           <p:cNvPr id="116" name="Shape 116"/>
-          <p:cNvSpPr txBox="1"/>
+          <p:cNvSpPr txBox="1">
+            <a:spLocks noGrp="1"/>
+          </p:cNvSpPr>
           <p:nvPr>
-            <p:ph idx="1" type="body"/>
+            <p:ph type="body" idx="1"/>
           </p:nvPr>
         </p:nvSpPr>
         <p:spPr>
@@ -1258,12 +1313,12 @@
           </a:prstGeom>
         </p:spPr>
         <p:txBody>
-          <a:bodyPr anchorCtr="0" anchor="t" bIns="91425" lIns="91425" spcFirstLastPara="1" rIns="91425" wrap="square" tIns="91425">
+          <a:bodyPr spcFirstLastPara="1" wrap="square" lIns="91425" tIns="91425" rIns="91425" bIns="91425" anchor="t" anchorCtr="0">
             <a:noAutofit/>
           </a:bodyPr>
           <a:lstStyle/>
           <a:p>
-            <a:pPr indent="0" lvl="0" marL="0">
+            <a:pPr marL="0" lvl="0" indent="0">
               <a:spcBef>
                 <a:spcPts val="0"/>
               </a:spcBef>
@@ -1272,9 +1327,6 @@
               </a:spcAft>
               <a:buNone/>
             </a:pPr>
-            <a:r>
-              <a:t/>
-            </a:r>
             <a:endParaRPr/>
           </a:p>
         </p:txBody>
@@ -1288,11 +1340,11 @@
 </file>
 
 <file path=ppt/notesSlides/notesSlide7.xml><?xml version="1.0" encoding="utf-8"?>
-<p:notes xmlns:a="http://schemas.openxmlformats.org/drawingml/2006/main" xmlns:r="http://schemas.openxmlformats.org/officeDocument/2006/relationships" xmlns:mc="http://schemas.openxmlformats.org/markup-compatibility/2006" xmlns:mv="urn:schemas-microsoft-com:mac:vml" xmlns:p="http://schemas.openxmlformats.org/presentationml/2006/main" xmlns:c="http://schemas.openxmlformats.org/drawingml/2006/chart" xmlns:dgm="http://schemas.openxmlformats.org/drawingml/2006/diagram" xmlns:o="urn:schemas-microsoft-com:office:office" xmlns:v="urn:schemas-microsoft-com:vml" xmlns:pvml="urn:schemas-microsoft-com:office:powerpoint" xmlns:com="http://schemas.openxmlformats.org/drawingml/2006/compatibility" xmlns:p14="http://schemas.microsoft.com/office/powerpoint/2010/main" xmlns:p15="http://schemas.microsoft.com/office/powerpoint/2012/main" showMasterPhAnim="0" showMasterSp="0">
+<p:notes xmlns:a="http://schemas.openxmlformats.org/drawingml/2006/main" xmlns:r="http://schemas.openxmlformats.org/officeDocument/2006/relationships" xmlns:p="http://schemas.openxmlformats.org/presentationml/2006/main" showMasterSp="0" showMasterPhAnim="0">
   <p:cSld>
     <p:spTree>
       <p:nvGrpSpPr>
-        <p:cNvPr id="144" name="Shape 144"/>
+        <p:cNvPr id="1" name="Shape 144"/>
         <p:cNvGrpSpPr/>
         <p:nvPr/>
       </p:nvGrpSpPr>
@@ -1307,19 +1359,26 @@
       <p:sp>
         <p:nvSpPr>
           <p:cNvPr id="145" name="Shape 145"/>
-          <p:cNvSpPr/>
+          <p:cNvSpPr>
+            <a:spLocks noGrp="1" noRot="1" noChangeAspect="1"/>
+          </p:cNvSpPr>
           <p:nvPr>
-            <p:ph idx="2" type="sldImg"/>
+            <p:ph type="sldImg" idx="2"/>
           </p:nvPr>
         </p:nvSpPr>
         <p:spPr>
           <a:xfrm>
-            <a:off x="381300" y="685800"/>
+            <a:off x="381000" y="685800"/>
             <a:ext cx="6096000" cy="3429000"/>
           </a:xfrm>
           <a:custGeom>
+            <a:avLst/>
+            <a:gdLst/>
+            <a:ahLst/>
+            <a:cxnLst/>
+            <a:rect l="0" t="0" r="0" b="0"/>
             <a:pathLst>
-              <a:path extrusionOk="0" h="120000" w="120000">
+              <a:path w="120000" h="120000" extrusionOk="0">
                 <a:moveTo>
                   <a:pt x="0" y="0"/>
                 </a:moveTo>
@@ -1341,9 +1400,11 @@
       <p:sp>
         <p:nvSpPr>
           <p:cNvPr id="146" name="Shape 146"/>
-          <p:cNvSpPr txBox="1"/>
+          <p:cNvSpPr txBox="1">
+            <a:spLocks noGrp="1"/>
+          </p:cNvSpPr>
           <p:nvPr>
-            <p:ph idx="1" type="body"/>
+            <p:ph type="body" idx="1"/>
           </p:nvPr>
         </p:nvSpPr>
         <p:spPr>
@@ -1356,12 +1417,12 @@
           </a:prstGeom>
         </p:spPr>
         <p:txBody>
-          <a:bodyPr anchorCtr="0" anchor="t" bIns="91425" lIns="91425" spcFirstLastPara="1" rIns="91425" wrap="square" tIns="91425">
+          <a:bodyPr spcFirstLastPara="1" wrap="square" lIns="91425" tIns="91425" rIns="91425" bIns="91425" anchor="t" anchorCtr="0">
             <a:noAutofit/>
           </a:bodyPr>
           <a:lstStyle/>
           <a:p>
-            <a:pPr indent="0" lvl="0" marL="0">
+            <a:pPr marL="0" lvl="0" indent="0">
               <a:spcBef>
                 <a:spcPts val="0"/>
               </a:spcBef>
@@ -1370,9 +1431,6 @@
               </a:spcAft>
               <a:buNone/>
             </a:pPr>
-            <a:r>
-              <a:t/>
-            </a:r>
             <a:endParaRPr/>
           </a:p>
         </p:txBody>
@@ -1386,11 +1444,11 @@
 </file>
 
 <file path=ppt/notesSlides/notesSlide8.xml><?xml version="1.0" encoding="utf-8"?>
-<p:notes xmlns:a="http://schemas.openxmlformats.org/drawingml/2006/main" xmlns:r="http://schemas.openxmlformats.org/officeDocument/2006/relationships" xmlns:mc="http://schemas.openxmlformats.org/markup-compatibility/2006" xmlns:mv="urn:schemas-microsoft-com:mac:vml" xmlns:p="http://schemas.openxmlformats.org/presentationml/2006/main" xmlns:c="http://schemas.openxmlformats.org/drawingml/2006/chart" xmlns:dgm="http://schemas.openxmlformats.org/drawingml/2006/diagram" xmlns:o="urn:schemas-microsoft-com:office:office" xmlns:v="urn:schemas-microsoft-com:vml" xmlns:pvml="urn:schemas-microsoft-com:office:powerpoint" xmlns:com="http://schemas.openxmlformats.org/drawingml/2006/compatibility" xmlns:p14="http://schemas.microsoft.com/office/powerpoint/2010/main" xmlns:p15="http://schemas.microsoft.com/office/powerpoint/2012/main" showMasterPhAnim="0" showMasterSp="0">
+<p:notes xmlns:a="http://schemas.openxmlformats.org/drawingml/2006/main" xmlns:r="http://schemas.openxmlformats.org/officeDocument/2006/relationships" xmlns:p="http://schemas.openxmlformats.org/presentationml/2006/main" showMasterSp="0" showMasterPhAnim="0">
   <p:cSld>
     <p:spTree>
       <p:nvGrpSpPr>
-        <p:cNvPr id="151" name="Shape 151"/>
+        <p:cNvPr id="1" name="Shape 151"/>
         <p:cNvGrpSpPr/>
         <p:nvPr/>
       </p:nvGrpSpPr>
@@ -1405,9 +1463,11 @@
       <p:sp>
         <p:nvSpPr>
           <p:cNvPr id="152" name="Shape 152"/>
-          <p:cNvSpPr/>
+          <p:cNvSpPr>
+            <a:spLocks noGrp="1" noRot="1" noChangeAspect="1"/>
+          </p:cNvSpPr>
           <p:nvPr>
-            <p:ph idx="2" type="sldImg"/>
+            <p:ph type="sldImg" idx="2"/>
           </p:nvPr>
         </p:nvSpPr>
         <p:spPr>
@@ -1416,8 +1476,13 @@
             <a:ext cx="6096000" cy="3429000"/>
           </a:xfrm>
           <a:custGeom>
+            <a:avLst/>
+            <a:gdLst/>
+            <a:ahLst/>
+            <a:cxnLst/>
+            <a:rect l="0" t="0" r="0" b="0"/>
             <a:pathLst>
-              <a:path extrusionOk="0" h="120000" w="120000">
+              <a:path w="120000" h="120000" extrusionOk="0">
                 <a:moveTo>
                   <a:pt x="0" y="0"/>
                 </a:moveTo>
@@ -1439,9 +1504,11 @@
       <p:sp>
         <p:nvSpPr>
           <p:cNvPr id="153" name="Shape 153"/>
-          <p:cNvSpPr txBox="1"/>
+          <p:cNvSpPr txBox="1">
+            <a:spLocks noGrp="1"/>
+          </p:cNvSpPr>
           <p:nvPr>
-            <p:ph idx="1" type="body"/>
+            <p:ph type="body" idx="1"/>
           </p:nvPr>
         </p:nvSpPr>
         <p:spPr>
@@ -1454,12 +1521,12 @@
           </a:prstGeom>
         </p:spPr>
         <p:txBody>
-          <a:bodyPr anchorCtr="0" anchor="t" bIns="91425" lIns="91425" spcFirstLastPara="1" rIns="91425" wrap="square" tIns="91425">
+          <a:bodyPr spcFirstLastPara="1" wrap="square" lIns="91425" tIns="91425" rIns="91425" bIns="91425" anchor="t" anchorCtr="0">
             <a:noAutofit/>
           </a:bodyPr>
           <a:lstStyle/>
           <a:p>
-            <a:pPr indent="0" lvl="0" marL="0">
+            <a:pPr marL="0" lvl="0" indent="0">
               <a:spcBef>
                 <a:spcPts val="0"/>
               </a:spcBef>
@@ -1468,9 +1535,6 @@
               </a:spcAft>
               <a:buNone/>
             </a:pPr>
-            <a:r>
-              <a:t/>
-            </a:r>
             <a:endParaRPr/>
           </a:p>
         </p:txBody>
@@ -1484,18 +1548,19 @@
 </file>
 
 <file path=ppt/slideLayouts/slideLayout1.xml><?xml version="1.0" encoding="utf-8"?>
-<p:sldLayout xmlns:a="http://schemas.openxmlformats.org/drawingml/2006/main" xmlns:r="http://schemas.openxmlformats.org/officeDocument/2006/relationships" xmlns:mc="http://schemas.openxmlformats.org/markup-compatibility/2006" xmlns:mv="urn:schemas-microsoft-com:mac:vml" xmlns:p="http://schemas.openxmlformats.org/presentationml/2006/main" xmlns:c="http://schemas.openxmlformats.org/drawingml/2006/chart" xmlns:dgm="http://schemas.openxmlformats.org/drawingml/2006/diagram" xmlns:o="urn:schemas-microsoft-com:office:office" xmlns:v="urn:schemas-microsoft-com:vml" xmlns:pvml="urn:schemas-microsoft-com:office:powerpoint" xmlns:com="http://schemas.openxmlformats.org/drawingml/2006/compatibility" xmlns:p14="http://schemas.microsoft.com/office/powerpoint/2010/main" xmlns:p15="http://schemas.microsoft.com/office/powerpoint/2012/main" matchingName="Title slide" type="title">
+<p:sldLayout xmlns:a="http://schemas.openxmlformats.org/drawingml/2006/main" xmlns:r="http://schemas.openxmlformats.org/officeDocument/2006/relationships" xmlns:p="http://schemas.openxmlformats.org/presentationml/2006/main" matchingName="Title slide" type="title">
   <p:cSld name="TITLE">
     <p:bg>
       <p:bgPr>
         <a:solidFill>
           <a:schemeClr val="dk1"/>
         </a:solidFill>
+        <a:effectLst/>
       </p:bgPr>
     </p:bg>
     <p:spTree>
       <p:nvGrpSpPr>
-        <p:cNvPr id="9" name="Shape 9"/>
+        <p:cNvPr id="1" name="Shape 9"/>
         <p:cNvGrpSpPr/>
         <p:nvPr/>
       </p:nvGrpSpPr>
@@ -1543,12 +1608,12 @@
             </a:ln>
           </p:spPr>
           <p:txBody>
-            <a:bodyPr anchorCtr="0" anchor="ctr" bIns="91425" lIns="91425" spcFirstLastPara="1" rIns="91425" wrap="square" tIns="91425">
+            <a:bodyPr spcFirstLastPara="1" wrap="square" lIns="91425" tIns="91425" rIns="91425" bIns="91425" anchor="ctr" anchorCtr="0">
               <a:noAutofit/>
             </a:bodyPr>
             <a:lstStyle/>
             <a:p>
-              <a:pPr indent="0" lvl="0" marL="0">
+              <a:pPr marL="0" lvl="0" indent="0">
                 <a:spcBef>
                   <a:spcPts val="0"/>
                 </a:spcBef>
@@ -1557,9 +1622,6 @@
                 </a:spcAft>
                 <a:buNone/>
               </a:pPr>
-              <a:r>
-                <a:t/>
-              </a:r>
               <a:endParaRPr/>
             </a:p>
           </p:txBody>
@@ -1586,12 +1648,12 @@
             </a:ln>
           </p:spPr>
           <p:txBody>
-            <a:bodyPr anchorCtr="0" anchor="ctr" bIns="91425" lIns="91425" spcFirstLastPara="1" rIns="91425" wrap="square" tIns="91425">
+            <a:bodyPr spcFirstLastPara="1" wrap="square" lIns="91425" tIns="91425" rIns="91425" bIns="91425" anchor="ctr" anchorCtr="0">
               <a:noAutofit/>
             </a:bodyPr>
             <a:lstStyle/>
             <a:p>
-              <a:pPr indent="0" lvl="0" marL="0">
+              <a:pPr marL="0" lvl="0" indent="0">
                 <a:spcBef>
                   <a:spcPts val="0"/>
                 </a:spcBef>
@@ -1600,9 +1662,6 @@
                 </a:spcAft>
                 <a:buNone/>
               </a:pPr>
-              <a:r>
-                <a:t/>
-              </a:r>
               <a:endParaRPr/>
             </a:p>
           </p:txBody>
@@ -1614,7 +1673,7 @@
             <p:nvPr/>
           </p:nvSpPr>
           <p:spPr>
-            <a:xfrm flipH="1" rot="10800000">
+            <a:xfrm rot="10800000" flipH="1">
               <a:off x="7113588" y="107"/>
               <a:ext cx="1015200" cy="1015200"/>
             </a:xfrm>
@@ -1629,12 +1688,12 @@
             </a:ln>
           </p:spPr>
           <p:txBody>
-            <a:bodyPr anchorCtr="0" anchor="ctr" bIns="91425" lIns="91425" spcFirstLastPara="1" rIns="91425" wrap="square" tIns="91425">
+            <a:bodyPr spcFirstLastPara="1" wrap="square" lIns="91425" tIns="91425" rIns="91425" bIns="91425" anchor="ctr" anchorCtr="0">
               <a:noAutofit/>
             </a:bodyPr>
             <a:lstStyle/>
             <a:p>
-              <a:pPr indent="0" lvl="0" marL="0">
+              <a:pPr marL="0" lvl="0" indent="0">
                 <a:spcBef>
                   <a:spcPts val="0"/>
                 </a:spcBef>
@@ -1643,9 +1702,6 @@
                 </a:spcAft>
                 <a:buNone/>
               </a:pPr>
-              <a:r>
-                <a:t/>
-              </a:r>
               <a:endParaRPr/>
             </a:p>
           </p:txBody>
@@ -1672,12 +1728,12 @@
             </a:ln>
           </p:spPr>
           <p:txBody>
-            <a:bodyPr anchorCtr="0" anchor="ctr" bIns="91425" lIns="91425" spcFirstLastPara="1" rIns="91425" wrap="square" tIns="91425">
+            <a:bodyPr spcFirstLastPara="1" wrap="square" lIns="91425" tIns="91425" rIns="91425" bIns="91425" anchor="ctr" anchorCtr="0">
               <a:noAutofit/>
             </a:bodyPr>
             <a:lstStyle/>
             <a:p>
-              <a:pPr indent="0" lvl="0" marL="0">
+              <a:pPr marL="0" lvl="0" indent="0">
                 <a:spcBef>
                   <a:spcPts val="0"/>
                 </a:spcBef>
@@ -1686,9 +1742,6 @@
                 </a:spcAft>
                 <a:buNone/>
               </a:pPr>
-              <a:r>
-                <a:t/>
-              </a:r>
               <a:endParaRPr/>
             </a:p>
           </p:txBody>
@@ -1715,12 +1768,12 @@
             </a:ln>
           </p:spPr>
           <p:txBody>
-            <a:bodyPr anchorCtr="0" anchor="ctr" bIns="91425" lIns="91425" spcFirstLastPara="1" rIns="91425" wrap="square" tIns="91425">
+            <a:bodyPr spcFirstLastPara="1" wrap="square" lIns="91425" tIns="91425" rIns="91425" bIns="91425" anchor="ctr" anchorCtr="0">
               <a:noAutofit/>
             </a:bodyPr>
             <a:lstStyle/>
             <a:p>
-              <a:pPr indent="0" lvl="0" marL="0">
+              <a:pPr marL="0" lvl="0" indent="0">
                 <a:spcBef>
                   <a:spcPts val="0"/>
                 </a:spcBef>
@@ -1729,9 +1782,6 @@
                 </a:spcAft>
                 <a:buNone/>
               </a:pPr>
-              <a:r>
-                <a:t/>
-              </a:r>
               <a:endParaRPr/>
             </a:p>
           </p:txBody>
@@ -1740,7 +1790,9 @@
       <p:sp>
         <p:nvSpPr>
           <p:cNvPr id="16" name="Shape 16"/>
-          <p:cNvSpPr txBox="1"/>
+          <p:cNvSpPr txBox="1">
+            <a:spLocks noGrp="1"/>
+          </p:cNvSpPr>
           <p:nvPr>
             <p:ph type="ctrTitle"/>
           </p:nvPr>
@@ -1755,7 +1807,7 @@
           </a:prstGeom>
         </p:spPr>
         <p:txBody>
-          <a:bodyPr anchorCtr="0" anchor="b" bIns="91425" lIns="91425" spcFirstLastPara="1" rIns="91425" wrap="square" tIns="91425"/>
+          <a:bodyPr spcFirstLastPara="1" wrap="square" lIns="91425" tIns="91425" rIns="91425" bIns="91425" anchor="b" anchorCtr="0"/>
           <a:lstStyle>
             <a:lvl1pPr lvl="0" rtl="0">
               <a:spcBef>
@@ -1920,15 +1972,19 @@
               </a:defRPr>
             </a:lvl9pPr>
           </a:lstStyle>
-          <a:p/>
+          <a:p>
+            <a:endParaRPr/>
+          </a:p>
         </p:txBody>
       </p:sp>
       <p:sp>
         <p:nvSpPr>
           <p:cNvPr id="17" name="Shape 17"/>
-          <p:cNvSpPr txBox="1"/>
+          <p:cNvSpPr txBox="1">
+            <a:spLocks noGrp="1"/>
+          </p:cNvSpPr>
           <p:nvPr>
-            <p:ph idx="1" type="subTitle"/>
+            <p:ph type="subTitle" idx="1"/>
           </p:nvPr>
         </p:nvSpPr>
         <p:spPr>
@@ -1941,7 +1997,7 @@
           </a:prstGeom>
         </p:spPr>
         <p:txBody>
-          <a:bodyPr anchorCtr="0" anchor="t" bIns="91425" lIns="91425" spcFirstLastPara="1" rIns="91425" wrap="square" tIns="91425"/>
+          <a:bodyPr spcFirstLastPara="1" wrap="square" lIns="91425" tIns="91425" rIns="91425" bIns="91425" anchor="t" anchorCtr="0"/>
           <a:lstStyle>
             <a:lvl1pPr lvl="0" rtl="0">
               <a:lnSpc>
@@ -2133,15 +2189,19 @@
               </a:defRPr>
             </a:lvl9pPr>
           </a:lstStyle>
-          <a:p/>
+          <a:p>
+            <a:endParaRPr/>
+          </a:p>
         </p:txBody>
       </p:sp>
       <p:sp>
         <p:nvSpPr>
           <p:cNvPr id="18" name="Shape 18"/>
-          <p:cNvSpPr txBox="1"/>
+          <p:cNvSpPr txBox="1">
+            <a:spLocks noGrp="1"/>
+          </p:cNvSpPr>
           <p:nvPr>
-            <p:ph idx="12" type="sldNum"/>
+            <p:ph type="sldNum" idx="12"/>
           </p:nvPr>
         </p:nvSpPr>
         <p:spPr>
@@ -2154,7 +2214,7 @@
           </a:prstGeom>
         </p:spPr>
         <p:txBody>
-          <a:bodyPr anchorCtr="0" anchor="ctr" bIns="91425" lIns="91425" spcFirstLastPara="1" rIns="91425" wrap="square" tIns="91425">
+          <a:bodyPr spcFirstLastPara="1" wrap="square" lIns="91425" tIns="91425" rIns="91425" bIns="91425" anchor="ctr" anchorCtr="0">
             <a:noAutofit/>
           </a:bodyPr>
           <a:lstStyle>
@@ -2196,7 +2256,7 @@
             </a:lvl9pPr>
           </a:lstStyle>
           <a:p>
-            <a:pPr indent="0" lvl="0" marL="0">
+            <a:pPr marL="0" lvl="0" indent="0">
               <a:spcBef>
                 <a:spcPts val="0"/>
               </a:spcBef>
@@ -2207,7 +2267,7 @@
             </a:pPr>
             <a:fld id="{00000000-1234-1234-1234-123412341234}" type="slidenum">
               <a:rPr lang="fr"/>
-              <a:t>‹#›</a:t>
+              <a:t>‹N°›</a:t>
             </a:fld>
             <a:endParaRPr/>
           </a:p>
@@ -2222,18 +2282,19 @@
 </file>
 
 <file path=ppt/slideLayouts/slideLayout10.xml><?xml version="1.0" encoding="utf-8"?>
-<p:sldLayout xmlns:a="http://schemas.openxmlformats.org/drawingml/2006/main" xmlns:r="http://schemas.openxmlformats.org/officeDocument/2006/relationships" xmlns:mc="http://schemas.openxmlformats.org/markup-compatibility/2006" xmlns:mv="urn:schemas-microsoft-com:mac:vml" xmlns:p="http://schemas.openxmlformats.org/presentationml/2006/main" xmlns:c="http://schemas.openxmlformats.org/drawingml/2006/chart" xmlns:dgm="http://schemas.openxmlformats.org/drawingml/2006/diagram" xmlns:o="urn:schemas-microsoft-com:office:office" xmlns:v="urn:schemas-microsoft-com:vml" xmlns:pvml="urn:schemas-microsoft-com:office:powerpoint" xmlns:com="http://schemas.openxmlformats.org/drawingml/2006/compatibility" xmlns:p14="http://schemas.microsoft.com/office/powerpoint/2010/main" xmlns:p15="http://schemas.microsoft.com/office/powerpoint/2012/main" matchingName="Big number">
+<p:sldLayout xmlns:a="http://schemas.openxmlformats.org/drawingml/2006/main" xmlns:r="http://schemas.openxmlformats.org/officeDocument/2006/relationships" xmlns:p="http://schemas.openxmlformats.org/presentationml/2006/main" matchingName="Big number">
   <p:cSld name="BIG_NUMBER">
     <p:bg>
       <p:bgPr>
         <a:solidFill>
           <a:schemeClr val="dk1"/>
         </a:solidFill>
+        <a:effectLst/>
       </p:bgPr>
     </p:bg>
     <p:spTree>
       <p:nvGrpSpPr>
-        <p:cNvPr id="69" name="Shape 69"/>
+        <p:cNvPr id="1" name="Shape 69"/>
         <p:cNvGrpSpPr/>
         <p:nvPr/>
       </p:nvGrpSpPr>
@@ -2281,12 +2342,12 @@
             </a:ln>
           </p:spPr>
           <p:txBody>
-            <a:bodyPr anchorCtr="0" anchor="ctr" bIns="91425" lIns="91425" spcFirstLastPara="1" rIns="91425" wrap="square" tIns="91425">
+            <a:bodyPr spcFirstLastPara="1" wrap="square" lIns="91425" tIns="91425" rIns="91425" bIns="91425" anchor="ctr" anchorCtr="0">
               <a:noAutofit/>
             </a:bodyPr>
             <a:lstStyle/>
             <a:p>
-              <a:pPr indent="0" lvl="0" marL="0">
+              <a:pPr marL="0" lvl="0" indent="0">
                 <a:spcBef>
                   <a:spcPts val="0"/>
                 </a:spcBef>
@@ -2295,9 +2356,6 @@
                 </a:spcAft>
                 <a:buNone/>
               </a:pPr>
-              <a:r>
-                <a:t/>
-              </a:r>
               <a:endParaRPr/>
             </a:p>
           </p:txBody>
@@ -2324,12 +2382,12 @@
             </a:ln>
           </p:spPr>
           <p:txBody>
-            <a:bodyPr anchorCtr="0" anchor="ctr" bIns="91425" lIns="91425" spcFirstLastPara="1" rIns="91425" wrap="square" tIns="91425">
+            <a:bodyPr spcFirstLastPara="1" wrap="square" lIns="91425" tIns="91425" rIns="91425" bIns="91425" anchor="ctr" anchorCtr="0">
               <a:noAutofit/>
             </a:bodyPr>
             <a:lstStyle/>
             <a:p>
-              <a:pPr indent="0" lvl="0" marL="0">
+              <a:pPr marL="0" lvl="0" indent="0">
                 <a:spcBef>
                   <a:spcPts val="0"/>
                 </a:spcBef>
@@ -2338,9 +2396,6 @@
                 </a:spcAft>
                 <a:buNone/>
               </a:pPr>
-              <a:r>
-                <a:t/>
-              </a:r>
               <a:endParaRPr/>
             </a:p>
           </p:txBody>
@@ -2352,7 +2407,7 @@
             <p:nvPr/>
           </p:nvSpPr>
           <p:spPr>
-            <a:xfrm flipH="1" rot="10800000">
+            <a:xfrm rot="10800000" flipH="1">
               <a:off x="7113588" y="107"/>
               <a:ext cx="1015200" cy="1015200"/>
             </a:xfrm>
@@ -2367,12 +2422,12 @@
             </a:ln>
           </p:spPr>
           <p:txBody>
-            <a:bodyPr anchorCtr="0" anchor="ctr" bIns="91425" lIns="91425" spcFirstLastPara="1" rIns="91425" wrap="square" tIns="91425">
+            <a:bodyPr spcFirstLastPara="1" wrap="square" lIns="91425" tIns="91425" rIns="91425" bIns="91425" anchor="ctr" anchorCtr="0">
               <a:noAutofit/>
             </a:bodyPr>
             <a:lstStyle/>
             <a:p>
-              <a:pPr indent="0" lvl="0" marL="0">
+              <a:pPr marL="0" lvl="0" indent="0">
                 <a:spcBef>
                   <a:spcPts val="0"/>
                 </a:spcBef>
@@ -2381,9 +2436,6 @@
                 </a:spcAft>
                 <a:buNone/>
               </a:pPr>
-              <a:r>
-                <a:t/>
-              </a:r>
               <a:endParaRPr/>
             </a:p>
           </p:txBody>
@@ -2410,12 +2462,12 @@
             </a:ln>
           </p:spPr>
           <p:txBody>
-            <a:bodyPr anchorCtr="0" anchor="ctr" bIns="91425" lIns="91425" spcFirstLastPara="1" rIns="91425" wrap="square" tIns="91425">
+            <a:bodyPr spcFirstLastPara="1" wrap="square" lIns="91425" tIns="91425" rIns="91425" bIns="91425" anchor="ctr" anchorCtr="0">
               <a:noAutofit/>
             </a:bodyPr>
             <a:lstStyle/>
             <a:p>
-              <a:pPr indent="0" lvl="0" marL="0">
+              <a:pPr marL="0" lvl="0" indent="0">
                 <a:spcBef>
                   <a:spcPts val="0"/>
                 </a:spcBef>
@@ -2424,9 +2476,6 @@
                 </a:spcAft>
                 <a:buNone/>
               </a:pPr>
-              <a:r>
-                <a:t/>
-              </a:r>
               <a:endParaRPr/>
             </a:p>
           </p:txBody>
@@ -2453,12 +2502,12 @@
             </a:ln>
           </p:spPr>
           <p:txBody>
-            <a:bodyPr anchorCtr="0" anchor="ctr" bIns="91425" lIns="91425" spcFirstLastPara="1" rIns="91425" wrap="square" tIns="91425">
+            <a:bodyPr spcFirstLastPara="1" wrap="square" lIns="91425" tIns="91425" rIns="91425" bIns="91425" anchor="ctr" anchorCtr="0">
               <a:noAutofit/>
             </a:bodyPr>
             <a:lstStyle/>
             <a:p>
-              <a:pPr indent="0" lvl="0" marL="0">
+              <a:pPr marL="0" lvl="0" indent="0">
                 <a:spcBef>
                   <a:spcPts val="0"/>
                 </a:spcBef>
@@ -2467,9 +2516,6 @@
                 </a:spcAft>
                 <a:buNone/>
               </a:pPr>
-              <a:r>
-                <a:t/>
-              </a:r>
               <a:endParaRPr/>
             </a:p>
           </p:txBody>
@@ -2478,9 +2524,11 @@
       <p:sp>
         <p:nvSpPr>
           <p:cNvPr id="76" name="Shape 76"/>
-          <p:cNvSpPr txBox="1"/>
+          <p:cNvSpPr txBox="1">
+            <a:spLocks noGrp="1"/>
+          </p:cNvSpPr>
           <p:nvPr>
-            <p:ph hasCustomPrompt="1" type="title"/>
+            <p:ph type="title" hasCustomPrompt="1"/>
           </p:nvPr>
         </p:nvSpPr>
         <p:spPr>
@@ -2493,9 +2541,9 @@
           </a:prstGeom>
         </p:spPr>
         <p:txBody>
-          <a:bodyPr anchorCtr="0" anchor="b" bIns="91425" lIns="91425" spcFirstLastPara="1" rIns="91425" wrap="square" tIns="91425"/>
+          <a:bodyPr spcFirstLastPara="1" wrap="square" lIns="91425" tIns="91425" rIns="91425" bIns="91425" anchor="b" anchorCtr="0"/>
           <a:lstStyle>
-            <a:lvl1pPr lvl="0" rtl="0" algn="ctr">
+            <a:lvl1pPr lvl="0" algn="ctr" rtl="0">
               <a:spcBef>
                 <a:spcPts val="0"/>
               </a:spcBef>
@@ -2513,7 +2561,7 @@
                 </a:solidFill>
               </a:defRPr>
             </a:lvl1pPr>
-            <a:lvl2pPr lvl="1" rtl="0" algn="ctr">
+            <a:lvl2pPr lvl="1" algn="ctr" rtl="0">
               <a:spcBef>
                 <a:spcPts val="0"/>
               </a:spcBef>
@@ -2531,7 +2579,7 @@
                 </a:solidFill>
               </a:defRPr>
             </a:lvl2pPr>
-            <a:lvl3pPr lvl="2" rtl="0" algn="ctr">
+            <a:lvl3pPr lvl="2" algn="ctr" rtl="0">
               <a:spcBef>
                 <a:spcPts val="0"/>
               </a:spcBef>
@@ -2549,7 +2597,7 @@
                 </a:solidFill>
               </a:defRPr>
             </a:lvl3pPr>
-            <a:lvl4pPr lvl="3" rtl="0" algn="ctr">
+            <a:lvl4pPr lvl="3" algn="ctr" rtl="0">
               <a:spcBef>
                 <a:spcPts val="0"/>
               </a:spcBef>
@@ -2567,7 +2615,7 @@
                 </a:solidFill>
               </a:defRPr>
             </a:lvl4pPr>
-            <a:lvl5pPr lvl="4" rtl="0" algn="ctr">
+            <a:lvl5pPr lvl="4" algn="ctr" rtl="0">
               <a:spcBef>
                 <a:spcPts val="0"/>
               </a:spcBef>
@@ -2585,7 +2633,7 @@
                 </a:solidFill>
               </a:defRPr>
             </a:lvl5pPr>
-            <a:lvl6pPr lvl="5" rtl="0" algn="ctr">
+            <a:lvl6pPr lvl="5" algn="ctr" rtl="0">
               <a:spcBef>
                 <a:spcPts val="0"/>
               </a:spcBef>
@@ -2603,7 +2651,7 @@
                 </a:solidFill>
               </a:defRPr>
             </a:lvl6pPr>
-            <a:lvl7pPr lvl="6" rtl="0" algn="ctr">
+            <a:lvl7pPr lvl="6" algn="ctr" rtl="0">
               <a:spcBef>
                 <a:spcPts val="0"/>
               </a:spcBef>
@@ -2621,7 +2669,7 @@
                 </a:solidFill>
               </a:defRPr>
             </a:lvl7pPr>
-            <a:lvl8pPr lvl="7" rtl="0" algn="ctr">
+            <a:lvl8pPr lvl="7" algn="ctr" rtl="0">
               <a:spcBef>
                 <a:spcPts val="0"/>
               </a:spcBef>
@@ -2639,7 +2687,7 @@
                 </a:solidFill>
               </a:defRPr>
             </a:lvl8pPr>
-            <a:lvl9pPr lvl="8" rtl="0" algn="ctr">
+            <a:lvl9pPr lvl="8" algn="ctr" rtl="0">
               <a:spcBef>
                 <a:spcPts val="0"/>
               </a:spcBef>
@@ -2668,9 +2716,11 @@
       <p:sp>
         <p:nvSpPr>
           <p:cNvPr id="77" name="Shape 77"/>
-          <p:cNvSpPr txBox="1"/>
+          <p:cNvSpPr txBox="1">
+            <a:spLocks noGrp="1"/>
+          </p:cNvSpPr>
           <p:nvPr>
-            <p:ph idx="1" type="body"/>
+            <p:ph type="body" idx="1"/>
           </p:nvPr>
         </p:nvSpPr>
         <p:spPr>
@@ -2683,9 +2733,9 @@
           </a:prstGeom>
         </p:spPr>
         <p:txBody>
-          <a:bodyPr anchorCtr="0" anchor="t" bIns="91425" lIns="91425" spcFirstLastPara="1" rIns="91425" wrap="square" tIns="91425"/>
+          <a:bodyPr spcFirstLastPara="1" wrap="square" lIns="91425" tIns="91425" rIns="91425" bIns="91425" anchor="t" anchorCtr="0"/>
           <a:lstStyle>
-            <a:lvl1pPr indent="-342900" lvl="0" marL="457200" rtl="0" algn="ctr">
+            <a:lvl1pPr marL="457200" lvl="0" indent="-342900" algn="ctr" rtl="0">
               <a:spcBef>
                 <a:spcPts val="0"/>
               </a:spcBef>
@@ -2703,7 +2753,7 @@
                 </a:solidFill>
               </a:defRPr>
             </a:lvl1pPr>
-            <a:lvl2pPr indent="-317500" lvl="1" marL="914400" rtl="0" algn="ctr">
+            <a:lvl2pPr marL="914400" lvl="1" indent="-317500" algn="ctr" rtl="0">
               <a:spcBef>
                 <a:spcPts val="1600"/>
               </a:spcBef>
@@ -2721,7 +2771,7 @@
                 </a:solidFill>
               </a:defRPr>
             </a:lvl2pPr>
-            <a:lvl3pPr indent="-317500" lvl="2" marL="1371600" rtl="0" algn="ctr">
+            <a:lvl3pPr marL="1371600" lvl="2" indent="-317500" algn="ctr" rtl="0">
               <a:spcBef>
                 <a:spcPts val="1600"/>
               </a:spcBef>
@@ -2739,7 +2789,7 @@
                 </a:solidFill>
               </a:defRPr>
             </a:lvl3pPr>
-            <a:lvl4pPr indent="-317500" lvl="3" marL="1828800" rtl="0" algn="ctr">
+            <a:lvl4pPr marL="1828800" lvl="3" indent="-317500" algn="ctr" rtl="0">
               <a:spcBef>
                 <a:spcPts val="1600"/>
               </a:spcBef>
@@ -2757,7 +2807,7 @@
                 </a:solidFill>
               </a:defRPr>
             </a:lvl4pPr>
-            <a:lvl5pPr indent="-317500" lvl="4" marL="2286000" rtl="0" algn="ctr">
+            <a:lvl5pPr marL="2286000" lvl="4" indent="-317500" algn="ctr" rtl="0">
               <a:spcBef>
                 <a:spcPts val="1600"/>
               </a:spcBef>
@@ -2775,7 +2825,7 @@
                 </a:solidFill>
               </a:defRPr>
             </a:lvl5pPr>
-            <a:lvl6pPr indent="-317500" lvl="5" marL="2743200" rtl="0" algn="ctr">
+            <a:lvl6pPr marL="2743200" lvl="5" indent="-317500" algn="ctr" rtl="0">
               <a:spcBef>
                 <a:spcPts val="1600"/>
               </a:spcBef>
@@ -2793,7 +2843,7 @@
                 </a:solidFill>
               </a:defRPr>
             </a:lvl6pPr>
-            <a:lvl7pPr indent="-317500" lvl="6" marL="3200400" rtl="0" algn="ctr">
+            <a:lvl7pPr marL="3200400" lvl="6" indent="-317500" algn="ctr" rtl="0">
               <a:spcBef>
                 <a:spcPts val="1600"/>
               </a:spcBef>
@@ -2811,7 +2861,7 @@
                 </a:solidFill>
               </a:defRPr>
             </a:lvl7pPr>
-            <a:lvl8pPr indent="-317500" lvl="7" marL="3657600" rtl="0" algn="ctr">
+            <a:lvl8pPr marL="3657600" lvl="7" indent="-317500" algn="ctr" rtl="0">
               <a:spcBef>
                 <a:spcPts val="1600"/>
               </a:spcBef>
@@ -2829,7 +2879,7 @@
                 </a:solidFill>
               </a:defRPr>
             </a:lvl8pPr>
-            <a:lvl9pPr indent="-317500" lvl="8" marL="4114800" rtl="0" algn="ctr">
+            <a:lvl9pPr marL="4114800" lvl="8" indent="-317500" algn="ctr" rtl="0">
               <a:spcBef>
                 <a:spcPts val="1600"/>
               </a:spcBef>
@@ -2848,15 +2898,19 @@
               </a:defRPr>
             </a:lvl9pPr>
           </a:lstStyle>
-          <a:p/>
+          <a:p>
+            <a:endParaRPr/>
+          </a:p>
         </p:txBody>
       </p:sp>
       <p:sp>
         <p:nvSpPr>
           <p:cNvPr id="78" name="Shape 78"/>
-          <p:cNvSpPr txBox="1"/>
+          <p:cNvSpPr txBox="1">
+            <a:spLocks noGrp="1"/>
+          </p:cNvSpPr>
           <p:nvPr>
-            <p:ph idx="12" type="sldNum"/>
+            <p:ph type="sldNum" idx="12"/>
           </p:nvPr>
         </p:nvSpPr>
         <p:spPr>
@@ -2869,7 +2923,7 @@
           </a:prstGeom>
         </p:spPr>
         <p:txBody>
-          <a:bodyPr anchorCtr="0" anchor="ctr" bIns="91425" lIns="91425" spcFirstLastPara="1" rIns="91425" wrap="square" tIns="91425">
+          <a:bodyPr spcFirstLastPara="1" wrap="square" lIns="91425" tIns="91425" rIns="91425" bIns="91425" anchor="ctr" anchorCtr="0">
             <a:noAutofit/>
           </a:bodyPr>
           <a:lstStyle>
@@ -2911,7 +2965,7 @@
             </a:lvl9pPr>
           </a:lstStyle>
           <a:p>
-            <a:pPr indent="0" lvl="0" marL="0">
+            <a:pPr marL="0" lvl="0" indent="0">
               <a:spcBef>
                 <a:spcPts val="0"/>
               </a:spcBef>
@@ -2922,7 +2976,7 @@
             </a:pPr>
             <a:fld id="{00000000-1234-1234-1234-123412341234}" type="slidenum">
               <a:rPr lang="fr"/>
-              <a:t>‹#›</a:t>
+              <a:t>‹N°›</a:t>
             </a:fld>
             <a:endParaRPr/>
           </a:p>
@@ -2937,11 +2991,11 @@
 </file>
 
 <file path=ppt/slideLayouts/slideLayout11.xml><?xml version="1.0" encoding="utf-8"?>
-<p:sldLayout xmlns:a="http://schemas.openxmlformats.org/drawingml/2006/main" xmlns:r="http://schemas.openxmlformats.org/officeDocument/2006/relationships" xmlns:mc="http://schemas.openxmlformats.org/markup-compatibility/2006" xmlns:mv="urn:schemas-microsoft-com:mac:vml" xmlns:p="http://schemas.openxmlformats.org/presentationml/2006/main" xmlns:c="http://schemas.openxmlformats.org/drawingml/2006/chart" xmlns:dgm="http://schemas.openxmlformats.org/drawingml/2006/diagram" xmlns:o="urn:schemas-microsoft-com:office:office" xmlns:v="urn:schemas-microsoft-com:vml" xmlns:pvml="urn:schemas-microsoft-com:office:powerpoint" xmlns:com="http://schemas.openxmlformats.org/drawingml/2006/compatibility" xmlns:p14="http://schemas.microsoft.com/office/powerpoint/2010/main" xmlns:p15="http://schemas.microsoft.com/office/powerpoint/2012/main" matchingName="Blank" type="blank">
+<p:sldLayout xmlns:a="http://schemas.openxmlformats.org/drawingml/2006/main" xmlns:r="http://schemas.openxmlformats.org/officeDocument/2006/relationships" xmlns:p="http://schemas.openxmlformats.org/presentationml/2006/main" matchingName="Blank" type="blank">
   <p:cSld name="BLANK">
     <p:spTree>
       <p:nvGrpSpPr>
-        <p:cNvPr id="79" name="Shape 79"/>
+        <p:cNvPr id="1" name="Shape 79"/>
         <p:cNvGrpSpPr/>
         <p:nvPr/>
       </p:nvGrpSpPr>
@@ -2956,9 +3010,11 @@
       <p:sp>
         <p:nvSpPr>
           <p:cNvPr id="80" name="Shape 80"/>
-          <p:cNvSpPr txBox="1"/>
+          <p:cNvSpPr txBox="1">
+            <a:spLocks noGrp="1"/>
+          </p:cNvSpPr>
           <p:nvPr>
-            <p:ph idx="12" type="sldNum"/>
+            <p:ph type="sldNum" idx="12"/>
           </p:nvPr>
         </p:nvSpPr>
         <p:spPr>
@@ -2971,7 +3027,7 @@
           </a:prstGeom>
         </p:spPr>
         <p:txBody>
-          <a:bodyPr anchorCtr="0" anchor="ctr" bIns="91425" lIns="91425" spcFirstLastPara="1" rIns="91425" wrap="square" tIns="91425">
+          <a:bodyPr spcFirstLastPara="1" wrap="square" lIns="91425" tIns="91425" rIns="91425" bIns="91425" anchor="ctr" anchorCtr="0">
             <a:noAutofit/>
           </a:bodyPr>
           <a:lstStyle>
@@ -3049,7 +3105,7 @@
             </a:lvl9pPr>
           </a:lstStyle>
           <a:p>
-            <a:pPr indent="0" lvl="0" marL="0">
+            <a:pPr marL="0" lvl="0" indent="0">
               <a:spcBef>
                 <a:spcPts val="0"/>
               </a:spcBef>
@@ -3060,7 +3116,7 @@
             </a:pPr>
             <a:fld id="{00000000-1234-1234-1234-123412341234}" type="slidenum">
               <a:rPr lang="fr"/>
-              <a:t>‹#›</a:t>
+              <a:t>‹N°›</a:t>
             </a:fld>
             <a:endParaRPr/>
           </a:p>
@@ -3075,18 +3131,19 @@
 </file>
 
 <file path=ppt/slideLayouts/slideLayout2.xml><?xml version="1.0" encoding="utf-8"?>
-<p:sldLayout xmlns:a="http://schemas.openxmlformats.org/drawingml/2006/main" xmlns:r="http://schemas.openxmlformats.org/officeDocument/2006/relationships" xmlns:mc="http://schemas.openxmlformats.org/markup-compatibility/2006" xmlns:mv="urn:schemas-microsoft-com:mac:vml" xmlns:p="http://schemas.openxmlformats.org/presentationml/2006/main" xmlns:c="http://schemas.openxmlformats.org/drawingml/2006/chart" xmlns:dgm="http://schemas.openxmlformats.org/drawingml/2006/diagram" xmlns:o="urn:schemas-microsoft-com:office:office" xmlns:v="urn:schemas-microsoft-com:vml" xmlns:pvml="urn:schemas-microsoft-com:office:powerpoint" xmlns:com="http://schemas.openxmlformats.org/drawingml/2006/compatibility" xmlns:p14="http://schemas.microsoft.com/office/powerpoint/2010/main" xmlns:p15="http://schemas.microsoft.com/office/powerpoint/2012/main" matchingName="Section header" type="secHead">
+<p:sldLayout xmlns:a="http://schemas.openxmlformats.org/drawingml/2006/main" xmlns:r="http://schemas.openxmlformats.org/officeDocument/2006/relationships" xmlns:p="http://schemas.openxmlformats.org/presentationml/2006/main" matchingName="Section header" type="secHead">
   <p:cSld name="SECTION_HEADER">
     <p:bg>
       <p:bgPr>
         <a:solidFill>
           <a:schemeClr val="dk1"/>
         </a:solidFill>
+        <a:effectLst/>
       </p:bgPr>
     </p:bg>
     <p:spTree>
       <p:nvGrpSpPr>
-        <p:cNvPr id="19" name="Shape 19"/>
+        <p:cNvPr id="1" name="Shape 19"/>
         <p:cNvGrpSpPr/>
         <p:nvPr/>
       </p:nvGrpSpPr>
@@ -3134,12 +3191,12 @@
             </a:ln>
           </p:spPr>
           <p:txBody>
-            <a:bodyPr anchorCtr="0" anchor="ctr" bIns="91425" lIns="91425" spcFirstLastPara="1" rIns="91425" wrap="square" tIns="91425">
+            <a:bodyPr spcFirstLastPara="1" wrap="square" lIns="91425" tIns="91425" rIns="91425" bIns="91425" anchor="ctr" anchorCtr="0">
               <a:noAutofit/>
             </a:bodyPr>
             <a:lstStyle/>
             <a:p>
-              <a:pPr indent="0" lvl="0" marL="0">
+              <a:pPr marL="0" lvl="0" indent="0">
                 <a:spcBef>
                   <a:spcPts val="0"/>
                 </a:spcBef>
@@ -3148,9 +3205,6 @@
                 </a:spcAft>
                 <a:buNone/>
               </a:pPr>
-              <a:r>
-                <a:t/>
-              </a:r>
               <a:endParaRPr/>
             </a:p>
           </p:txBody>
@@ -3177,12 +3231,12 @@
             </a:ln>
           </p:spPr>
           <p:txBody>
-            <a:bodyPr anchorCtr="0" anchor="ctr" bIns="91425" lIns="91425" spcFirstLastPara="1" rIns="91425" wrap="square" tIns="91425">
+            <a:bodyPr spcFirstLastPara="1" wrap="square" lIns="91425" tIns="91425" rIns="91425" bIns="91425" anchor="ctr" anchorCtr="0">
               <a:noAutofit/>
             </a:bodyPr>
             <a:lstStyle/>
             <a:p>
-              <a:pPr indent="0" lvl="0" marL="0">
+              <a:pPr marL="0" lvl="0" indent="0">
                 <a:spcBef>
                   <a:spcPts val="0"/>
                 </a:spcBef>
@@ -3191,9 +3245,6 @@
                 </a:spcAft>
                 <a:buNone/>
               </a:pPr>
-              <a:r>
-                <a:t/>
-              </a:r>
               <a:endParaRPr/>
             </a:p>
           </p:txBody>
@@ -3205,7 +3256,7 @@
             <p:nvPr/>
           </p:nvSpPr>
           <p:spPr>
-            <a:xfrm flipH="1" rot="10800000">
+            <a:xfrm rot="10800000" flipH="1">
               <a:off x="7113588" y="107"/>
               <a:ext cx="1015200" cy="1015200"/>
             </a:xfrm>
@@ -3220,12 +3271,12 @@
             </a:ln>
           </p:spPr>
           <p:txBody>
-            <a:bodyPr anchorCtr="0" anchor="ctr" bIns="91425" lIns="91425" spcFirstLastPara="1" rIns="91425" wrap="square" tIns="91425">
+            <a:bodyPr spcFirstLastPara="1" wrap="square" lIns="91425" tIns="91425" rIns="91425" bIns="91425" anchor="ctr" anchorCtr="0">
               <a:noAutofit/>
             </a:bodyPr>
             <a:lstStyle/>
             <a:p>
-              <a:pPr indent="0" lvl="0" marL="0">
+              <a:pPr marL="0" lvl="0" indent="0">
                 <a:spcBef>
                   <a:spcPts val="0"/>
                 </a:spcBef>
@@ -3234,9 +3285,6 @@
                 </a:spcAft>
                 <a:buNone/>
               </a:pPr>
-              <a:r>
-                <a:t/>
-              </a:r>
               <a:endParaRPr/>
             </a:p>
           </p:txBody>
@@ -3263,12 +3311,12 @@
             </a:ln>
           </p:spPr>
           <p:txBody>
-            <a:bodyPr anchorCtr="0" anchor="ctr" bIns="91425" lIns="91425" spcFirstLastPara="1" rIns="91425" wrap="square" tIns="91425">
+            <a:bodyPr spcFirstLastPara="1" wrap="square" lIns="91425" tIns="91425" rIns="91425" bIns="91425" anchor="ctr" anchorCtr="0">
               <a:noAutofit/>
             </a:bodyPr>
             <a:lstStyle/>
             <a:p>
-              <a:pPr indent="0" lvl="0" marL="0">
+              <a:pPr marL="0" lvl="0" indent="0">
                 <a:spcBef>
                   <a:spcPts val="0"/>
                 </a:spcBef>
@@ -3277,9 +3325,6 @@
                 </a:spcAft>
                 <a:buNone/>
               </a:pPr>
-              <a:r>
-                <a:t/>
-              </a:r>
               <a:endParaRPr/>
             </a:p>
           </p:txBody>
@@ -3306,12 +3351,12 @@
             </a:ln>
           </p:spPr>
           <p:txBody>
-            <a:bodyPr anchorCtr="0" anchor="ctr" bIns="91425" lIns="91425" spcFirstLastPara="1" rIns="91425" wrap="square" tIns="91425">
+            <a:bodyPr spcFirstLastPara="1" wrap="square" lIns="91425" tIns="91425" rIns="91425" bIns="91425" anchor="ctr" anchorCtr="0">
               <a:noAutofit/>
             </a:bodyPr>
             <a:lstStyle/>
             <a:p>
-              <a:pPr indent="0" lvl="0" marL="0">
+              <a:pPr marL="0" lvl="0" indent="0">
                 <a:spcBef>
                   <a:spcPts val="0"/>
                 </a:spcBef>
@@ -3320,9 +3365,6 @@
                 </a:spcAft>
                 <a:buNone/>
               </a:pPr>
-              <a:r>
-                <a:t/>
-              </a:r>
               <a:endParaRPr/>
             </a:p>
           </p:txBody>
@@ -3331,7 +3373,9 @@
       <p:sp>
         <p:nvSpPr>
           <p:cNvPr id="26" name="Shape 26"/>
-          <p:cNvSpPr txBox="1"/>
+          <p:cNvSpPr txBox="1">
+            <a:spLocks noGrp="1"/>
+          </p:cNvSpPr>
           <p:nvPr>
             <p:ph type="title"/>
           </p:nvPr>
@@ -3346,7 +3390,7 @@
           </a:prstGeom>
         </p:spPr>
         <p:txBody>
-          <a:bodyPr anchorCtr="0" anchor="ctr" bIns="91425" lIns="91425" spcFirstLastPara="1" rIns="91425" wrap="square" tIns="91425"/>
+          <a:bodyPr spcFirstLastPara="1" wrap="square" lIns="91425" tIns="91425" rIns="91425" bIns="91425" anchor="ctr" anchorCtr="0"/>
           <a:lstStyle>
             <a:lvl1pPr lvl="0" rtl="0">
               <a:spcBef>
@@ -3511,15 +3555,19 @@
               </a:defRPr>
             </a:lvl9pPr>
           </a:lstStyle>
-          <a:p/>
+          <a:p>
+            <a:endParaRPr/>
+          </a:p>
         </p:txBody>
       </p:sp>
       <p:sp>
         <p:nvSpPr>
           <p:cNvPr id="27" name="Shape 27"/>
-          <p:cNvSpPr txBox="1"/>
+          <p:cNvSpPr txBox="1">
+            <a:spLocks noGrp="1"/>
+          </p:cNvSpPr>
           <p:nvPr>
-            <p:ph idx="12" type="sldNum"/>
+            <p:ph type="sldNum" idx="12"/>
           </p:nvPr>
         </p:nvSpPr>
         <p:spPr>
@@ -3532,7 +3580,7 @@
           </a:prstGeom>
         </p:spPr>
         <p:txBody>
-          <a:bodyPr anchorCtr="0" anchor="ctr" bIns="91425" lIns="91425" spcFirstLastPara="1" rIns="91425" wrap="square" tIns="91425">
+          <a:bodyPr spcFirstLastPara="1" wrap="square" lIns="91425" tIns="91425" rIns="91425" bIns="91425" anchor="ctr" anchorCtr="0">
             <a:noAutofit/>
           </a:bodyPr>
           <a:lstStyle>
@@ -3574,7 +3622,7 @@
             </a:lvl9pPr>
           </a:lstStyle>
           <a:p>
-            <a:pPr indent="0" lvl="0" marL="0">
+            <a:pPr marL="0" lvl="0" indent="0">
               <a:spcBef>
                 <a:spcPts val="0"/>
               </a:spcBef>
@@ -3585,7 +3633,7 @@
             </a:pPr>
             <a:fld id="{00000000-1234-1234-1234-123412341234}" type="slidenum">
               <a:rPr lang="fr"/>
-              <a:t>‹#›</a:t>
+              <a:t>‹N°›</a:t>
             </a:fld>
             <a:endParaRPr/>
           </a:p>
@@ -3600,11 +3648,11 @@
 </file>
 
 <file path=ppt/slideLayouts/slideLayout3.xml><?xml version="1.0" encoding="utf-8"?>
-<p:sldLayout xmlns:a="http://schemas.openxmlformats.org/drawingml/2006/main" xmlns:r="http://schemas.openxmlformats.org/officeDocument/2006/relationships" xmlns:mc="http://schemas.openxmlformats.org/markup-compatibility/2006" xmlns:mv="urn:schemas-microsoft-com:mac:vml" xmlns:p="http://schemas.openxmlformats.org/presentationml/2006/main" xmlns:c="http://schemas.openxmlformats.org/drawingml/2006/chart" xmlns:dgm="http://schemas.openxmlformats.org/drawingml/2006/diagram" xmlns:o="urn:schemas-microsoft-com:office:office" xmlns:v="urn:schemas-microsoft-com:vml" xmlns:pvml="urn:schemas-microsoft-com:office:powerpoint" xmlns:com="http://schemas.openxmlformats.org/drawingml/2006/compatibility" xmlns:p14="http://schemas.microsoft.com/office/powerpoint/2010/main" xmlns:p15="http://schemas.microsoft.com/office/powerpoint/2012/main" matchingName="Title and body" type="tx">
+<p:sldLayout xmlns:a="http://schemas.openxmlformats.org/drawingml/2006/main" xmlns:r="http://schemas.openxmlformats.org/officeDocument/2006/relationships" xmlns:p="http://schemas.openxmlformats.org/presentationml/2006/main" matchingName="Title and body" type="tx">
   <p:cSld name="TITLE_AND_BODY">
     <p:spTree>
       <p:nvGrpSpPr>
-        <p:cNvPr id="28" name="Shape 28"/>
+        <p:cNvPr id="1" name="Shape 28"/>
         <p:cNvGrpSpPr/>
         <p:nvPr/>
       </p:nvGrpSpPr>
@@ -3652,12 +3700,12 @@
             </a:ln>
           </p:spPr>
           <p:txBody>
-            <a:bodyPr anchorCtr="0" anchor="ctr" bIns="91425" lIns="91425" spcFirstLastPara="1" rIns="91425" wrap="square" tIns="91425">
+            <a:bodyPr spcFirstLastPara="1" wrap="square" lIns="91425" tIns="91425" rIns="91425" bIns="91425" anchor="ctr" anchorCtr="0">
               <a:noAutofit/>
             </a:bodyPr>
             <a:lstStyle/>
             <a:p>
-              <a:pPr indent="0" lvl="0" marL="0">
+              <a:pPr marL="0" lvl="0" indent="0">
                 <a:spcBef>
                   <a:spcPts val="0"/>
                 </a:spcBef>
@@ -3666,9 +3714,6 @@
                 </a:spcAft>
                 <a:buNone/>
               </a:pPr>
-              <a:r>
-                <a:t/>
-              </a:r>
               <a:endParaRPr/>
             </a:p>
           </p:txBody>
@@ -3695,12 +3740,12 @@
             </a:ln>
           </p:spPr>
           <p:txBody>
-            <a:bodyPr anchorCtr="0" anchor="ctr" bIns="91425" lIns="91425" spcFirstLastPara="1" rIns="91425" wrap="square" tIns="91425">
+            <a:bodyPr spcFirstLastPara="1" wrap="square" lIns="91425" tIns="91425" rIns="91425" bIns="91425" anchor="ctr" anchorCtr="0">
               <a:noAutofit/>
             </a:bodyPr>
             <a:lstStyle/>
             <a:p>
-              <a:pPr indent="0" lvl="0" marL="0">
+              <a:pPr marL="0" lvl="0" indent="0">
                 <a:spcBef>
                   <a:spcPts val="0"/>
                 </a:spcBef>
@@ -3709,9 +3754,6 @@
                 </a:spcAft>
                 <a:buNone/>
               </a:pPr>
-              <a:r>
-                <a:t/>
-              </a:r>
               <a:endParaRPr/>
             </a:p>
           </p:txBody>
@@ -3738,12 +3780,12 @@
             </a:ln>
           </p:spPr>
           <p:txBody>
-            <a:bodyPr anchorCtr="0" anchor="ctr" bIns="91425" lIns="91425" spcFirstLastPara="1" rIns="91425" wrap="square" tIns="91425">
+            <a:bodyPr spcFirstLastPara="1" wrap="square" lIns="91425" tIns="91425" rIns="91425" bIns="91425" anchor="ctr" anchorCtr="0">
               <a:noAutofit/>
             </a:bodyPr>
             <a:lstStyle/>
             <a:p>
-              <a:pPr indent="0" lvl="0" marL="0">
+              <a:pPr marL="0" lvl="0" indent="0">
                 <a:spcBef>
                   <a:spcPts val="0"/>
                 </a:spcBef>
@@ -3752,9 +3794,6 @@
                 </a:spcAft>
                 <a:buNone/>
               </a:pPr>
-              <a:r>
-                <a:t/>
-              </a:r>
               <a:endParaRPr/>
             </a:p>
           </p:txBody>
@@ -3781,12 +3820,12 @@
             </a:ln>
           </p:spPr>
           <p:txBody>
-            <a:bodyPr anchorCtr="0" anchor="ctr" bIns="91425" lIns="91425" spcFirstLastPara="1" rIns="91425" wrap="square" tIns="91425">
+            <a:bodyPr spcFirstLastPara="1" wrap="square" lIns="91425" tIns="91425" rIns="91425" bIns="91425" anchor="ctr" anchorCtr="0">
               <a:noAutofit/>
             </a:bodyPr>
             <a:lstStyle/>
             <a:p>
-              <a:pPr indent="0" lvl="0" marL="0">
+              <a:pPr marL="0" lvl="0" indent="0">
                 <a:spcBef>
                   <a:spcPts val="0"/>
                 </a:spcBef>
@@ -3795,9 +3834,6 @@
                 </a:spcAft>
                 <a:buNone/>
               </a:pPr>
-              <a:r>
-                <a:t/>
-              </a:r>
               <a:endParaRPr/>
             </a:p>
           </p:txBody>
@@ -3824,12 +3860,12 @@
             </a:ln>
           </p:spPr>
           <p:txBody>
-            <a:bodyPr anchorCtr="0" anchor="ctr" bIns="91425" lIns="91425" spcFirstLastPara="1" rIns="91425" wrap="square" tIns="91425">
+            <a:bodyPr spcFirstLastPara="1" wrap="square" lIns="91425" tIns="91425" rIns="91425" bIns="91425" anchor="ctr" anchorCtr="0">
               <a:noAutofit/>
             </a:bodyPr>
             <a:lstStyle/>
             <a:p>
-              <a:pPr indent="0" lvl="0" marL="0">
+              <a:pPr marL="0" lvl="0" indent="0">
                 <a:spcBef>
                   <a:spcPts val="0"/>
                 </a:spcBef>
@@ -3838,9 +3874,6 @@
                 </a:spcAft>
                 <a:buNone/>
               </a:pPr>
-              <a:r>
-                <a:t/>
-              </a:r>
               <a:endParaRPr/>
             </a:p>
           </p:txBody>
@@ -3849,7 +3882,9 @@
       <p:sp>
         <p:nvSpPr>
           <p:cNvPr id="35" name="Shape 35"/>
-          <p:cNvSpPr txBox="1"/>
+          <p:cNvSpPr txBox="1">
+            <a:spLocks noGrp="1"/>
+          </p:cNvSpPr>
           <p:nvPr>
             <p:ph type="title"/>
           </p:nvPr>
@@ -3864,7 +3899,7 @@
           </a:prstGeom>
         </p:spPr>
         <p:txBody>
-          <a:bodyPr anchorCtr="0" anchor="t" bIns="91425" lIns="91425" spcFirstLastPara="1" rIns="91425" wrap="square" tIns="91425"/>
+          <a:bodyPr spcFirstLastPara="1" wrap="square" lIns="91425" tIns="91425" rIns="91425" bIns="91425" anchor="t" anchorCtr="0"/>
           <a:lstStyle>
             <a:lvl1pPr lvl="0" rtl="0">
               <a:spcBef>
@@ -3966,15 +4001,19 @@
               <a:defRPr/>
             </a:lvl9pPr>
           </a:lstStyle>
-          <a:p/>
+          <a:p>
+            <a:endParaRPr/>
+          </a:p>
         </p:txBody>
       </p:sp>
       <p:sp>
         <p:nvSpPr>
           <p:cNvPr id="36" name="Shape 36"/>
-          <p:cNvSpPr txBox="1"/>
+          <p:cNvSpPr txBox="1">
+            <a:spLocks noGrp="1"/>
+          </p:cNvSpPr>
           <p:nvPr>
-            <p:ph idx="1" type="body"/>
+            <p:ph type="body" idx="1"/>
           </p:nvPr>
         </p:nvSpPr>
         <p:spPr>
@@ -3987,9 +4026,9 @@
           </a:prstGeom>
         </p:spPr>
         <p:txBody>
-          <a:bodyPr anchorCtr="0" anchor="t" bIns="91425" lIns="91425" spcFirstLastPara="1" rIns="91425" wrap="square" tIns="91425"/>
+          <a:bodyPr spcFirstLastPara="1" wrap="square" lIns="91425" tIns="91425" rIns="91425" bIns="91425" anchor="t" anchorCtr="0"/>
           <a:lstStyle>
-            <a:lvl1pPr indent="-342900" lvl="0" marL="457200" rtl="0">
+            <a:lvl1pPr marL="457200" lvl="0" indent="-342900" rtl="0">
               <a:spcBef>
                 <a:spcPts val="0"/>
               </a:spcBef>
@@ -4000,7 +4039,7 @@
               <a:buChar char="●"/>
               <a:defRPr/>
             </a:lvl1pPr>
-            <a:lvl2pPr indent="-317500" lvl="1" marL="914400" rtl="0">
+            <a:lvl2pPr marL="914400" lvl="1" indent="-317500" rtl="0">
               <a:spcBef>
                 <a:spcPts val="1600"/>
               </a:spcBef>
@@ -4011,7 +4050,7 @@
               <a:buChar char="○"/>
               <a:defRPr/>
             </a:lvl2pPr>
-            <a:lvl3pPr indent="-317500" lvl="2" marL="1371600" rtl="0">
+            <a:lvl3pPr marL="1371600" lvl="2" indent="-317500" rtl="0">
               <a:spcBef>
                 <a:spcPts val="1600"/>
               </a:spcBef>
@@ -4022,7 +4061,7 @@
               <a:buChar char="■"/>
               <a:defRPr/>
             </a:lvl3pPr>
-            <a:lvl4pPr indent="-317500" lvl="3" marL="1828800" rtl="0">
+            <a:lvl4pPr marL="1828800" lvl="3" indent="-317500" rtl="0">
               <a:spcBef>
                 <a:spcPts val="1600"/>
               </a:spcBef>
@@ -4033,7 +4072,7 @@
               <a:buChar char="●"/>
               <a:defRPr/>
             </a:lvl4pPr>
-            <a:lvl5pPr indent="-317500" lvl="4" marL="2286000" rtl="0">
+            <a:lvl5pPr marL="2286000" lvl="4" indent="-317500" rtl="0">
               <a:spcBef>
                 <a:spcPts val="1600"/>
               </a:spcBef>
@@ -4044,7 +4083,7 @@
               <a:buChar char="○"/>
               <a:defRPr/>
             </a:lvl5pPr>
-            <a:lvl6pPr indent="-317500" lvl="5" marL="2743200" rtl="0">
+            <a:lvl6pPr marL="2743200" lvl="5" indent="-317500" rtl="0">
               <a:spcBef>
                 <a:spcPts val="1600"/>
               </a:spcBef>
@@ -4055,7 +4094,7 @@
               <a:buChar char="■"/>
               <a:defRPr/>
             </a:lvl6pPr>
-            <a:lvl7pPr indent="-317500" lvl="6" marL="3200400" rtl="0">
+            <a:lvl7pPr marL="3200400" lvl="6" indent="-317500" rtl="0">
               <a:spcBef>
                 <a:spcPts val="1600"/>
               </a:spcBef>
@@ -4066,7 +4105,7 @@
               <a:buChar char="●"/>
               <a:defRPr/>
             </a:lvl7pPr>
-            <a:lvl8pPr indent="-317500" lvl="7" marL="3657600" rtl="0">
+            <a:lvl8pPr marL="3657600" lvl="7" indent="-317500" rtl="0">
               <a:spcBef>
                 <a:spcPts val="1600"/>
               </a:spcBef>
@@ -4077,7 +4116,7 @@
               <a:buChar char="○"/>
               <a:defRPr/>
             </a:lvl8pPr>
-            <a:lvl9pPr indent="-317500" lvl="8" marL="4114800" rtl="0">
+            <a:lvl9pPr marL="4114800" lvl="8" indent="-317500" rtl="0">
               <a:spcBef>
                 <a:spcPts val="1600"/>
               </a:spcBef>
@@ -4089,15 +4128,19 @@
               <a:defRPr/>
             </a:lvl9pPr>
           </a:lstStyle>
-          <a:p/>
+          <a:p>
+            <a:endParaRPr/>
+          </a:p>
         </p:txBody>
       </p:sp>
       <p:sp>
         <p:nvSpPr>
           <p:cNvPr id="37" name="Shape 37"/>
-          <p:cNvSpPr txBox="1"/>
+          <p:cNvSpPr txBox="1">
+            <a:spLocks noGrp="1"/>
+          </p:cNvSpPr>
           <p:nvPr>
-            <p:ph idx="12" type="sldNum"/>
+            <p:ph type="sldNum" idx="12"/>
           </p:nvPr>
         </p:nvSpPr>
         <p:spPr>
@@ -4110,7 +4153,7 @@
           </a:prstGeom>
         </p:spPr>
         <p:txBody>
-          <a:bodyPr anchorCtr="0" anchor="ctr" bIns="91425" lIns="91425" spcFirstLastPara="1" rIns="91425" wrap="square" tIns="91425">
+          <a:bodyPr spcFirstLastPara="1" wrap="square" lIns="91425" tIns="91425" rIns="91425" bIns="91425" anchor="ctr" anchorCtr="0">
             <a:noAutofit/>
           </a:bodyPr>
           <a:lstStyle>
@@ -4152,7 +4195,7 @@
             </a:lvl9pPr>
           </a:lstStyle>
           <a:p>
-            <a:pPr indent="0" lvl="0" marL="0">
+            <a:pPr marL="0" lvl="0" indent="0">
               <a:spcBef>
                 <a:spcPts val="0"/>
               </a:spcBef>
@@ -4163,7 +4206,7 @@
             </a:pPr>
             <a:fld id="{00000000-1234-1234-1234-123412341234}" type="slidenum">
               <a:rPr lang="fr"/>
-              <a:t>‹#›</a:t>
+              <a:t>‹N°›</a:t>
             </a:fld>
             <a:endParaRPr/>
           </a:p>
@@ -4178,11 +4221,11 @@
 </file>
 
 <file path=ppt/slideLayouts/slideLayout4.xml><?xml version="1.0" encoding="utf-8"?>
-<p:sldLayout xmlns:a="http://schemas.openxmlformats.org/drawingml/2006/main" xmlns:r="http://schemas.openxmlformats.org/officeDocument/2006/relationships" xmlns:mc="http://schemas.openxmlformats.org/markup-compatibility/2006" xmlns:mv="urn:schemas-microsoft-com:mac:vml" xmlns:p="http://schemas.openxmlformats.org/presentationml/2006/main" xmlns:c="http://schemas.openxmlformats.org/drawingml/2006/chart" xmlns:dgm="http://schemas.openxmlformats.org/drawingml/2006/diagram" xmlns:o="urn:schemas-microsoft-com:office:office" xmlns:v="urn:schemas-microsoft-com:vml" xmlns:pvml="urn:schemas-microsoft-com:office:powerpoint" xmlns:com="http://schemas.openxmlformats.org/drawingml/2006/compatibility" xmlns:p14="http://schemas.microsoft.com/office/powerpoint/2010/main" xmlns:p15="http://schemas.microsoft.com/office/powerpoint/2012/main" matchingName="Title and two columns" type="twoColTx">
+<p:sldLayout xmlns:a="http://schemas.openxmlformats.org/drawingml/2006/main" xmlns:r="http://schemas.openxmlformats.org/officeDocument/2006/relationships" xmlns:p="http://schemas.openxmlformats.org/presentationml/2006/main" matchingName="Title and two columns" type="twoColTx">
   <p:cSld name="TITLE_AND_TWO_COLUMNS">
     <p:spTree>
       <p:nvGrpSpPr>
-        <p:cNvPr id="38" name="Shape 38"/>
+        <p:cNvPr id="1" name="Shape 38"/>
         <p:cNvGrpSpPr/>
         <p:nvPr/>
       </p:nvGrpSpPr>
@@ -4197,7 +4240,9 @@
       <p:sp>
         <p:nvSpPr>
           <p:cNvPr id="39" name="Shape 39"/>
-          <p:cNvSpPr txBox="1"/>
+          <p:cNvSpPr txBox="1">
+            <a:spLocks noGrp="1"/>
+          </p:cNvSpPr>
           <p:nvPr>
             <p:ph type="title"/>
           </p:nvPr>
@@ -4212,7 +4257,7 @@
           </a:prstGeom>
         </p:spPr>
         <p:txBody>
-          <a:bodyPr anchorCtr="0" anchor="t" bIns="91425" lIns="91425" spcFirstLastPara="1" rIns="91425" wrap="square" tIns="91425"/>
+          <a:bodyPr spcFirstLastPara="1" wrap="square" lIns="91425" tIns="91425" rIns="91425" bIns="91425" anchor="t" anchorCtr="0"/>
           <a:lstStyle>
             <a:lvl1pPr lvl="0" rtl="0">
               <a:spcBef>
@@ -4314,15 +4359,19 @@
               <a:defRPr/>
             </a:lvl9pPr>
           </a:lstStyle>
-          <a:p/>
+          <a:p>
+            <a:endParaRPr/>
+          </a:p>
         </p:txBody>
       </p:sp>
       <p:sp>
         <p:nvSpPr>
           <p:cNvPr id="40" name="Shape 40"/>
-          <p:cNvSpPr txBox="1"/>
+          <p:cNvSpPr txBox="1">
+            <a:spLocks noGrp="1"/>
+          </p:cNvSpPr>
           <p:nvPr>
-            <p:ph idx="1" type="body"/>
+            <p:ph type="body" idx="1"/>
           </p:nvPr>
         </p:nvSpPr>
         <p:spPr>
@@ -4335,9 +4384,9 @@
           </a:prstGeom>
         </p:spPr>
         <p:txBody>
-          <a:bodyPr anchorCtr="0" anchor="t" bIns="91425" lIns="91425" spcFirstLastPara="1" rIns="91425" wrap="square" tIns="91425"/>
+          <a:bodyPr spcFirstLastPara="1" wrap="square" lIns="91425" tIns="91425" rIns="91425" bIns="91425" anchor="t" anchorCtr="0"/>
           <a:lstStyle>
-            <a:lvl1pPr indent="-317500" lvl="0" marL="457200" rtl="0">
+            <a:lvl1pPr marL="457200" lvl="0" indent="-317500" rtl="0">
               <a:spcBef>
                 <a:spcPts val="0"/>
               </a:spcBef>
@@ -4348,7 +4397,7 @@
               <a:buChar char="●"/>
               <a:defRPr sz="1400"/>
             </a:lvl1pPr>
-            <a:lvl2pPr indent="-304800" lvl="1" marL="914400" rtl="0">
+            <a:lvl2pPr marL="914400" lvl="1" indent="-304800" rtl="0">
               <a:spcBef>
                 <a:spcPts val="1600"/>
               </a:spcBef>
@@ -4359,7 +4408,7 @@
               <a:buChar char="○"/>
               <a:defRPr sz="1200"/>
             </a:lvl2pPr>
-            <a:lvl3pPr indent="-304800" lvl="2" marL="1371600" rtl="0">
+            <a:lvl3pPr marL="1371600" lvl="2" indent="-304800" rtl="0">
               <a:spcBef>
                 <a:spcPts val="1600"/>
               </a:spcBef>
@@ -4370,7 +4419,7 @@
               <a:buChar char="■"/>
               <a:defRPr sz="1200"/>
             </a:lvl3pPr>
-            <a:lvl4pPr indent="-304800" lvl="3" marL="1828800" rtl="0">
+            <a:lvl4pPr marL="1828800" lvl="3" indent="-304800" rtl="0">
               <a:spcBef>
                 <a:spcPts val="1600"/>
               </a:spcBef>
@@ -4381,7 +4430,7 @@
               <a:buChar char="●"/>
               <a:defRPr sz="1200"/>
             </a:lvl4pPr>
-            <a:lvl5pPr indent="-304800" lvl="4" marL="2286000" rtl="0">
+            <a:lvl5pPr marL="2286000" lvl="4" indent="-304800" rtl="0">
               <a:spcBef>
                 <a:spcPts val="1600"/>
               </a:spcBef>
@@ -4392,7 +4441,7 @@
               <a:buChar char="○"/>
               <a:defRPr sz="1200"/>
             </a:lvl5pPr>
-            <a:lvl6pPr indent="-304800" lvl="5" marL="2743200" rtl="0">
+            <a:lvl6pPr marL="2743200" lvl="5" indent="-304800" rtl="0">
               <a:spcBef>
                 <a:spcPts val="1600"/>
               </a:spcBef>
@@ -4403,7 +4452,7 @@
               <a:buChar char="■"/>
               <a:defRPr sz="1200"/>
             </a:lvl6pPr>
-            <a:lvl7pPr indent="-304800" lvl="6" marL="3200400" rtl="0">
+            <a:lvl7pPr marL="3200400" lvl="6" indent="-304800" rtl="0">
               <a:spcBef>
                 <a:spcPts val="1600"/>
               </a:spcBef>
@@ -4414,7 +4463,7 @@
               <a:buChar char="●"/>
               <a:defRPr sz="1200"/>
             </a:lvl7pPr>
-            <a:lvl8pPr indent="-304800" lvl="7" marL="3657600" rtl="0">
+            <a:lvl8pPr marL="3657600" lvl="7" indent="-304800" rtl="0">
               <a:spcBef>
                 <a:spcPts val="1600"/>
               </a:spcBef>
@@ -4425,7 +4474,7 @@
               <a:buChar char="○"/>
               <a:defRPr sz="1200"/>
             </a:lvl8pPr>
-            <a:lvl9pPr indent="-304800" lvl="8" marL="4114800" rtl="0">
+            <a:lvl9pPr marL="4114800" lvl="8" indent="-304800" rtl="0">
               <a:spcBef>
                 <a:spcPts val="1600"/>
               </a:spcBef>
@@ -4437,15 +4486,19 @@
               <a:defRPr sz="1200"/>
             </a:lvl9pPr>
           </a:lstStyle>
-          <a:p/>
+          <a:p>
+            <a:endParaRPr/>
+          </a:p>
         </p:txBody>
       </p:sp>
       <p:sp>
         <p:nvSpPr>
           <p:cNvPr id="41" name="Shape 41"/>
-          <p:cNvSpPr txBox="1"/>
+          <p:cNvSpPr txBox="1">
+            <a:spLocks noGrp="1"/>
+          </p:cNvSpPr>
           <p:nvPr>
-            <p:ph idx="2" type="body"/>
+            <p:ph type="body" idx="2"/>
           </p:nvPr>
         </p:nvSpPr>
         <p:spPr>
@@ -4458,9 +4511,9 @@
           </a:prstGeom>
         </p:spPr>
         <p:txBody>
-          <a:bodyPr anchorCtr="0" anchor="t" bIns="91425" lIns="91425" spcFirstLastPara="1" rIns="91425" wrap="square" tIns="91425"/>
+          <a:bodyPr spcFirstLastPara="1" wrap="square" lIns="91425" tIns="91425" rIns="91425" bIns="91425" anchor="t" anchorCtr="0"/>
           <a:lstStyle>
-            <a:lvl1pPr indent="-317500" lvl="0" marL="457200" rtl="0">
+            <a:lvl1pPr marL="457200" lvl="0" indent="-317500" rtl="0">
               <a:spcBef>
                 <a:spcPts val="0"/>
               </a:spcBef>
@@ -4471,7 +4524,7 @@
               <a:buChar char="●"/>
               <a:defRPr sz="1400"/>
             </a:lvl1pPr>
-            <a:lvl2pPr indent="-304800" lvl="1" marL="914400" rtl="0">
+            <a:lvl2pPr marL="914400" lvl="1" indent="-304800" rtl="0">
               <a:spcBef>
                 <a:spcPts val="1600"/>
               </a:spcBef>
@@ -4482,7 +4535,7 @@
               <a:buChar char="○"/>
               <a:defRPr sz="1200"/>
             </a:lvl2pPr>
-            <a:lvl3pPr indent="-304800" lvl="2" marL="1371600" rtl="0">
+            <a:lvl3pPr marL="1371600" lvl="2" indent="-304800" rtl="0">
               <a:spcBef>
                 <a:spcPts val="1600"/>
               </a:spcBef>
@@ -4493,7 +4546,7 @@
               <a:buChar char="■"/>
               <a:defRPr sz="1200"/>
             </a:lvl3pPr>
-            <a:lvl4pPr indent="-304800" lvl="3" marL="1828800" rtl="0">
+            <a:lvl4pPr marL="1828800" lvl="3" indent="-304800" rtl="0">
               <a:spcBef>
                 <a:spcPts val="1600"/>
               </a:spcBef>
@@ -4504,7 +4557,7 @@
               <a:buChar char="●"/>
               <a:defRPr sz="1200"/>
             </a:lvl4pPr>
-            <a:lvl5pPr indent="-304800" lvl="4" marL="2286000" rtl="0">
+            <a:lvl5pPr marL="2286000" lvl="4" indent="-304800" rtl="0">
               <a:spcBef>
                 <a:spcPts val="1600"/>
               </a:spcBef>
@@ -4515,7 +4568,7 @@
               <a:buChar char="○"/>
               <a:defRPr sz="1200"/>
             </a:lvl5pPr>
-            <a:lvl6pPr indent="-304800" lvl="5" marL="2743200" rtl="0">
+            <a:lvl6pPr marL="2743200" lvl="5" indent="-304800" rtl="0">
               <a:spcBef>
                 <a:spcPts val="1600"/>
               </a:spcBef>
@@ -4526,7 +4579,7 @@
               <a:buChar char="■"/>
               <a:defRPr sz="1200"/>
             </a:lvl6pPr>
-            <a:lvl7pPr indent="-304800" lvl="6" marL="3200400" rtl="0">
+            <a:lvl7pPr marL="3200400" lvl="6" indent="-304800" rtl="0">
               <a:spcBef>
                 <a:spcPts val="1600"/>
               </a:spcBef>
@@ -4537,7 +4590,7 @@
               <a:buChar char="●"/>
               <a:defRPr sz="1200"/>
             </a:lvl7pPr>
-            <a:lvl8pPr indent="-304800" lvl="7" marL="3657600" rtl="0">
+            <a:lvl8pPr marL="3657600" lvl="7" indent="-304800" rtl="0">
               <a:spcBef>
                 <a:spcPts val="1600"/>
               </a:spcBef>
@@ -4548,7 +4601,7 @@
               <a:buChar char="○"/>
               <a:defRPr sz="1200"/>
             </a:lvl8pPr>
-            <a:lvl9pPr indent="-304800" lvl="8" marL="4114800" rtl="0">
+            <a:lvl9pPr marL="4114800" lvl="8" indent="-304800" rtl="0">
               <a:spcBef>
                 <a:spcPts val="1600"/>
               </a:spcBef>
@@ -4560,15 +4613,19 @@
               <a:defRPr sz="1200"/>
             </a:lvl9pPr>
           </a:lstStyle>
-          <a:p/>
+          <a:p>
+            <a:endParaRPr/>
+          </a:p>
         </p:txBody>
       </p:sp>
       <p:sp>
         <p:nvSpPr>
           <p:cNvPr id="42" name="Shape 42"/>
-          <p:cNvSpPr txBox="1"/>
+          <p:cNvSpPr txBox="1">
+            <a:spLocks noGrp="1"/>
+          </p:cNvSpPr>
           <p:nvPr>
-            <p:ph idx="12" type="sldNum"/>
+            <p:ph type="sldNum" idx="12"/>
           </p:nvPr>
         </p:nvSpPr>
         <p:spPr>
@@ -4581,7 +4638,7 @@
           </a:prstGeom>
         </p:spPr>
         <p:txBody>
-          <a:bodyPr anchorCtr="0" anchor="ctr" bIns="91425" lIns="91425" spcFirstLastPara="1" rIns="91425" wrap="square" tIns="91425">
+          <a:bodyPr spcFirstLastPara="1" wrap="square" lIns="91425" tIns="91425" rIns="91425" bIns="91425" anchor="ctr" anchorCtr="0">
             <a:noAutofit/>
           </a:bodyPr>
           <a:lstStyle>
@@ -4659,7 +4716,7 @@
             </a:lvl9pPr>
           </a:lstStyle>
           <a:p>
-            <a:pPr indent="0" lvl="0" marL="0">
+            <a:pPr marL="0" lvl="0" indent="0">
               <a:spcBef>
                 <a:spcPts val="0"/>
               </a:spcBef>
@@ -4670,7 +4727,7 @@
             </a:pPr>
             <a:fld id="{00000000-1234-1234-1234-123412341234}" type="slidenum">
               <a:rPr lang="fr"/>
-              <a:t>‹#›</a:t>
+              <a:t>‹N°›</a:t>
             </a:fld>
             <a:endParaRPr/>
           </a:p>
@@ -4685,11 +4742,11 @@
 </file>
 
 <file path=ppt/slideLayouts/slideLayout5.xml><?xml version="1.0" encoding="utf-8"?>
-<p:sldLayout xmlns:a="http://schemas.openxmlformats.org/drawingml/2006/main" xmlns:r="http://schemas.openxmlformats.org/officeDocument/2006/relationships" xmlns:mc="http://schemas.openxmlformats.org/markup-compatibility/2006" xmlns:mv="urn:schemas-microsoft-com:mac:vml" xmlns:p="http://schemas.openxmlformats.org/presentationml/2006/main" xmlns:c="http://schemas.openxmlformats.org/drawingml/2006/chart" xmlns:dgm="http://schemas.openxmlformats.org/drawingml/2006/diagram" xmlns:o="urn:schemas-microsoft-com:office:office" xmlns:v="urn:schemas-microsoft-com:vml" xmlns:pvml="urn:schemas-microsoft-com:office:powerpoint" xmlns:com="http://schemas.openxmlformats.org/drawingml/2006/compatibility" xmlns:p14="http://schemas.microsoft.com/office/powerpoint/2010/main" xmlns:p15="http://schemas.microsoft.com/office/powerpoint/2012/main" matchingName="Title only" type="titleOnly">
+<p:sldLayout xmlns:a="http://schemas.openxmlformats.org/drawingml/2006/main" xmlns:r="http://schemas.openxmlformats.org/officeDocument/2006/relationships" xmlns:p="http://schemas.openxmlformats.org/presentationml/2006/main" matchingName="Title only" type="titleOnly">
   <p:cSld name="TITLE_ONLY">
     <p:spTree>
       <p:nvGrpSpPr>
-        <p:cNvPr id="43" name="Shape 43"/>
+        <p:cNvPr id="1" name="Shape 43"/>
         <p:cNvGrpSpPr/>
         <p:nvPr/>
       </p:nvGrpSpPr>
@@ -4704,7 +4761,9 @@
       <p:sp>
         <p:nvSpPr>
           <p:cNvPr id="44" name="Shape 44"/>
-          <p:cNvSpPr txBox="1"/>
+          <p:cNvSpPr txBox="1">
+            <a:spLocks noGrp="1"/>
+          </p:cNvSpPr>
           <p:nvPr>
             <p:ph type="title"/>
           </p:nvPr>
@@ -4719,7 +4778,7 @@
           </a:prstGeom>
         </p:spPr>
         <p:txBody>
-          <a:bodyPr anchorCtr="0" anchor="t" bIns="91425" lIns="91425" spcFirstLastPara="1" rIns="91425" wrap="square" tIns="91425"/>
+          <a:bodyPr spcFirstLastPara="1" wrap="square" lIns="91425" tIns="91425" rIns="91425" bIns="91425" anchor="t" anchorCtr="0"/>
           <a:lstStyle>
             <a:lvl1pPr lvl="0" rtl="0">
               <a:spcBef>
@@ -4821,15 +4880,19 @@
               <a:defRPr/>
             </a:lvl9pPr>
           </a:lstStyle>
-          <a:p/>
+          <a:p>
+            <a:endParaRPr/>
+          </a:p>
         </p:txBody>
       </p:sp>
       <p:sp>
         <p:nvSpPr>
           <p:cNvPr id="45" name="Shape 45"/>
-          <p:cNvSpPr txBox="1"/>
+          <p:cNvSpPr txBox="1">
+            <a:spLocks noGrp="1"/>
+          </p:cNvSpPr>
           <p:nvPr>
-            <p:ph idx="12" type="sldNum"/>
+            <p:ph type="sldNum" idx="12"/>
           </p:nvPr>
         </p:nvSpPr>
         <p:spPr>
@@ -4842,7 +4905,7 @@
           </a:prstGeom>
         </p:spPr>
         <p:txBody>
-          <a:bodyPr anchorCtr="0" anchor="ctr" bIns="91425" lIns="91425" spcFirstLastPara="1" rIns="91425" wrap="square" tIns="91425">
+          <a:bodyPr spcFirstLastPara="1" wrap="square" lIns="91425" tIns="91425" rIns="91425" bIns="91425" anchor="ctr" anchorCtr="0">
             <a:noAutofit/>
           </a:bodyPr>
           <a:lstStyle>
@@ -4920,7 +4983,7 @@
             </a:lvl9pPr>
           </a:lstStyle>
           <a:p>
-            <a:pPr indent="0" lvl="0" marL="0">
+            <a:pPr marL="0" lvl="0" indent="0">
               <a:spcBef>
                 <a:spcPts val="0"/>
               </a:spcBef>
@@ -4931,7 +4994,7 @@
             </a:pPr>
             <a:fld id="{00000000-1234-1234-1234-123412341234}" type="slidenum">
               <a:rPr lang="fr"/>
-              <a:t>‹#›</a:t>
+              <a:t>‹N°›</a:t>
             </a:fld>
             <a:endParaRPr/>
           </a:p>
@@ -4946,11 +5009,11 @@
 </file>
 
 <file path=ppt/slideLayouts/slideLayout6.xml><?xml version="1.0" encoding="utf-8"?>
-<p:sldLayout xmlns:a="http://schemas.openxmlformats.org/drawingml/2006/main" xmlns:r="http://schemas.openxmlformats.org/officeDocument/2006/relationships" xmlns:mc="http://schemas.openxmlformats.org/markup-compatibility/2006" xmlns:mv="urn:schemas-microsoft-com:mac:vml" xmlns:p="http://schemas.openxmlformats.org/presentationml/2006/main" xmlns:c="http://schemas.openxmlformats.org/drawingml/2006/chart" xmlns:dgm="http://schemas.openxmlformats.org/drawingml/2006/diagram" xmlns:o="urn:schemas-microsoft-com:office:office" xmlns:v="urn:schemas-microsoft-com:vml" xmlns:pvml="urn:schemas-microsoft-com:office:powerpoint" xmlns:com="http://schemas.openxmlformats.org/drawingml/2006/compatibility" xmlns:p14="http://schemas.microsoft.com/office/powerpoint/2010/main" xmlns:p15="http://schemas.microsoft.com/office/powerpoint/2012/main" matchingName="One column text">
+<p:sldLayout xmlns:a="http://schemas.openxmlformats.org/drawingml/2006/main" xmlns:r="http://schemas.openxmlformats.org/officeDocument/2006/relationships" xmlns:p="http://schemas.openxmlformats.org/presentationml/2006/main" matchingName="One column text">
   <p:cSld name="ONE_COLUMN_TEXT">
     <p:spTree>
       <p:nvGrpSpPr>
-        <p:cNvPr id="46" name="Shape 46"/>
+        <p:cNvPr id="1" name="Shape 46"/>
         <p:cNvGrpSpPr/>
         <p:nvPr/>
       </p:nvGrpSpPr>
@@ -4965,7 +5028,9 @@
       <p:sp>
         <p:nvSpPr>
           <p:cNvPr id="47" name="Shape 47"/>
-          <p:cNvSpPr txBox="1"/>
+          <p:cNvSpPr txBox="1">
+            <a:spLocks noGrp="1"/>
+          </p:cNvSpPr>
           <p:nvPr>
             <p:ph type="title"/>
           </p:nvPr>
@@ -4980,7 +5045,7 @@
           </a:prstGeom>
         </p:spPr>
         <p:txBody>
-          <a:bodyPr anchorCtr="0" anchor="b" bIns="91425" lIns="91425" spcFirstLastPara="1" rIns="91425" wrap="square" tIns="91425"/>
+          <a:bodyPr spcFirstLastPara="1" wrap="square" lIns="91425" tIns="91425" rIns="91425" bIns="91425" anchor="b" anchorCtr="0"/>
           <a:lstStyle>
             <a:lvl1pPr lvl="0" rtl="0">
               <a:spcBef>
@@ -5082,15 +5147,19 @@
               <a:defRPr sz="2400"/>
             </a:lvl9pPr>
           </a:lstStyle>
-          <a:p/>
+          <a:p>
+            <a:endParaRPr/>
+          </a:p>
         </p:txBody>
       </p:sp>
       <p:sp>
         <p:nvSpPr>
           <p:cNvPr id="48" name="Shape 48"/>
-          <p:cNvSpPr txBox="1"/>
+          <p:cNvSpPr txBox="1">
+            <a:spLocks noGrp="1"/>
+          </p:cNvSpPr>
           <p:nvPr>
-            <p:ph idx="1" type="body"/>
+            <p:ph type="body" idx="1"/>
           </p:nvPr>
         </p:nvSpPr>
         <p:spPr>
@@ -5103,9 +5172,9 @@
           </a:prstGeom>
         </p:spPr>
         <p:txBody>
-          <a:bodyPr anchorCtr="0" anchor="t" bIns="91425" lIns="91425" spcFirstLastPara="1" rIns="91425" wrap="square" tIns="91425"/>
+          <a:bodyPr spcFirstLastPara="1" wrap="square" lIns="91425" tIns="91425" rIns="91425" bIns="91425" anchor="t" anchorCtr="0"/>
           <a:lstStyle>
-            <a:lvl1pPr indent="-304800" lvl="0" marL="457200" rtl="0">
+            <a:lvl1pPr marL="457200" lvl="0" indent="-304800" rtl="0">
               <a:spcBef>
                 <a:spcPts val="0"/>
               </a:spcBef>
@@ -5116,7 +5185,7 @@
               <a:buChar char="●"/>
               <a:defRPr sz="1200"/>
             </a:lvl1pPr>
-            <a:lvl2pPr indent="-304800" lvl="1" marL="914400" rtl="0">
+            <a:lvl2pPr marL="914400" lvl="1" indent="-304800" rtl="0">
               <a:spcBef>
                 <a:spcPts val="1600"/>
               </a:spcBef>
@@ -5127,7 +5196,7 @@
               <a:buChar char="○"/>
               <a:defRPr sz="1200"/>
             </a:lvl2pPr>
-            <a:lvl3pPr indent="-304800" lvl="2" marL="1371600" rtl="0">
+            <a:lvl3pPr marL="1371600" lvl="2" indent="-304800" rtl="0">
               <a:spcBef>
                 <a:spcPts val="1600"/>
               </a:spcBef>
@@ -5138,7 +5207,7 @@
               <a:buChar char="■"/>
               <a:defRPr sz="1200"/>
             </a:lvl3pPr>
-            <a:lvl4pPr indent="-304800" lvl="3" marL="1828800" rtl="0">
+            <a:lvl4pPr marL="1828800" lvl="3" indent="-304800" rtl="0">
               <a:spcBef>
                 <a:spcPts val="1600"/>
               </a:spcBef>
@@ -5149,7 +5218,7 @@
               <a:buChar char="●"/>
               <a:defRPr sz="1200"/>
             </a:lvl4pPr>
-            <a:lvl5pPr indent="-304800" lvl="4" marL="2286000" rtl="0">
+            <a:lvl5pPr marL="2286000" lvl="4" indent="-304800" rtl="0">
               <a:spcBef>
                 <a:spcPts val="1600"/>
               </a:spcBef>
@@ -5160,7 +5229,7 @@
               <a:buChar char="○"/>
               <a:defRPr sz="1200"/>
             </a:lvl5pPr>
-            <a:lvl6pPr indent="-304800" lvl="5" marL="2743200" rtl="0">
+            <a:lvl6pPr marL="2743200" lvl="5" indent="-304800" rtl="0">
               <a:spcBef>
                 <a:spcPts val="1600"/>
               </a:spcBef>
@@ -5171,7 +5240,7 @@
               <a:buChar char="■"/>
               <a:defRPr sz="1200"/>
             </a:lvl6pPr>
-            <a:lvl7pPr indent="-304800" lvl="6" marL="3200400" rtl="0">
+            <a:lvl7pPr marL="3200400" lvl="6" indent="-304800" rtl="0">
               <a:spcBef>
                 <a:spcPts val="1600"/>
               </a:spcBef>
@@ -5182,7 +5251,7 @@
               <a:buChar char="●"/>
               <a:defRPr sz="1200"/>
             </a:lvl7pPr>
-            <a:lvl8pPr indent="-304800" lvl="7" marL="3657600" rtl="0">
+            <a:lvl8pPr marL="3657600" lvl="7" indent="-304800" rtl="0">
               <a:spcBef>
                 <a:spcPts val="1600"/>
               </a:spcBef>
@@ -5193,7 +5262,7 @@
               <a:buChar char="○"/>
               <a:defRPr sz="1200"/>
             </a:lvl8pPr>
-            <a:lvl9pPr indent="-304800" lvl="8" marL="4114800" rtl="0">
+            <a:lvl9pPr marL="4114800" lvl="8" indent="-304800" rtl="0">
               <a:spcBef>
                 <a:spcPts val="1600"/>
               </a:spcBef>
@@ -5205,15 +5274,19 @@
               <a:defRPr sz="1200"/>
             </a:lvl9pPr>
           </a:lstStyle>
-          <a:p/>
+          <a:p>
+            <a:endParaRPr/>
+          </a:p>
         </p:txBody>
       </p:sp>
       <p:sp>
         <p:nvSpPr>
           <p:cNvPr id="49" name="Shape 49"/>
-          <p:cNvSpPr txBox="1"/>
+          <p:cNvSpPr txBox="1">
+            <a:spLocks noGrp="1"/>
+          </p:cNvSpPr>
           <p:nvPr>
-            <p:ph idx="12" type="sldNum"/>
+            <p:ph type="sldNum" idx="12"/>
           </p:nvPr>
         </p:nvSpPr>
         <p:spPr>
@@ -5226,7 +5299,7 @@
           </a:prstGeom>
         </p:spPr>
         <p:txBody>
-          <a:bodyPr anchorCtr="0" anchor="ctr" bIns="91425" lIns="91425" spcFirstLastPara="1" rIns="91425" wrap="square" tIns="91425">
+          <a:bodyPr spcFirstLastPara="1" wrap="square" lIns="91425" tIns="91425" rIns="91425" bIns="91425" anchor="ctr" anchorCtr="0">
             <a:noAutofit/>
           </a:bodyPr>
           <a:lstStyle>
@@ -5304,7 +5377,7 @@
             </a:lvl9pPr>
           </a:lstStyle>
           <a:p>
-            <a:pPr indent="0" lvl="0" marL="0">
+            <a:pPr marL="0" lvl="0" indent="0">
               <a:spcBef>
                 <a:spcPts val="0"/>
               </a:spcBef>
@@ -5315,7 +5388,7 @@
             </a:pPr>
             <a:fld id="{00000000-1234-1234-1234-123412341234}" type="slidenum">
               <a:rPr lang="fr"/>
-              <a:t>‹#›</a:t>
+              <a:t>‹N°›</a:t>
             </a:fld>
             <a:endParaRPr/>
           </a:p>
@@ -5330,18 +5403,19 @@
 </file>
 
 <file path=ppt/slideLayouts/slideLayout7.xml><?xml version="1.0" encoding="utf-8"?>
-<p:sldLayout xmlns:a="http://schemas.openxmlformats.org/drawingml/2006/main" xmlns:r="http://schemas.openxmlformats.org/officeDocument/2006/relationships" xmlns:mc="http://schemas.openxmlformats.org/markup-compatibility/2006" xmlns:mv="urn:schemas-microsoft-com:mac:vml" xmlns:p="http://schemas.openxmlformats.org/presentationml/2006/main" xmlns:c="http://schemas.openxmlformats.org/drawingml/2006/chart" xmlns:dgm="http://schemas.openxmlformats.org/drawingml/2006/diagram" xmlns:o="urn:schemas-microsoft-com:office:office" xmlns:v="urn:schemas-microsoft-com:vml" xmlns:pvml="urn:schemas-microsoft-com:office:powerpoint" xmlns:com="http://schemas.openxmlformats.org/drawingml/2006/compatibility" xmlns:p14="http://schemas.microsoft.com/office/powerpoint/2010/main" xmlns:p15="http://schemas.microsoft.com/office/powerpoint/2012/main" matchingName="Main point">
+<p:sldLayout xmlns:a="http://schemas.openxmlformats.org/drawingml/2006/main" xmlns:r="http://schemas.openxmlformats.org/officeDocument/2006/relationships" xmlns:p="http://schemas.openxmlformats.org/presentationml/2006/main" matchingName="Main point">
   <p:cSld name="MAIN_POINT">
     <p:bg>
       <p:bgPr>
         <a:solidFill>
           <a:schemeClr val="accent4"/>
         </a:solidFill>
+        <a:effectLst/>
       </p:bgPr>
     </p:bg>
     <p:spTree>
       <p:nvGrpSpPr>
-        <p:cNvPr id="50" name="Shape 50"/>
+        <p:cNvPr id="1" name="Shape 50"/>
         <p:cNvGrpSpPr/>
         <p:nvPr/>
       </p:nvGrpSpPr>
@@ -5389,12 +5463,12 @@
             </a:ln>
           </p:spPr>
           <p:txBody>
-            <a:bodyPr anchorCtr="0" anchor="ctr" bIns="91425" lIns="91425" spcFirstLastPara="1" rIns="91425" wrap="square" tIns="91425">
+            <a:bodyPr spcFirstLastPara="1" wrap="square" lIns="91425" tIns="91425" rIns="91425" bIns="91425" anchor="ctr" anchorCtr="0">
               <a:noAutofit/>
             </a:bodyPr>
             <a:lstStyle/>
             <a:p>
-              <a:pPr indent="0" lvl="0" marL="0">
+              <a:pPr marL="0" lvl="0" indent="0">
                 <a:spcBef>
                   <a:spcPts val="0"/>
                 </a:spcBef>
@@ -5403,9 +5477,6 @@
                 </a:spcAft>
                 <a:buNone/>
               </a:pPr>
-              <a:r>
-                <a:t/>
-              </a:r>
               <a:endParaRPr/>
             </a:p>
           </p:txBody>
@@ -5432,12 +5503,12 @@
             </a:ln>
           </p:spPr>
           <p:txBody>
-            <a:bodyPr anchorCtr="0" anchor="ctr" bIns="91425" lIns="91425" spcFirstLastPara="1" rIns="91425" wrap="square" tIns="91425">
+            <a:bodyPr spcFirstLastPara="1" wrap="square" lIns="91425" tIns="91425" rIns="91425" bIns="91425" anchor="ctr" anchorCtr="0">
               <a:noAutofit/>
             </a:bodyPr>
             <a:lstStyle/>
             <a:p>
-              <a:pPr indent="0" lvl="0" marL="0">
+              <a:pPr marL="0" lvl="0" indent="0">
                 <a:spcBef>
                   <a:spcPts val="0"/>
                 </a:spcBef>
@@ -5446,9 +5517,6 @@
                 </a:spcAft>
                 <a:buNone/>
               </a:pPr>
-              <a:r>
-                <a:t/>
-              </a:r>
               <a:endParaRPr/>
             </a:p>
           </p:txBody>
@@ -5460,7 +5528,7 @@
             <p:nvPr/>
           </p:nvSpPr>
           <p:spPr>
-            <a:xfrm flipH="1" rot="10800000">
+            <a:xfrm rot="10800000" flipH="1">
               <a:off x="7113588" y="107"/>
               <a:ext cx="1015200" cy="1015200"/>
             </a:xfrm>
@@ -5475,12 +5543,12 @@
             </a:ln>
           </p:spPr>
           <p:txBody>
-            <a:bodyPr anchorCtr="0" anchor="ctr" bIns="91425" lIns="91425" spcFirstLastPara="1" rIns="91425" wrap="square" tIns="91425">
+            <a:bodyPr spcFirstLastPara="1" wrap="square" lIns="91425" tIns="91425" rIns="91425" bIns="91425" anchor="ctr" anchorCtr="0">
               <a:noAutofit/>
             </a:bodyPr>
             <a:lstStyle/>
             <a:p>
-              <a:pPr indent="0" lvl="0" marL="0">
+              <a:pPr marL="0" lvl="0" indent="0">
                 <a:spcBef>
                   <a:spcPts val="0"/>
                 </a:spcBef>
@@ -5489,9 +5557,6 @@
                 </a:spcAft>
                 <a:buNone/>
               </a:pPr>
-              <a:r>
-                <a:t/>
-              </a:r>
               <a:endParaRPr/>
             </a:p>
           </p:txBody>
@@ -5518,12 +5583,12 @@
             </a:ln>
           </p:spPr>
           <p:txBody>
-            <a:bodyPr anchorCtr="0" anchor="ctr" bIns="91425" lIns="91425" spcFirstLastPara="1" rIns="91425" wrap="square" tIns="91425">
+            <a:bodyPr spcFirstLastPara="1" wrap="square" lIns="91425" tIns="91425" rIns="91425" bIns="91425" anchor="ctr" anchorCtr="0">
               <a:noAutofit/>
             </a:bodyPr>
             <a:lstStyle/>
             <a:p>
-              <a:pPr indent="0" lvl="0" marL="0">
+              <a:pPr marL="0" lvl="0" indent="0">
                 <a:spcBef>
                   <a:spcPts val="0"/>
                 </a:spcBef>
@@ -5532,9 +5597,6 @@
                 </a:spcAft>
                 <a:buNone/>
               </a:pPr>
-              <a:r>
-                <a:t/>
-              </a:r>
               <a:endParaRPr/>
             </a:p>
           </p:txBody>
@@ -5561,12 +5623,12 @@
             </a:ln>
           </p:spPr>
           <p:txBody>
-            <a:bodyPr anchorCtr="0" anchor="ctr" bIns="91425" lIns="91425" spcFirstLastPara="1" rIns="91425" wrap="square" tIns="91425">
+            <a:bodyPr spcFirstLastPara="1" wrap="square" lIns="91425" tIns="91425" rIns="91425" bIns="91425" anchor="ctr" anchorCtr="0">
               <a:noAutofit/>
             </a:bodyPr>
             <a:lstStyle/>
             <a:p>
-              <a:pPr indent="0" lvl="0" marL="0">
+              <a:pPr marL="0" lvl="0" indent="0">
                 <a:spcBef>
                   <a:spcPts val="0"/>
                 </a:spcBef>
@@ -5575,9 +5637,6 @@
                 </a:spcAft>
                 <a:buNone/>
               </a:pPr>
-              <a:r>
-                <a:t/>
-              </a:r>
               <a:endParaRPr/>
             </a:p>
           </p:txBody>
@@ -5586,7 +5645,9 @@
       <p:sp>
         <p:nvSpPr>
           <p:cNvPr id="57" name="Shape 57"/>
-          <p:cNvSpPr txBox="1"/>
+          <p:cNvSpPr txBox="1">
+            <a:spLocks noGrp="1"/>
+          </p:cNvSpPr>
           <p:nvPr>
             <p:ph type="title"/>
           </p:nvPr>
@@ -5601,7 +5662,7 @@
           </a:prstGeom>
         </p:spPr>
         <p:txBody>
-          <a:bodyPr anchorCtr="0" anchor="ctr" bIns="91425" lIns="91425" spcFirstLastPara="1" rIns="91425" wrap="square" tIns="91425"/>
+          <a:bodyPr spcFirstLastPara="1" wrap="square" lIns="91425" tIns="91425" rIns="91425" bIns="91425" anchor="ctr" anchorCtr="0"/>
           <a:lstStyle>
             <a:lvl1pPr lvl="0" rtl="0">
               <a:spcBef>
@@ -5766,15 +5827,19 @@
               </a:defRPr>
             </a:lvl9pPr>
           </a:lstStyle>
-          <a:p/>
+          <a:p>
+            <a:endParaRPr/>
+          </a:p>
         </p:txBody>
       </p:sp>
       <p:sp>
         <p:nvSpPr>
           <p:cNvPr id="58" name="Shape 58"/>
-          <p:cNvSpPr txBox="1"/>
+          <p:cNvSpPr txBox="1">
+            <a:spLocks noGrp="1"/>
+          </p:cNvSpPr>
           <p:nvPr>
-            <p:ph idx="12" type="sldNum"/>
+            <p:ph type="sldNum" idx="12"/>
           </p:nvPr>
         </p:nvSpPr>
         <p:spPr>
@@ -5787,7 +5852,7 @@
           </a:prstGeom>
         </p:spPr>
         <p:txBody>
-          <a:bodyPr anchorCtr="0" anchor="ctr" bIns="91425" lIns="91425" spcFirstLastPara="1" rIns="91425" wrap="square" tIns="91425">
+          <a:bodyPr spcFirstLastPara="1" wrap="square" lIns="91425" tIns="91425" rIns="91425" bIns="91425" anchor="ctr" anchorCtr="0">
             <a:noAutofit/>
           </a:bodyPr>
           <a:lstStyle>
@@ -5829,7 +5894,7 @@
             </a:lvl9pPr>
           </a:lstStyle>
           <a:p>
-            <a:pPr indent="0" lvl="0" marL="0">
+            <a:pPr marL="0" lvl="0" indent="0">
               <a:spcBef>
                 <a:spcPts val="0"/>
               </a:spcBef>
@@ -5840,7 +5905,7 @@
             </a:pPr>
             <a:fld id="{00000000-1234-1234-1234-123412341234}" type="slidenum">
               <a:rPr lang="fr"/>
-              <a:t>‹#›</a:t>
+              <a:t>‹N°›</a:t>
             </a:fld>
             <a:endParaRPr/>
           </a:p>
@@ -5855,11 +5920,11 @@
 </file>
 
 <file path=ppt/slideLayouts/slideLayout8.xml><?xml version="1.0" encoding="utf-8"?>
-<p:sldLayout xmlns:a="http://schemas.openxmlformats.org/drawingml/2006/main" xmlns:r="http://schemas.openxmlformats.org/officeDocument/2006/relationships" xmlns:mc="http://schemas.openxmlformats.org/markup-compatibility/2006" xmlns:mv="urn:schemas-microsoft-com:mac:vml" xmlns:p="http://schemas.openxmlformats.org/presentationml/2006/main" xmlns:c="http://schemas.openxmlformats.org/drawingml/2006/chart" xmlns:dgm="http://schemas.openxmlformats.org/drawingml/2006/diagram" xmlns:o="urn:schemas-microsoft-com:office:office" xmlns:v="urn:schemas-microsoft-com:vml" xmlns:pvml="urn:schemas-microsoft-com:office:powerpoint" xmlns:com="http://schemas.openxmlformats.org/drawingml/2006/compatibility" xmlns:p14="http://schemas.microsoft.com/office/powerpoint/2010/main" xmlns:p15="http://schemas.microsoft.com/office/powerpoint/2012/main" matchingName="Section title and description">
+<p:sldLayout xmlns:a="http://schemas.openxmlformats.org/drawingml/2006/main" xmlns:r="http://schemas.openxmlformats.org/officeDocument/2006/relationships" xmlns:p="http://schemas.openxmlformats.org/presentationml/2006/main" matchingName="Section title and description">
   <p:cSld name="SECTION_TITLE_AND_DESCRIPTION">
     <p:spTree>
       <p:nvGrpSpPr>
-        <p:cNvPr id="59" name="Shape 59"/>
+        <p:cNvPr id="1" name="Shape 59"/>
         <p:cNvGrpSpPr/>
         <p:nvPr/>
       </p:nvGrpSpPr>
@@ -5893,12 +5958,12 @@
           </a:ln>
         </p:spPr>
         <p:txBody>
-          <a:bodyPr anchorCtr="0" anchor="ctr" bIns="91425" lIns="91425" spcFirstLastPara="1" rIns="91425" wrap="square" tIns="91425">
+          <a:bodyPr spcFirstLastPara="1" wrap="square" lIns="91425" tIns="91425" rIns="91425" bIns="91425" anchor="ctr" anchorCtr="0">
             <a:noAutofit/>
           </a:bodyPr>
           <a:lstStyle/>
           <a:p>
-            <a:pPr indent="0" lvl="0" marL="0">
+            <a:pPr marL="0" lvl="0" indent="0">
               <a:spcBef>
                 <a:spcPts val="0"/>
               </a:spcBef>
@@ -5907,9 +5972,6 @@
               </a:spcAft>
               <a:buNone/>
             </a:pPr>
-            <a:r>
-              <a:t/>
-            </a:r>
             <a:endParaRPr/>
           </a:p>
         </p:txBody>
@@ -5929,21 +5991,23 @@
             <a:avLst/>
           </a:prstGeom>
           <a:noFill/>
-          <a:ln cap="flat" cmpd="sng" w="19050">
+          <a:ln w="19050" cap="flat" cmpd="sng">
             <a:solidFill>
               <a:schemeClr val="lt1"/>
             </a:solidFill>
             <a:prstDash val="solid"/>
             <a:round/>
-            <a:headEnd len="sm" w="sm" type="none"/>
-            <a:tailEnd len="sm" w="sm" type="none"/>
+            <a:headEnd type="none" w="sm" len="sm"/>
+            <a:tailEnd type="none" w="sm" len="sm"/>
           </a:ln>
         </p:spPr>
       </p:cxnSp>
       <p:sp>
         <p:nvSpPr>
           <p:cNvPr id="62" name="Shape 62"/>
-          <p:cNvSpPr txBox="1"/>
+          <p:cNvSpPr txBox="1">
+            <a:spLocks noGrp="1"/>
+          </p:cNvSpPr>
           <p:nvPr>
             <p:ph type="title"/>
           </p:nvPr>
@@ -5958,9 +6022,9 @@
           </a:prstGeom>
         </p:spPr>
         <p:txBody>
-          <a:bodyPr anchorCtr="0" anchor="b" bIns="91425" lIns="91425" spcFirstLastPara="1" rIns="91425" wrap="square" tIns="91425"/>
+          <a:bodyPr spcFirstLastPara="1" wrap="square" lIns="91425" tIns="91425" rIns="91425" bIns="91425" anchor="b" anchorCtr="0"/>
           <a:lstStyle>
-            <a:lvl1pPr lvl="0" rtl="0" algn="ctr">
+            <a:lvl1pPr lvl="0" algn="ctr" rtl="0">
               <a:spcBef>
                 <a:spcPts val="0"/>
               </a:spcBef>
@@ -5971,7 +6035,7 @@
               <a:buNone/>
               <a:defRPr sz="4200"/>
             </a:lvl1pPr>
-            <a:lvl2pPr lvl="1" rtl="0" algn="ctr">
+            <a:lvl2pPr lvl="1" algn="ctr" rtl="0">
               <a:spcBef>
                 <a:spcPts val="0"/>
               </a:spcBef>
@@ -5982,7 +6046,7 @@
               <a:buNone/>
               <a:defRPr sz="4200"/>
             </a:lvl2pPr>
-            <a:lvl3pPr lvl="2" rtl="0" algn="ctr">
+            <a:lvl3pPr lvl="2" algn="ctr" rtl="0">
               <a:spcBef>
                 <a:spcPts val="0"/>
               </a:spcBef>
@@ -5993,7 +6057,7 @@
               <a:buNone/>
               <a:defRPr sz="4200"/>
             </a:lvl3pPr>
-            <a:lvl4pPr lvl="3" rtl="0" algn="ctr">
+            <a:lvl4pPr lvl="3" algn="ctr" rtl="0">
               <a:spcBef>
                 <a:spcPts val="0"/>
               </a:spcBef>
@@ -6004,7 +6068,7 @@
               <a:buNone/>
               <a:defRPr sz="4200"/>
             </a:lvl4pPr>
-            <a:lvl5pPr lvl="4" rtl="0" algn="ctr">
+            <a:lvl5pPr lvl="4" algn="ctr" rtl="0">
               <a:spcBef>
                 <a:spcPts val="0"/>
               </a:spcBef>
@@ -6015,7 +6079,7 @@
               <a:buNone/>
               <a:defRPr sz="4200"/>
             </a:lvl5pPr>
-            <a:lvl6pPr lvl="5" rtl="0" algn="ctr">
+            <a:lvl6pPr lvl="5" algn="ctr" rtl="0">
               <a:spcBef>
                 <a:spcPts val="0"/>
               </a:spcBef>
@@ -6026,7 +6090,7 @@
               <a:buNone/>
               <a:defRPr sz="4200"/>
             </a:lvl6pPr>
-            <a:lvl7pPr lvl="6" rtl="0" algn="ctr">
+            <a:lvl7pPr lvl="6" algn="ctr" rtl="0">
               <a:spcBef>
                 <a:spcPts val="0"/>
               </a:spcBef>
@@ -6037,7 +6101,7 @@
               <a:buNone/>
               <a:defRPr sz="4200"/>
             </a:lvl7pPr>
-            <a:lvl8pPr lvl="7" rtl="0" algn="ctr">
+            <a:lvl8pPr lvl="7" algn="ctr" rtl="0">
               <a:spcBef>
                 <a:spcPts val="0"/>
               </a:spcBef>
@@ -6048,7 +6112,7 @@
               <a:buNone/>
               <a:defRPr sz="4200"/>
             </a:lvl8pPr>
-            <a:lvl9pPr lvl="8" rtl="0" algn="ctr">
+            <a:lvl9pPr lvl="8" algn="ctr" rtl="0">
               <a:spcBef>
                 <a:spcPts val="0"/>
               </a:spcBef>
@@ -6060,15 +6124,19 @@
               <a:defRPr sz="4200"/>
             </a:lvl9pPr>
           </a:lstStyle>
-          <a:p/>
+          <a:p>
+            <a:endParaRPr/>
+          </a:p>
         </p:txBody>
       </p:sp>
       <p:sp>
         <p:nvSpPr>
           <p:cNvPr id="63" name="Shape 63"/>
-          <p:cNvSpPr txBox="1"/>
+          <p:cNvSpPr txBox="1">
+            <a:spLocks noGrp="1"/>
+          </p:cNvSpPr>
           <p:nvPr>
-            <p:ph idx="1" type="subTitle"/>
+            <p:ph type="subTitle" idx="1"/>
           </p:nvPr>
         </p:nvSpPr>
         <p:spPr>
@@ -6081,9 +6149,9 @@
           </a:prstGeom>
         </p:spPr>
         <p:txBody>
-          <a:bodyPr anchorCtr="0" anchor="t" bIns="91425" lIns="91425" spcFirstLastPara="1" rIns="91425" wrap="square" tIns="91425"/>
+          <a:bodyPr spcFirstLastPara="1" wrap="square" lIns="91425" tIns="91425" rIns="91425" bIns="91425" anchor="t" anchorCtr="0"/>
           <a:lstStyle>
-            <a:lvl1pPr lvl="0" rtl="0" algn="ctr">
+            <a:lvl1pPr lvl="0" algn="ctr" rtl="0">
               <a:lnSpc>
                 <a:spcPct val="100000"/>
               </a:lnSpc>
@@ -6097,7 +6165,7 @@
               <a:buNone/>
               <a:defRPr sz="2100"/>
             </a:lvl1pPr>
-            <a:lvl2pPr lvl="1" rtl="0" algn="ctr">
+            <a:lvl2pPr lvl="1" algn="ctr" rtl="0">
               <a:lnSpc>
                 <a:spcPct val="100000"/>
               </a:lnSpc>
@@ -6111,7 +6179,7 @@
               <a:buNone/>
               <a:defRPr sz="2100"/>
             </a:lvl2pPr>
-            <a:lvl3pPr lvl="2" rtl="0" algn="ctr">
+            <a:lvl3pPr lvl="2" algn="ctr" rtl="0">
               <a:lnSpc>
                 <a:spcPct val="100000"/>
               </a:lnSpc>
@@ -6125,7 +6193,7 @@
               <a:buNone/>
               <a:defRPr sz="2100"/>
             </a:lvl3pPr>
-            <a:lvl4pPr lvl="3" rtl="0" algn="ctr">
+            <a:lvl4pPr lvl="3" algn="ctr" rtl="0">
               <a:lnSpc>
                 <a:spcPct val="100000"/>
               </a:lnSpc>
@@ -6139,7 +6207,7 @@
               <a:buNone/>
               <a:defRPr sz="2100"/>
             </a:lvl4pPr>
-            <a:lvl5pPr lvl="4" rtl="0" algn="ctr">
+            <a:lvl5pPr lvl="4" algn="ctr" rtl="0">
               <a:lnSpc>
                 <a:spcPct val="100000"/>
               </a:lnSpc>
@@ -6153,7 +6221,7 @@
               <a:buNone/>
               <a:defRPr sz="2100"/>
             </a:lvl5pPr>
-            <a:lvl6pPr lvl="5" rtl="0" algn="ctr">
+            <a:lvl6pPr lvl="5" algn="ctr" rtl="0">
               <a:lnSpc>
                 <a:spcPct val="100000"/>
               </a:lnSpc>
@@ -6167,7 +6235,7 @@
               <a:buNone/>
               <a:defRPr sz="2100"/>
             </a:lvl6pPr>
-            <a:lvl7pPr lvl="6" rtl="0" algn="ctr">
+            <a:lvl7pPr lvl="6" algn="ctr" rtl="0">
               <a:lnSpc>
                 <a:spcPct val="100000"/>
               </a:lnSpc>
@@ -6181,7 +6249,7 @@
               <a:buNone/>
               <a:defRPr sz="2100"/>
             </a:lvl7pPr>
-            <a:lvl8pPr lvl="7" rtl="0" algn="ctr">
+            <a:lvl8pPr lvl="7" algn="ctr" rtl="0">
               <a:lnSpc>
                 <a:spcPct val="100000"/>
               </a:lnSpc>
@@ -6195,7 +6263,7 @@
               <a:buNone/>
               <a:defRPr sz="2100"/>
             </a:lvl8pPr>
-            <a:lvl9pPr lvl="8" rtl="0" algn="ctr">
+            <a:lvl9pPr lvl="8" algn="ctr" rtl="0">
               <a:lnSpc>
                 <a:spcPct val="100000"/>
               </a:lnSpc>
@@ -6210,15 +6278,19 @@
               <a:defRPr sz="2100"/>
             </a:lvl9pPr>
           </a:lstStyle>
-          <a:p/>
+          <a:p>
+            <a:endParaRPr/>
+          </a:p>
         </p:txBody>
       </p:sp>
       <p:sp>
         <p:nvSpPr>
           <p:cNvPr id="64" name="Shape 64"/>
-          <p:cNvSpPr txBox="1"/>
+          <p:cNvSpPr txBox="1">
+            <a:spLocks noGrp="1"/>
+          </p:cNvSpPr>
           <p:nvPr>
-            <p:ph idx="2" type="body"/>
+            <p:ph type="body" idx="2"/>
           </p:nvPr>
         </p:nvSpPr>
         <p:spPr>
@@ -6231,9 +6303,9 @@
           </a:prstGeom>
         </p:spPr>
         <p:txBody>
-          <a:bodyPr anchorCtr="0" anchor="ctr" bIns="91425" lIns="91425" spcFirstLastPara="1" rIns="91425" wrap="square" tIns="91425"/>
+          <a:bodyPr spcFirstLastPara="1" wrap="square" lIns="91425" tIns="91425" rIns="91425" bIns="91425" anchor="ctr" anchorCtr="0"/>
           <a:lstStyle>
-            <a:lvl1pPr indent="-342900" lvl="0" marL="457200" rtl="0">
+            <a:lvl1pPr marL="457200" lvl="0" indent="-342900" rtl="0">
               <a:spcBef>
                 <a:spcPts val="0"/>
               </a:spcBef>
@@ -6251,7 +6323,7 @@
                 </a:solidFill>
               </a:defRPr>
             </a:lvl1pPr>
-            <a:lvl2pPr indent="-317500" lvl="1" marL="914400" rtl="0">
+            <a:lvl2pPr marL="914400" lvl="1" indent="-317500" rtl="0">
               <a:spcBef>
                 <a:spcPts val="1600"/>
               </a:spcBef>
@@ -6269,7 +6341,7 @@
                 </a:solidFill>
               </a:defRPr>
             </a:lvl2pPr>
-            <a:lvl3pPr indent="-317500" lvl="2" marL="1371600" rtl="0">
+            <a:lvl3pPr marL="1371600" lvl="2" indent="-317500" rtl="0">
               <a:spcBef>
                 <a:spcPts val="1600"/>
               </a:spcBef>
@@ -6287,7 +6359,7 @@
                 </a:solidFill>
               </a:defRPr>
             </a:lvl3pPr>
-            <a:lvl4pPr indent="-317500" lvl="3" marL="1828800" rtl="0">
+            <a:lvl4pPr marL="1828800" lvl="3" indent="-317500" rtl="0">
               <a:spcBef>
                 <a:spcPts val="1600"/>
               </a:spcBef>
@@ -6305,7 +6377,7 @@
                 </a:solidFill>
               </a:defRPr>
             </a:lvl4pPr>
-            <a:lvl5pPr indent="-317500" lvl="4" marL="2286000" rtl="0">
+            <a:lvl5pPr marL="2286000" lvl="4" indent="-317500" rtl="0">
               <a:spcBef>
                 <a:spcPts val="1600"/>
               </a:spcBef>
@@ -6323,7 +6395,7 @@
                 </a:solidFill>
               </a:defRPr>
             </a:lvl5pPr>
-            <a:lvl6pPr indent="-317500" lvl="5" marL="2743200" rtl="0">
+            <a:lvl6pPr marL="2743200" lvl="5" indent="-317500" rtl="0">
               <a:spcBef>
                 <a:spcPts val="1600"/>
               </a:spcBef>
@@ -6341,7 +6413,7 @@
                 </a:solidFill>
               </a:defRPr>
             </a:lvl6pPr>
-            <a:lvl7pPr indent="-317500" lvl="6" marL="3200400" rtl="0">
+            <a:lvl7pPr marL="3200400" lvl="6" indent="-317500" rtl="0">
               <a:spcBef>
                 <a:spcPts val="1600"/>
               </a:spcBef>
@@ -6359,7 +6431,7 @@
                 </a:solidFill>
               </a:defRPr>
             </a:lvl7pPr>
-            <a:lvl8pPr indent="-317500" lvl="7" marL="3657600" rtl="0">
+            <a:lvl8pPr marL="3657600" lvl="7" indent="-317500" rtl="0">
               <a:spcBef>
                 <a:spcPts val="1600"/>
               </a:spcBef>
@@ -6377,7 +6449,7 @@
                 </a:solidFill>
               </a:defRPr>
             </a:lvl8pPr>
-            <a:lvl9pPr indent="-317500" lvl="8" marL="4114800" rtl="0">
+            <a:lvl9pPr marL="4114800" lvl="8" indent="-317500" rtl="0">
               <a:spcBef>
                 <a:spcPts val="1600"/>
               </a:spcBef>
@@ -6396,15 +6468,19 @@
               </a:defRPr>
             </a:lvl9pPr>
           </a:lstStyle>
-          <a:p/>
+          <a:p>
+            <a:endParaRPr/>
+          </a:p>
         </p:txBody>
       </p:sp>
       <p:sp>
         <p:nvSpPr>
           <p:cNvPr id="65" name="Shape 65"/>
-          <p:cNvSpPr txBox="1"/>
+          <p:cNvSpPr txBox="1">
+            <a:spLocks noGrp="1"/>
+          </p:cNvSpPr>
           <p:nvPr>
-            <p:ph idx="12" type="sldNum"/>
+            <p:ph type="sldNum" idx="12"/>
           </p:nvPr>
         </p:nvSpPr>
         <p:spPr>
@@ -6417,7 +6493,7 @@
           </a:prstGeom>
         </p:spPr>
         <p:txBody>
-          <a:bodyPr anchorCtr="0" anchor="ctr" bIns="91425" lIns="91425" spcFirstLastPara="1" rIns="91425" wrap="square" tIns="91425">
+          <a:bodyPr spcFirstLastPara="1" wrap="square" lIns="91425" tIns="91425" rIns="91425" bIns="91425" anchor="ctr" anchorCtr="0">
             <a:noAutofit/>
           </a:bodyPr>
           <a:lstStyle>
@@ -6459,7 +6535,7 @@
             </a:lvl9pPr>
           </a:lstStyle>
           <a:p>
-            <a:pPr indent="0" lvl="0" marL="0">
+            <a:pPr marL="0" lvl="0" indent="0">
               <a:spcBef>
                 <a:spcPts val="0"/>
               </a:spcBef>
@@ -6470,7 +6546,7 @@
             </a:pPr>
             <a:fld id="{00000000-1234-1234-1234-123412341234}" type="slidenum">
               <a:rPr lang="fr"/>
-              <a:t>‹#›</a:t>
+              <a:t>‹N°›</a:t>
             </a:fld>
             <a:endParaRPr/>
           </a:p>
@@ -6485,11 +6561,11 @@
 </file>
 
 <file path=ppt/slideLayouts/slideLayout9.xml><?xml version="1.0" encoding="utf-8"?>
-<p:sldLayout xmlns:a="http://schemas.openxmlformats.org/drawingml/2006/main" xmlns:r="http://schemas.openxmlformats.org/officeDocument/2006/relationships" xmlns:mc="http://schemas.openxmlformats.org/markup-compatibility/2006" xmlns:mv="urn:schemas-microsoft-com:mac:vml" xmlns:p="http://schemas.openxmlformats.org/presentationml/2006/main" xmlns:c="http://schemas.openxmlformats.org/drawingml/2006/chart" xmlns:dgm="http://schemas.openxmlformats.org/drawingml/2006/diagram" xmlns:o="urn:schemas-microsoft-com:office:office" xmlns:v="urn:schemas-microsoft-com:vml" xmlns:pvml="urn:schemas-microsoft-com:office:powerpoint" xmlns:com="http://schemas.openxmlformats.org/drawingml/2006/compatibility" xmlns:p14="http://schemas.microsoft.com/office/powerpoint/2010/main" xmlns:p15="http://schemas.microsoft.com/office/powerpoint/2012/main" matchingName="Caption">
+<p:sldLayout xmlns:a="http://schemas.openxmlformats.org/drawingml/2006/main" xmlns:r="http://schemas.openxmlformats.org/officeDocument/2006/relationships" xmlns:p="http://schemas.openxmlformats.org/presentationml/2006/main" matchingName="Caption">
   <p:cSld name="CAPTION_ONLY">
     <p:spTree>
       <p:nvGrpSpPr>
-        <p:cNvPr id="66" name="Shape 66"/>
+        <p:cNvPr id="1" name="Shape 66"/>
         <p:cNvGrpSpPr/>
         <p:nvPr/>
       </p:nvGrpSpPr>
@@ -6504,9 +6580,11 @@
       <p:sp>
         <p:nvSpPr>
           <p:cNvPr id="67" name="Shape 67"/>
-          <p:cNvSpPr txBox="1"/>
+          <p:cNvSpPr txBox="1">
+            <a:spLocks noGrp="1"/>
+          </p:cNvSpPr>
           <p:nvPr>
-            <p:ph idx="1" type="body"/>
+            <p:ph type="body" idx="1"/>
           </p:nvPr>
         </p:nvSpPr>
         <p:spPr>
@@ -6519,9 +6597,9 @@
           </a:prstGeom>
         </p:spPr>
         <p:txBody>
-          <a:bodyPr anchorCtr="0" anchor="ctr" bIns="91425" lIns="91425" spcFirstLastPara="1" rIns="91425" wrap="square" tIns="91425"/>
+          <a:bodyPr spcFirstLastPara="1" wrap="square" lIns="91425" tIns="91425" rIns="91425" bIns="91425" anchor="ctr" anchorCtr="0"/>
           <a:lstStyle>
-            <a:lvl1pPr indent="-228600" lvl="0" marL="457200" rtl="0">
+            <a:lvl1pPr marL="457200" lvl="0" indent="-228600" rtl="0">
               <a:lnSpc>
                 <a:spcPct val="100000"/>
               </a:lnSpc>
@@ -6536,15 +6614,19 @@
               <a:defRPr/>
             </a:lvl1pPr>
           </a:lstStyle>
-          <a:p/>
+          <a:p>
+            <a:endParaRPr/>
+          </a:p>
         </p:txBody>
       </p:sp>
       <p:sp>
         <p:nvSpPr>
           <p:cNvPr id="68" name="Shape 68"/>
-          <p:cNvSpPr txBox="1"/>
+          <p:cNvSpPr txBox="1">
+            <a:spLocks noGrp="1"/>
+          </p:cNvSpPr>
           <p:nvPr>
-            <p:ph idx="12" type="sldNum"/>
+            <p:ph type="sldNum" idx="12"/>
           </p:nvPr>
         </p:nvSpPr>
         <p:spPr>
@@ -6557,7 +6639,7 @@
           </a:prstGeom>
         </p:spPr>
         <p:txBody>
-          <a:bodyPr anchorCtr="0" anchor="ctr" bIns="91425" lIns="91425" spcFirstLastPara="1" rIns="91425" wrap="square" tIns="91425">
+          <a:bodyPr spcFirstLastPara="1" wrap="square" lIns="91425" tIns="91425" rIns="91425" bIns="91425" anchor="ctr" anchorCtr="0">
             <a:noAutofit/>
           </a:bodyPr>
           <a:lstStyle>
@@ -6635,7 +6717,7 @@
             </a:lvl9pPr>
           </a:lstStyle>
           <a:p>
-            <a:pPr indent="0" lvl="0" marL="0">
+            <a:pPr marL="0" lvl="0" indent="0">
               <a:spcBef>
                 <a:spcPts val="0"/>
               </a:spcBef>
@@ -6646,7 +6728,7 @@
             </a:pPr>
             <a:fld id="{00000000-1234-1234-1234-123412341234}" type="slidenum">
               <a:rPr lang="fr"/>
-              <a:t>‹#›</a:t>
+              <a:t>‹N°›</a:t>
             </a:fld>
             <a:endParaRPr/>
           </a:p>
@@ -6661,18 +6743,19 @@
 </file>
 
 <file path=ppt/slideMasters/slideMaster1.xml><?xml version="1.0" encoding="utf-8"?>
-<p:sldMaster xmlns:a="http://schemas.openxmlformats.org/drawingml/2006/main" xmlns:r="http://schemas.openxmlformats.org/officeDocument/2006/relationships" xmlns:mc="http://schemas.openxmlformats.org/markup-compatibility/2006" xmlns:mv="urn:schemas-microsoft-com:mac:vml" xmlns:p="http://schemas.openxmlformats.org/presentationml/2006/main" xmlns:c="http://schemas.openxmlformats.org/drawingml/2006/chart" xmlns:dgm="http://schemas.openxmlformats.org/drawingml/2006/diagram" xmlns:o="urn:schemas-microsoft-com:office:office" xmlns:v="urn:schemas-microsoft-com:vml" xmlns:pvml="urn:schemas-microsoft-com:office:powerpoint" xmlns:com="http://schemas.openxmlformats.org/drawingml/2006/compatibility" xmlns:p14="http://schemas.microsoft.com/office/powerpoint/2010/main" xmlns:p15="http://schemas.microsoft.com/office/powerpoint/2012/main">
+<p:sldMaster xmlns:a="http://schemas.openxmlformats.org/drawingml/2006/main" xmlns:r="http://schemas.openxmlformats.org/officeDocument/2006/relationships" xmlns:p="http://schemas.openxmlformats.org/presentationml/2006/main">
   <p:cSld name="geometric">
     <p:bg>
       <p:bgPr>
         <a:solidFill>
           <a:schemeClr val="lt1"/>
         </a:solidFill>
+        <a:effectLst/>
       </p:bgPr>
     </p:bg>
     <p:spTree>
       <p:nvGrpSpPr>
-        <p:cNvPr id="5" name="Shape 5"/>
+        <p:cNvPr id="1" name="Shape 5"/>
         <p:cNvGrpSpPr/>
         <p:nvPr/>
       </p:nvGrpSpPr>
@@ -6687,7 +6770,9 @@
       <p:sp>
         <p:nvSpPr>
           <p:cNvPr id="6" name="Shape 6"/>
-          <p:cNvSpPr txBox="1"/>
+          <p:cNvSpPr txBox="1">
+            <a:spLocks noGrp="1"/>
+          </p:cNvSpPr>
           <p:nvPr>
             <p:ph type="title"/>
           </p:nvPr>
@@ -6706,7 +6791,7 @@
           </a:ln>
         </p:spPr>
         <p:txBody>
-          <a:bodyPr anchorCtr="0" anchor="t" bIns="91425" lIns="91425" spcFirstLastPara="1" rIns="91425" wrap="square" tIns="91425"/>
+          <a:bodyPr spcFirstLastPara="1" wrap="square" lIns="91425" tIns="91425" rIns="91425" bIns="91425" anchor="t" anchorCtr="0"/>
           <a:lstStyle>
             <a:lvl1pPr lvl="0" rtl="0">
               <a:spcBef>
@@ -6916,15 +7001,19 @@
               </a:defRPr>
             </a:lvl9pPr>
           </a:lstStyle>
-          <a:p/>
+          <a:p>
+            <a:endParaRPr/>
+          </a:p>
         </p:txBody>
       </p:sp>
       <p:sp>
         <p:nvSpPr>
           <p:cNvPr id="7" name="Shape 7"/>
-          <p:cNvSpPr txBox="1"/>
+          <p:cNvSpPr txBox="1">
+            <a:spLocks noGrp="1"/>
+          </p:cNvSpPr>
           <p:nvPr>
-            <p:ph idx="1" type="body"/>
+            <p:ph type="body" idx="1"/>
           </p:nvPr>
         </p:nvSpPr>
         <p:spPr>
@@ -6941,9 +7030,9 @@
           </a:ln>
         </p:spPr>
         <p:txBody>
-          <a:bodyPr anchorCtr="0" anchor="t" bIns="91425" lIns="91425" spcFirstLastPara="1" rIns="91425" wrap="square" tIns="91425"/>
+          <a:bodyPr spcFirstLastPara="1" wrap="square" lIns="91425" tIns="91425" rIns="91425" bIns="91425" anchor="t" anchorCtr="0"/>
           <a:lstStyle>
-            <a:lvl1pPr indent="-342900" lvl="0" marL="457200" rtl="0">
+            <a:lvl1pPr marL="457200" lvl="0" indent="-342900" rtl="0">
               <a:lnSpc>
                 <a:spcPct val="115000"/>
               </a:lnSpc>
@@ -6969,7 +7058,7 @@
                 <a:sym typeface="Roboto"/>
               </a:defRPr>
             </a:lvl1pPr>
-            <a:lvl2pPr indent="-317500" lvl="1" marL="914400" rtl="0">
+            <a:lvl2pPr marL="914400" lvl="1" indent="-317500" rtl="0">
               <a:lnSpc>
                 <a:spcPct val="115000"/>
               </a:lnSpc>
@@ -6995,7 +7084,7 @@
                 <a:sym typeface="Roboto"/>
               </a:defRPr>
             </a:lvl2pPr>
-            <a:lvl3pPr indent="-317500" lvl="2" marL="1371600" rtl="0">
+            <a:lvl3pPr marL="1371600" lvl="2" indent="-317500" rtl="0">
               <a:lnSpc>
                 <a:spcPct val="115000"/>
               </a:lnSpc>
@@ -7021,7 +7110,7 @@
                 <a:sym typeface="Roboto"/>
               </a:defRPr>
             </a:lvl3pPr>
-            <a:lvl4pPr indent="-317500" lvl="3" marL="1828800" rtl="0">
+            <a:lvl4pPr marL="1828800" lvl="3" indent="-317500" rtl="0">
               <a:lnSpc>
                 <a:spcPct val="115000"/>
               </a:lnSpc>
@@ -7047,7 +7136,7 @@
                 <a:sym typeface="Roboto"/>
               </a:defRPr>
             </a:lvl4pPr>
-            <a:lvl5pPr indent="-317500" lvl="4" marL="2286000" rtl="0">
+            <a:lvl5pPr marL="2286000" lvl="4" indent="-317500" rtl="0">
               <a:lnSpc>
                 <a:spcPct val="115000"/>
               </a:lnSpc>
@@ -7073,7 +7162,7 @@
                 <a:sym typeface="Roboto"/>
               </a:defRPr>
             </a:lvl5pPr>
-            <a:lvl6pPr indent="-317500" lvl="5" marL="2743200" rtl="0">
+            <a:lvl6pPr marL="2743200" lvl="5" indent="-317500" rtl="0">
               <a:lnSpc>
                 <a:spcPct val="115000"/>
               </a:lnSpc>
@@ -7099,7 +7188,7 @@
                 <a:sym typeface="Roboto"/>
               </a:defRPr>
             </a:lvl6pPr>
-            <a:lvl7pPr indent="-317500" lvl="6" marL="3200400" rtl="0">
+            <a:lvl7pPr marL="3200400" lvl="6" indent="-317500" rtl="0">
               <a:lnSpc>
                 <a:spcPct val="115000"/>
               </a:lnSpc>
@@ -7125,7 +7214,7 @@
                 <a:sym typeface="Roboto"/>
               </a:defRPr>
             </a:lvl7pPr>
-            <a:lvl8pPr indent="-317500" lvl="7" marL="3657600" rtl="0">
+            <a:lvl8pPr marL="3657600" lvl="7" indent="-317500" rtl="0">
               <a:lnSpc>
                 <a:spcPct val="115000"/>
               </a:lnSpc>
@@ -7151,7 +7240,7 @@
                 <a:sym typeface="Roboto"/>
               </a:defRPr>
             </a:lvl8pPr>
-            <a:lvl9pPr indent="-317500" lvl="8" marL="4114800" rtl="0">
+            <a:lvl9pPr marL="4114800" lvl="8" indent="-317500" rtl="0">
               <a:lnSpc>
                 <a:spcPct val="115000"/>
               </a:lnSpc>
@@ -7178,15 +7267,19 @@
               </a:defRPr>
             </a:lvl9pPr>
           </a:lstStyle>
-          <a:p/>
+          <a:p>
+            <a:endParaRPr/>
+          </a:p>
         </p:txBody>
       </p:sp>
       <p:sp>
         <p:nvSpPr>
           <p:cNvPr id="8" name="Shape 8"/>
-          <p:cNvSpPr txBox="1"/>
+          <p:cNvSpPr txBox="1">
+            <a:spLocks noGrp="1"/>
+          </p:cNvSpPr>
           <p:nvPr>
-            <p:ph idx="12" type="sldNum"/>
+            <p:ph type="sldNum" idx="12"/>
           </p:nvPr>
         </p:nvSpPr>
         <p:spPr>
@@ -7203,11 +7296,11 @@
           </a:ln>
         </p:spPr>
         <p:txBody>
-          <a:bodyPr anchorCtr="0" anchor="ctr" bIns="91425" lIns="91425" spcFirstLastPara="1" rIns="91425" wrap="square" tIns="91425">
+          <a:bodyPr spcFirstLastPara="1" wrap="square" lIns="91425" tIns="91425" rIns="91425" bIns="91425" anchor="ctr" anchorCtr="0">
             <a:noAutofit/>
           </a:bodyPr>
           <a:lstStyle>
-            <a:lvl1pPr lvl="0" rtl="0" algn="r">
+            <a:lvl1pPr lvl="0" algn="r" rtl="0">
               <a:buNone/>
               <a:defRPr sz="1000">
                 <a:solidFill>
@@ -7219,7 +7312,7 @@
                 <a:sym typeface="Roboto"/>
               </a:defRPr>
             </a:lvl1pPr>
-            <a:lvl2pPr lvl="1" rtl="0" algn="r">
+            <a:lvl2pPr lvl="1" algn="r" rtl="0">
               <a:buNone/>
               <a:defRPr sz="1000">
                 <a:solidFill>
@@ -7231,7 +7324,7 @@
                 <a:sym typeface="Roboto"/>
               </a:defRPr>
             </a:lvl2pPr>
-            <a:lvl3pPr lvl="2" rtl="0" algn="r">
+            <a:lvl3pPr lvl="2" algn="r" rtl="0">
               <a:buNone/>
               <a:defRPr sz="1000">
                 <a:solidFill>
@@ -7243,7 +7336,7 @@
                 <a:sym typeface="Roboto"/>
               </a:defRPr>
             </a:lvl3pPr>
-            <a:lvl4pPr lvl="3" rtl="0" algn="r">
+            <a:lvl4pPr lvl="3" algn="r" rtl="0">
               <a:buNone/>
               <a:defRPr sz="1000">
                 <a:solidFill>
@@ -7255,7 +7348,7 @@
                 <a:sym typeface="Roboto"/>
               </a:defRPr>
             </a:lvl4pPr>
-            <a:lvl5pPr lvl="4" rtl="0" algn="r">
+            <a:lvl5pPr lvl="4" algn="r" rtl="0">
               <a:buNone/>
               <a:defRPr sz="1000">
                 <a:solidFill>
@@ -7267,7 +7360,7 @@
                 <a:sym typeface="Roboto"/>
               </a:defRPr>
             </a:lvl5pPr>
-            <a:lvl6pPr lvl="5" rtl="0" algn="r">
+            <a:lvl6pPr lvl="5" algn="r" rtl="0">
               <a:buNone/>
               <a:defRPr sz="1000">
                 <a:solidFill>
@@ -7279,7 +7372,7 @@
                 <a:sym typeface="Roboto"/>
               </a:defRPr>
             </a:lvl6pPr>
-            <a:lvl7pPr lvl="6" rtl="0" algn="r">
+            <a:lvl7pPr lvl="6" algn="r" rtl="0">
               <a:buNone/>
               <a:defRPr sz="1000">
                 <a:solidFill>
@@ -7291,7 +7384,7 @@
                 <a:sym typeface="Roboto"/>
               </a:defRPr>
             </a:lvl7pPr>
-            <a:lvl8pPr lvl="7" rtl="0" algn="r">
+            <a:lvl8pPr lvl="7" algn="r" rtl="0">
               <a:buNone/>
               <a:defRPr sz="1000">
                 <a:solidFill>
@@ -7303,7 +7396,7 @@
                 <a:sym typeface="Roboto"/>
               </a:defRPr>
             </a:lvl8pPr>
-            <a:lvl9pPr lvl="8" rtl="0" algn="r">
+            <a:lvl9pPr lvl="8" algn="r" rtl="0">
               <a:buNone/>
               <a:defRPr sz="1000">
                 <a:solidFill>
@@ -7317,7 +7410,7 @@
             </a:lvl9pPr>
           </a:lstStyle>
           <a:p>
-            <a:pPr indent="0" lvl="0" marL="0">
+            <a:pPr marL="0" lvl="0" indent="0">
               <a:spcBef>
                 <a:spcPts val="0"/>
               </a:spcBef>
@@ -7328,7 +7421,7 @@
             </a:pPr>
             <a:fld id="{00000000-1234-1234-1234-123412341234}" type="slidenum">
               <a:rPr lang="fr"/>
-              <a:t>‹#›</a:t>
+              <a:t>‹N°›</a:t>
             </a:fld>
             <a:endParaRPr/>
           </a:p>
@@ -7336,7 +7429,7 @@
       </p:sp>
     </p:spTree>
   </p:cSld>
-  <p:clrMap accent1="accent1" accent2="accent2" accent3="accent3" accent4="accent4" accent5="accent5" accent6="accent6" bg1="lt1" bg2="dk2" tx1="dk1" tx2="lt2" folHlink="folHlink" hlink="hlink"/>
+  <p:clrMap bg1="lt1" tx1="dk1" bg2="dk2" tx2="lt2" accent1="accent1" accent2="accent2" accent3="accent3" accent4="accent4" accent5="accent5" accent6="accent6" hlink="hlink" folHlink="folHlink"/>
   <p:sldLayoutIdLst>
     <p:sldLayoutId id="2147483648" r:id="rId1"/>
     <p:sldLayoutId id="2147483649" r:id="rId2"/>
@@ -7350,10 +7443,10 @@
     <p:sldLayoutId id="2147483657" r:id="rId10"/>
     <p:sldLayoutId id="2147483658" r:id="rId11"/>
   </p:sldLayoutIdLst>
-  <p:hf dt="0" ftr="0" hdr="0" sldNum="0"/>
+  <p:hf sldNum="0" hdr="0" ftr="0" dt="0"/>
   <p:txStyles>
     <p:titleStyle>
-      <a:defPPr lvl="0" marR="0" rtl="0" algn="l">
+      <a:defPPr marR="0" lvl="0" algn="l" rtl="0">
         <a:lnSpc>
           <a:spcPct val="100000"/>
         </a:lnSpc>
@@ -7364,7 +7457,7 @@
           <a:spcPts val="0"/>
         </a:spcAft>
       </a:defPPr>
-      <a:lvl1pPr lvl="0" marR="0" rtl="0" algn="l">
+      <a:lvl1pPr marR="0" lvl="0" algn="l" rtl="0">
         <a:lnSpc>
           <a:spcPct val="100000"/>
         </a:lnSpc>
@@ -7378,7 +7471,7 @@
           <a:srgbClr val="000000"/>
         </a:buClr>
         <a:buFont typeface="Arial"/>
-        <a:defRPr b="0" i="0" sz="1400" u="none" cap="none" strike="noStrike">
+        <a:defRPr sz="1400" b="0" i="0" u="none" strike="noStrike" cap="none">
           <a:solidFill>
             <a:srgbClr val="000000"/>
           </a:solidFill>
@@ -7388,7 +7481,7 @@
           <a:sym typeface="Arial"/>
         </a:defRPr>
       </a:lvl1pPr>
-      <a:lvl2pPr lvl="1" marR="0" rtl="0" algn="l">
+      <a:lvl2pPr marR="0" lvl="1" algn="l" rtl="0">
         <a:lnSpc>
           <a:spcPct val="100000"/>
         </a:lnSpc>
@@ -7402,7 +7495,7 @@
           <a:srgbClr val="000000"/>
         </a:buClr>
         <a:buFont typeface="Arial"/>
-        <a:defRPr b="0" i="0" sz="1400" u="none" cap="none" strike="noStrike">
+        <a:defRPr sz="1400" b="0" i="0" u="none" strike="noStrike" cap="none">
           <a:solidFill>
             <a:srgbClr val="000000"/>
           </a:solidFill>
@@ -7412,7 +7505,7 @@
           <a:sym typeface="Arial"/>
         </a:defRPr>
       </a:lvl2pPr>
-      <a:lvl3pPr lvl="2" marR="0" rtl="0" algn="l">
+      <a:lvl3pPr marR="0" lvl="2" algn="l" rtl="0">
         <a:lnSpc>
           <a:spcPct val="100000"/>
         </a:lnSpc>
@@ -7426,7 +7519,7 @@
           <a:srgbClr val="000000"/>
         </a:buClr>
         <a:buFont typeface="Arial"/>
-        <a:defRPr b="0" i="0" sz="1400" u="none" cap="none" strike="noStrike">
+        <a:defRPr sz="1400" b="0" i="0" u="none" strike="noStrike" cap="none">
           <a:solidFill>
             <a:srgbClr val="000000"/>
           </a:solidFill>
@@ -7436,7 +7529,7 @@
           <a:sym typeface="Arial"/>
         </a:defRPr>
       </a:lvl3pPr>
-      <a:lvl4pPr lvl="3" marR="0" rtl="0" algn="l">
+      <a:lvl4pPr marR="0" lvl="3" algn="l" rtl="0">
         <a:lnSpc>
           <a:spcPct val="100000"/>
         </a:lnSpc>
@@ -7450,7 +7543,7 @@
           <a:srgbClr val="000000"/>
         </a:buClr>
         <a:buFont typeface="Arial"/>
-        <a:defRPr b="0" i="0" sz="1400" u="none" cap="none" strike="noStrike">
+        <a:defRPr sz="1400" b="0" i="0" u="none" strike="noStrike" cap="none">
           <a:solidFill>
             <a:srgbClr val="000000"/>
           </a:solidFill>
@@ -7460,7 +7553,7 @@
           <a:sym typeface="Arial"/>
         </a:defRPr>
       </a:lvl4pPr>
-      <a:lvl5pPr lvl="4" marR="0" rtl="0" algn="l">
+      <a:lvl5pPr marR="0" lvl="4" algn="l" rtl="0">
         <a:lnSpc>
           <a:spcPct val="100000"/>
         </a:lnSpc>
@@ -7474,7 +7567,7 @@
           <a:srgbClr val="000000"/>
         </a:buClr>
         <a:buFont typeface="Arial"/>
-        <a:defRPr b="0" i="0" sz="1400" u="none" cap="none" strike="noStrike">
+        <a:defRPr sz="1400" b="0" i="0" u="none" strike="noStrike" cap="none">
           <a:solidFill>
             <a:srgbClr val="000000"/>
           </a:solidFill>
@@ -7484,7 +7577,7 @@
           <a:sym typeface="Arial"/>
         </a:defRPr>
       </a:lvl5pPr>
-      <a:lvl6pPr lvl="5" marR="0" rtl="0" algn="l">
+      <a:lvl6pPr marR="0" lvl="5" algn="l" rtl="0">
         <a:lnSpc>
           <a:spcPct val="100000"/>
         </a:lnSpc>
@@ -7498,7 +7591,7 @@
           <a:srgbClr val="000000"/>
         </a:buClr>
         <a:buFont typeface="Arial"/>
-        <a:defRPr b="0" i="0" sz="1400" u="none" cap="none" strike="noStrike">
+        <a:defRPr sz="1400" b="0" i="0" u="none" strike="noStrike" cap="none">
           <a:solidFill>
             <a:srgbClr val="000000"/>
           </a:solidFill>
@@ -7508,7 +7601,7 @@
           <a:sym typeface="Arial"/>
         </a:defRPr>
       </a:lvl6pPr>
-      <a:lvl7pPr lvl="6" marR="0" rtl="0" algn="l">
+      <a:lvl7pPr marR="0" lvl="6" algn="l" rtl="0">
         <a:lnSpc>
           <a:spcPct val="100000"/>
         </a:lnSpc>
@@ -7522,7 +7615,7 @@
           <a:srgbClr val="000000"/>
         </a:buClr>
         <a:buFont typeface="Arial"/>
-        <a:defRPr b="0" i="0" sz="1400" u="none" cap="none" strike="noStrike">
+        <a:defRPr sz="1400" b="0" i="0" u="none" strike="noStrike" cap="none">
           <a:solidFill>
             <a:srgbClr val="000000"/>
           </a:solidFill>
@@ -7532,7 +7625,7 @@
           <a:sym typeface="Arial"/>
         </a:defRPr>
       </a:lvl7pPr>
-      <a:lvl8pPr lvl="7" marR="0" rtl="0" algn="l">
+      <a:lvl8pPr marR="0" lvl="7" algn="l" rtl="0">
         <a:lnSpc>
           <a:spcPct val="100000"/>
         </a:lnSpc>
@@ -7546,7 +7639,7 @@
           <a:srgbClr val="000000"/>
         </a:buClr>
         <a:buFont typeface="Arial"/>
-        <a:defRPr b="0" i="0" sz="1400" u="none" cap="none" strike="noStrike">
+        <a:defRPr sz="1400" b="0" i="0" u="none" strike="noStrike" cap="none">
           <a:solidFill>
             <a:srgbClr val="000000"/>
           </a:solidFill>
@@ -7556,7 +7649,7 @@
           <a:sym typeface="Arial"/>
         </a:defRPr>
       </a:lvl8pPr>
-      <a:lvl9pPr lvl="8" marR="0" rtl="0" algn="l">
+      <a:lvl9pPr marR="0" lvl="8" algn="l" rtl="0">
         <a:lnSpc>
           <a:spcPct val="100000"/>
         </a:lnSpc>
@@ -7570,7 +7663,7 @@
           <a:srgbClr val="000000"/>
         </a:buClr>
         <a:buFont typeface="Arial"/>
-        <a:defRPr b="0" i="0" sz="1400" u="none" cap="none" strike="noStrike">
+        <a:defRPr sz="1400" b="0" i="0" u="none" strike="noStrike" cap="none">
           <a:solidFill>
             <a:srgbClr val="000000"/>
           </a:solidFill>
@@ -7582,7 +7675,7 @@
       </a:lvl9pPr>
     </p:titleStyle>
     <p:bodyStyle>
-      <a:defPPr lvl="0" marR="0" rtl="0" algn="l">
+      <a:defPPr marR="0" lvl="0" algn="l" rtl="0">
         <a:lnSpc>
           <a:spcPct val="100000"/>
         </a:lnSpc>
@@ -7593,7 +7686,7 @@
           <a:spcPts val="0"/>
         </a:spcAft>
       </a:defPPr>
-      <a:lvl1pPr lvl="0" marR="0" rtl="0" algn="l">
+      <a:lvl1pPr marR="0" lvl="0" algn="l" rtl="0">
         <a:lnSpc>
           <a:spcPct val="100000"/>
         </a:lnSpc>
@@ -7607,7 +7700,7 @@
           <a:srgbClr val="000000"/>
         </a:buClr>
         <a:buFont typeface="Arial"/>
-        <a:defRPr b="0" i="0" sz="1400" u="none" cap="none" strike="noStrike">
+        <a:defRPr sz="1400" b="0" i="0" u="none" strike="noStrike" cap="none">
           <a:solidFill>
             <a:srgbClr val="000000"/>
           </a:solidFill>
@@ -7617,7 +7710,7 @@
           <a:sym typeface="Arial"/>
         </a:defRPr>
       </a:lvl1pPr>
-      <a:lvl2pPr lvl="1" marR="0" rtl="0" algn="l">
+      <a:lvl2pPr marR="0" lvl="1" algn="l" rtl="0">
         <a:lnSpc>
           <a:spcPct val="100000"/>
         </a:lnSpc>
@@ -7631,7 +7724,7 @@
           <a:srgbClr val="000000"/>
         </a:buClr>
         <a:buFont typeface="Arial"/>
-        <a:defRPr b="0" i="0" sz="1400" u="none" cap="none" strike="noStrike">
+        <a:defRPr sz="1400" b="0" i="0" u="none" strike="noStrike" cap="none">
           <a:solidFill>
             <a:srgbClr val="000000"/>
           </a:solidFill>
@@ -7641,7 +7734,7 @@
           <a:sym typeface="Arial"/>
         </a:defRPr>
       </a:lvl2pPr>
-      <a:lvl3pPr lvl="2" marR="0" rtl="0" algn="l">
+      <a:lvl3pPr marR="0" lvl="2" algn="l" rtl="0">
         <a:lnSpc>
           <a:spcPct val="100000"/>
         </a:lnSpc>
@@ -7655,7 +7748,7 @@
           <a:srgbClr val="000000"/>
         </a:buClr>
         <a:buFont typeface="Arial"/>
-        <a:defRPr b="0" i="0" sz="1400" u="none" cap="none" strike="noStrike">
+        <a:defRPr sz="1400" b="0" i="0" u="none" strike="noStrike" cap="none">
           <a:solidFill>
             <a:srgbClr val="000000"/>
           </a:solidFill>
@@ -7665,7 +7758,7 @@
           <a:sym typeface="Arial"/>
         </a:defRPr>
       </a:lvl3pPr>
-      <a:lvl4pPr lvl="3" marR="0" rtl="0" algn="l">
+      <a:lvl4pPr marR="0" lvl="3" algn="l" rtl="0">
         <a:lnSpc>
           <a:spcPct val="100000"/>
         </a:lnSpc>
@@ -7679,7 +7772,7 @@
           <a:srgbClr val="000000"/>
         </a:buClr>
         <a:buFont typeface="Arial"/>
-        <a:defRPr b="0" i="0" sz="1400" u="none" cap="none" strike="noStrike">
+        <a:defRPr sz="1400" b="0" i="0" u="none" strike="noStrike" cap="none">
           <a:solidFill>
             <a:srgbClr val="000000"/>
           </a:solidFill>
@@ -7689,7 +7782,7 @@
           <a:sym typeface="Arial"/>
         </a:defRPr>
       </a:lvl4pPr>
-      <a:lvl5pPr lvl="4" marR="0" rtl="0" algn="l">
+      <a:lvl5pPr marR="0" lvl="4" algn="l" rtl="0">
         <a:lnSpc>
           <a:spcPct val="100000"/>
         </a:lnSpc>
@@ -7703,7 +7796,7 @@
           <a:srgbClr val="000000"/>
         </a:buClr>
         <a:buFont typeface="Arial"/>
-        <a:defRPr b="0" i="0" sz="1400" u="none" cap="none" strike="noStrike">
+        <a:defRPr sz="1400" b="0" i="0" u="none" strike="noStrike" cap="none">
           <a:solidFill>
             <a:srgbClr val="000000"/>
           </a:solidFill>
@@ -7713,7 +7806,7 @@
           <a:sym typeface="Arial"/>
         </a:defRPr>
       </a:lvl5pPr>
-      <a:lvl6pPr lvl="5" marR="0" rtl="0" algn="l">
+      <a:lvl6pPr marR="0" lvl="5" algn="l" rtl="0">
         <a:lnSpc>
           <a:spcPct val="100000"/>
         </a:lnSpc>
@@ -7727,7 +7820,7 @@
           <a:srgbClr val="000000"/>
         </a:buClr>
         <a:buFont typeface="Arial"/>
-        <a:defRPr b="0" i="0" sz="1400" u="none" cap="none" strike="noStrike">
+        <a:defRPr sz="1400" b="0" i="0" u="none" strike="noStrike" cap="none">
           <a:solidFill>
             <a:srgbClr val="000000"/>
           </a:solidFill>
@@ -7737,7 +7830,7 @@
           <a:sym typeface="Arial"/>
         </a:defRPr>
       </a:lvl6pPr>
-      <a:lvl7pPr lvl="6" marR="0" rtl="0" algn="l">
+      <a:lvl7pPr marR="0" lvl="6" algn="l" rtl="0">
         <a:lnSpc>
           <a:spcPct val="100000"/>
         </a:lnSpc>
@@ -7751,7 +7844,7 @@
           <a:srgbClr val="000000"/>
         </a:buClr>
         <a:buFont typeface="Arial"/>
-        <a:defRPr b="0" i="0" sz="1400" u="none" cap="none" strike="noStrike">
+        <a:defRPr sz="1400" b="0" i="0" u="none" strike="noStrike" cap="none">
           <a:solidFill>
             <a:srgbClr val="000000"/>
           </a:solidFill>
@@ -7761,7 +7854,7 @@
           <a:sym typeface="Arial"/>
         </a:defRPr>
       </a:lvl7pPr>
-      <a:lvl8pPr lvl="7" marR="0" rtl="0" algn="l">
+      <a:lvl8pPr marR="0" lvl="7" algn="l" rtl="0">
         <a:lnSpc>
           <a:spcPct val="100000"/>
         </a:lnSpc>
@@ -7775,7 +7868,7 @@
           <a:srgbClr val="000000"/>
         </a:buClr>
         <a:buFont typeface="Arial"/>
-        <a:defRPr b="0" i="0" sz="1400" u="none" cap="none" strike="noStrike">
+        <a:defRPr sz="1400" b="0" i="0" u="none" strike="noStrike" cap="none">
           <a:solidFill>
             <a:srgbClr val="000000"/>
           </a:solidFill>
@@ -7785,7 +7878,7 @@
           <a:sym typeface="Arial"/>
         </a:defRPr>
       </a:lvl8pPr>
-      <a:lvl9pPr lvl="8" marR="0" rtl="0" algn="l">
+      <a:lvl9pPr marR="0" lvl="8" algn="l" rtl="0">
         <a:lnSpc>
           <a:spcPct val="100000"/>
         </a:lnSpc>
@@ -7799,7 +7892,7 @@
           <a:srgbClr val="000000"/>
         </a:buClr>
         <a:buFont typeface="Arial"/>
-        <a:defRPr b="0" i="0" sz="1400" u="none" cap="none" strike="noStrike">
+        <a:defRPr sz="1400" b="0" i="0" u="none" strike="noStrike" cap="none">
           <a:solidFill>
             <a:srgbClr val="000000"/>
           </a:solidFill>
@@ -7811,7 +7904,7 @@
       </a:lvl9pPr>
     </p:bodyStyle>
     <p:otherStyle>
-      <a:defPPr lvl="0" marR="0" rtl="0" algn="l">
+      <a:defPPr marR="0" lvl="0" algn="l" rtl="0">
         <a:lnSpc>
           <a:spcPct val="100000"/>
         </a:lnSpc>
@@ -7822,7 +7915,7 @@
           <a:spcPts val="0"/>
         </a:spcAft>
       </a:defPPr>
-      <a:lvl1pPr lvl="0" marR="0" rtl="0" algn="l">
+      <a:lvl1pPr marR="0" lvl="0" algn="l" rtl="0">
         <a:lnSpc>
           <a:spcPct val="100000"/>
         </a:lnSpc>
@@ -7836,7 +7929,7 @@
           <a:srgbClr val="000000"/>
         </a:buClr>
         <a:buFont typeface="Arial"/>
-        <a:defRPr b="0" i="0" sz="1400" u="none" cap="none" strike="noStrike">
+        <a:defRPr sz="1400" b="0" i="0" u="none" strike="noStrike" cap="none">
           <a:solidFill>
             <a:srgbClr val="000000"/>
           </a:solidFill>
@@ -7846,7 +7939,7 @@
           <a:sym typeface="Arial"/>
         </a:defRPr>
       </a:lvl1pPr>
-      <a:lvl2pPr lvl="1" marR="0" rtl="0" algn="l">
+      <a:lvl2pPr marR="0" lvl="1" algn="l" rtl="0">
         <a:lnSpc>
           <a:spcPct val="100000"/>
         </a:lnSpc>
@@ -7860,7 +7953,7 @@
           <a:srgbClr val="000000"/>
         </a:buClr>
         <a:buFont typeface="Arial"/>
-        <a:defRPr b="0" i="0" sz="1400" u="none" cap="none" strike="noStrike">
+        <a:defRPr sz="1400" b="0" i="0" u="none" strike="noStrike" cap="none">
           <a:solidFill>
             <a:srgbClr val="000000"/>
           </a:solidFill>
@@ -7870,7 +7963,7 @@
           <a:sym typeface="Arial"/>
         </a:defRPr>
       </a:lvl2pPr>
-      <a:lvl3pPr lvl="2" marR="0" rtl="0" algn="l">
+      <a:lvl3pPr marR="0" lvl="2" algn="l" rtl="0">
         <a:lnSpc>
           <a:spcPct val="100000"/>
         </a:lnSpc>
@@ -7884,7 +7977,7 @@
           <a:srgbClr val="000000"/>
         </a:buClr>
         <a:buFont typeface="Arial"/>
-        <a:defRPr b="0" i="0" sz="1400" u="none" cap="none" strike="noStrike">
+        <a:defRPr sz="1400" b="0" i="0" u="none" strike="noStrike" cap="none">
           <a:solidFill>
             <a:srgbClr val="000000"/>
           </a:solidFill>
@@ -7894,7 +7987,7 @@
           <a:sym typeface="Arial"/>
         </a:defRPr>
       </a:lvl3pPr>
-      <a:lvl4pPr lvl="3" marR="0" rtl="0" algn="l">
+      <a:lvl4pPr marR="0" lvl="3" algn="l" rtl="0">
         <a:lnSpc>
           <a:spcPct val="100000"/>
         </a:lnSpc>
@@ -7908,7 +8001,7 @@
           <a:srgbClr val="000000"/>
         </a:buClr>
         <a:buFont typeface="Arial"/>
-        <a:defRPr b="0" i="0" sz="1400" u="none" cap="none" strike="noStrike">
+        <a:defRPr sz="1400" b="0" i="0" u="none" strike="noStrike" cap="none">
           <a:solidFill>
             <a:srgbClr val="000000"/>
           </a:solidFill>
@@ -7918,7 +8011,7 @@
           <a:sym typeface="Arial"/>
         </a:defRPr>
       </a:lvl4pPr>
-      <a:lvl5pPr lvl="4" marR="0" rtl="0" algn="l">
+      <a:lvl5pPr marR="0" lvl="4" algn="l" rtl="0">
         <a:lnSpc>
           <a:spcPct val="100000"/>
         </a:lnSpc>
@@ -7932,7 +8025,7 @@
           <a:srgbClr val="000000"/>
         </a:buClr>
         <a:buFont typeface="Arial"/>
-        <a:defRPr b="0" i="0" sz="1400" u="none" cap="none" strike="noStrike">
+        <a:defRPr sz="1400" b="0" i="0" u="none" strike="noStrike" cap="none">
           <a:solidFill>
             <a:srgbClr val="000000"/>
           </a:solidFill>
@@ -7942,7 +8035,7 @@
           <a:sym typeface="Arial"/>
         </a:defRPr>
       </a:lvl5pPr>
-      <a:lvl6pPr lvl="5" marR="0" rtl="0" algn="l">
+      <a:lvl6pPr marR="0" lvl="5" algn="l" rtl="0">
         <a:lnSpc>
           <a:spcPct val="100000"/>
         </a:lnSpc>
@@ -7956,7 +8049,7 @@
           <a:srgbClr val="000000"/>
         </a:buClr>
         <a:buFont typeface="Arial"/>
-        <a:defRPr b="0" i="0" sz="1400" u="none" cap="none" strike="noStrike">
+        <a:defRPr sz="1400" b="0" i="0" u="none" strike="noStrike" cap="none">
           <a:solidFill>
             <a:srgbClr val="000000"/>
           </a:solidFill>
@@ -7966,7 +8059,7 @@
           <a:sym typeface="Arial"/>
         </a:defRPr>
       </a:lvl6pPr>
-      <a:lvl7pPr lvl="6" marR="0" rtl="0" algn="l">
+      <a:lvl7pPr marR="0" lvl="6" algn="l" rtl="0">
         <a:lnSpc>
           <a:spcPct val="100000"/>
         </a:lnSpc>
@@ -7980,7 +8073,7 @@
           <a:srgbClr val="000000"/>
         </a:buClr>
         <a:buFont typeface="Arial"/>
-        <a:defRPr b="0" i="0" sz="1400" u="none" cap="none" strike="noStrike">
+        <a:defRPr sz="1400" b="0" i="0" u="none" strike="noStrike" cap="none">
           <a:solidFill>
             <a:srgbClr val="000000"/>
           </a:solidFill>
@@ -7990,7 +8083,7 @@
           <a:sym typeface="Arial"/>
         </a:defRPr>
       </a:lvl7pPr>
-      <a:lvl8pPr lvl="7" marR="0" rtl="0" algn="l">
+      <a:lvl8pPr marR="0" lvl="7" algn="l" rtl="0">
         <a:lnSpc>
           <a:spcPct val="100000"/>
         </a:lnSpc>
@@ -8004,7 +8097,7 @@
           <a:srgbClr val="000000"/>
         </a:buClr>
         <a:buFont typeface="Arial"/>
-        <a:defRPr b="0" i="0" sz="1400" u="none" cap="none" strike="noStrike">
+        <a:defRPr sz="1400" b="0" i="0" u="none" strike="noStrike" cap="none">
           <a:solidFill>
             <a:srgbClr val="000000"/>
           </a:solidFill>
@@ -8014,7 +8107,7 @@
           <a:sym typeface="Arial"/>
         </a:defRPr>
       </a:lvl8pPr>
-      <a:lvl9pPr lvl="8" marR="0" rtl="0" algn="l">
+      <a:lvl9pPr marR="0" lvl="8" algn="l" rtl="0">
         <a:lnSpc>
           <a:spcPct val="100000"/>
         </a:lnSpc>
@@ -8028,7 +8121,7 @@
           <a:srgbClr val="000000"/>
         </a:buClr>
         <a:buFont typeface="Arial"/>
-        <a:defRPr b="0" i="0" sz="1400" u="none" cap="none" strike="noStrike">
+        <a:defRPr sz="1400" b="0" i="0" u="none" strike="noStrike" cap="none">
           <a:solidFill>
             <a:srgbClr val="000000"/>
           </a:solidFill>
@@ -8044,11 +8137,11 @@
 </file>
 
 <file path=ppt/slides/slide1.xml><?xml version="1.0" encoding="utf-8"?>
-<p:sld xmlns:a="http://schemas.openxmlformats.org/drawingml/2006/main" xmlns:r="http://schemas.openxmlformats.org/officeDocument/2006/relationships" xmlns:mc="http://schemas.openxmlformats.org/markup-compatibility/2006" xmlns:mv="urn:schemas-microsoft-com:mac:vml" xmlns:p="http://schemas.openxmlformats.org/presentationml/2006/main" xmlns:c="http://schemas.openxmlformats.org/drawingml/2006/chart" xmlns:dgm="http://schemas.openxmlformats.org/drawingml/2006/diagram" xmlns:o="urn:schemas-microsoft-com:office:office" xmlns:v="urn:schemas-microsoft-com:vml" xmlns:pvml="urn:schemas-microsoft-com:office:powerpoint" xmlns:com="http://schemas.openxmlformats.org/drawingml/2006/compatibility" xmlns:p14="http://schemas.microsoft.com/office/powerpoint/2010/main" xmlns:p15="http://schemas.microsoft.com/office/powerpoint/2012/main">
+<p:sld xmlns:a="http://schemas.openxmlformats.org/drawingml/2006/main" xmlns:r="http://schemas.openxmlformats.org/officeDocument/2006/relationships" xmlns:p="http://schemas.openxmlformats.org/presentationml/2006/main">
   <p:cSld>
     <p:spTree>
       <p:nvGrpSpPr>
-        <p:cNvPr id="84" name="Shape 84"/>
+        <p:cNvPr id="1" name="Shape 84"/>
         <p:cNvGrpSpPr/>
         <p:nvPr/>
       </p:nvGrpSpPr>
@@ -8063,7 +8156,9 @@
       <p:sp>
         <p:nvSpPr>
           <p:cNvPr id="85" name="Shape 85"/>
-          <p:cNvSpPr txBox="1"/>
+          <p:cNvSpPr txBox="1">
+            <a:spLocks noGrp="1"/>
+          </p:cNvSpPr>
           <p:nvPr>
             <p:ph type="ctrTitle"/>
           </p:nvPr>
@@ -8078,12 +8173,12 @@
           </a:prstGeom>
         </p:spPr>
         <p:txBody>
-          <a:bodyPr anchorCtr="0" anchor="b" bIns="91425" lIns="91425" spcFirstLastPara="1" rIns="91425" wrap="square" tIns="91425">
+          <a:bodyPr spcFirstLastPara="1" wrap="square" lIns="91425" tIns="91425" rIns="91425" bIns="91425" anchor="b" anchorCtr="0">
             <a:noAutofit/>
           </a:bodyPr>
           <a:lstStyle/>
           <a:p>
-            <a:pPr indent="0" lvl="0" marL="0">
+            <a:pPr marL="0" lvl="0" indent="0">
               <a:spcBef>
                 <a:spcPts val="0"/>
               </a:spcBef>
@@ -8103,9 +8198,11 @@
       <p:sp>
         <p:nvSpPr>
           <p:cNvPr id="86" name="Shape 86"/>
-          <p:cNvSpPr txBox="1"/>
+          <p:cNvSpPr txBox="1">
+            <a:spLocks noGrp="1"/>
+          </p:cNvSpPr>
           <p:nvPr>
-            <p:ph idx="1" type="subTitle"/>
+            <p:ph type="subTitle" idx="1"/>
           </p:nvPr>
         </p:nvSpPr>
         <p:spPr>
@@ -8118,12 +8215,12 @@
           </a:prstGeom>
         </p:spPr>
         <p:txBody>
-          <a:bodyPr anchorCtr="0" anchor="t" bIns="91425" lIns="91425" spcFirstLastPara="1" rIns="91425" wrap="square" tIns="91425">
+          <a:bodyPr spcFirstLastPara="1" wrap="square" lIns="91425" tIns="91425" rIns="91425" bIns="91425" anchor="t" anchorCtr="0">
             <a:noAutofit/>
           </a:bodyPr>
           <a:lstStyle/>
           <a:p>
-            <a:pPr indent="0" lvl="0" marL="0">
+            <a:pPr marL="0" lvl="0" indent="0">
               <a:spcBef>
                 <a:spcPts val="0"/>
               </a:spcBef>
@@ -8143,9 +8240,11 @@
       <p:sp>
         <p:nvSpPr>
           <p:cNvPr id="87" name="Shape 87"/>
-          <p:cNvSpPr txBox="1"/>
+          <p:cNvSpPr txBox="1">
+            <a:spLocks noGrp="1"/>
+          </p:cNvSpPr>
           <p:nvPr>
-            <p:ph idx="1" type="subTitle"/>
+            <p:ph type="subTitle" idx="1"/>
           </p:nvPr>
         </p:nvSpPr>
         <p:spPr>
@@ -8158,12 +8257,12 @@
           </a:prstGeom>
         </p:spPr>
         <p:txBody>
-          <a:bodyPr anchorCtr="0" anchor="t" bIns="91425" lIns="91425" spcFirstLastPara="1" rIns="91425" wrap="square" tIns="91425">
+          <a:bodyPr spcFirstLastPara="1" wrap="square" lIns="91425" tIns="91425" rIns="91425" bIns="91425" anchor="t" anchorCtr="0">
             <a:noAutofit/>
           </a:bodyPr>
           <a:lstStyle/>
           <a:p>
-            <a:pPr indent="0" lvl="0" marL="0" rtl="0" algn="just">
+            <a:pPr marL="0" lvl="0" indent="0" algn="just" rtl="0">
               <a:spcBef>
                 <a:spcPts val="0"/>
               </a:spcBef>
@@ -8190,7 +8289,7 @@
           <a:blip r:embed="rId3">
             <a:alphaModFix/>
           </a:blip>
-          <a:srcRect b="0" l="35354" r="0" t="0"/>
+          <a:srcRect l="35354"/>
           <a:stretch/>
         </p:blipFill>
         <p:spPr>
@@ -8210,9 +8309,11 @@
       <p:sp>
         <p:nvSpPr>
           <p:cNvPr id="89" name="Shape 89"/>
-          <p:cNvSpPr txBox="1"/>
+          <p:cNvSpPr txBox="1">
+            <a:spLocks noGrp="1"/>
+          </p:cNvSpPr>
           <p:nvPr>
-            <p:ph idx="4294967295" type="body"/>
+            <p:ph type="body" idx="4294967295"/>
           </p:nvPr>
         </p:nvSpPr>
         <p:spPr>
@@ -8225,12 +8326,12 @@
           </a:prstGeom>
         </p:spPr>
         <p:txBody>
-          <a:bodyPr anchorCtr="0" anchor="t" bIns="91425" lIns="91425" spcFirstLastPara="1" rIns="91425" wrap="square" tIns="91425">
+          <a:bodyPr spcFirstLastPara="1" wrap="square" lIns="91425" tIns="91425" rIns="91425" bIns="91425" anchor="t" anchorCtr="0">
             <a:noAutofit/>
           </a:bodyPr>
           <a:lstStyle/>
           <a:p>
-            <a:pPr indent="0" lvl="0" marL="0" marR="0" rtl="0" algn="l">
+            <a:pPr marL="0" marR="0" lvl="0" indent="0" algn="l" rtl="0">
               <a:lnSpc>
                 <a:spcPct val="100000"/>
               </a:lnSpc>
@@ -8283,11 +8384,11 @@
 </file>
 
 <file path=ppt/slides/slide2.xml><?xml version="1.0" encoding="utf-8"?>
-<p:sld xmlns:a="http://schemas.openxmlformats.org/drawingml/2006/main" xmlns:r="http://schemas.openxmlformats.org/officeDocument/2006/relationships" xmlns:mc="http://schemas.openxmlformats.org/markup-compatibility/2006" xmlns:mv="urn:schemas-microsoft-com:mac:vml" xmlns:p="http://schemas.openxmlformats.org/presentationml/2006/main" xmlns:c="http://schemas.openxmlformats.org/drawingml/2006/chart" xmlns:dgm="http://schemas.openxmlformats.org/drawingml/2006/diagram" xmlns:o="urn:schemas-microsoft-com:office:office" xmlns:v="urn:schemas-microsoft-com:vml" xmlns:pvml="urn:schemas-microsoft-com:office:powerpoint" xmlns:com="http://schemas.openxmlformats.org/drawingml/2006/compatibility" xmlns:p14="http://schemas.microsoft.com/office/powerpoint/2010/main" xmlns:p15="http://schemas.microsoft.com/office/powerpoint/2012/main">
+<p:sld xmlns:a="http://schemas.openxmlformats.org/drawingml/2006/main" xmlns:r="http://schemas.openxmlformats.org/officeDocument/2006/relationships" xmlns:p="http://schemas.openxmlformats.org/presentationml/2006/main">
   <p:cSld>
     <p:spTree>
       <p:nvGrpSpPr>
-        <p:cNvPr id="93" name="Shape 93"/>
+        <p:cNvPr id="1" name="Shape 93"/>
         <p:cNvGrpSpPr/>
         <p:nvPr/>
       </p:nvGrpSpPr>
@@ -8302,7 +8403,9 @@
       <p:sp>
         <p:nvSpPr>
           <p:cNvPr id="94" name="Shape 94"/>
-          <p:cNvSpPr txBox="1"/>
+          <p:cNvSpPr txBox="1">
+            <a:spLocks noGrp="1"/>
+          </p:cNvSpPr>
           <p:nvPr>
             <p:ph type="title"/>
           </p:nvPr>
@@ -8317,12 +8420,12 @@
           </a:prstGeom>
         </p:spPr>
         <p:txBody>
-          <a:bodyPr anchorCtr="0" anchor="t" bIns="91425" lIns="91425" spcFirstLastPara="1" rIns="91425" wrap="square" tIns="91425">
+          <a:bodyPr spcFirstLastPara="1" wrap="square" lIns="91425" tIns="91425" rIns="91425" bIns="91425" anchor="t" anchorCtr="0">
             <a:noAutofit/>
           </a:bodyPr>
           <a:lstStyle/>
           <a:p>
-            <a:pPr indent="0" lvl="0" marL="0" rtl="0" algn="ctr">
+            <a:pPr marL="0" lvl="0" indent="0" algn="ctr" rtl="0">
               <a:spcBef>
                 <a:spcPts val="0"/>
               </a:spcBef>
@@ -8342,9 +8445,11 @@
       <p:sp>
         <p:nvSpPr>
           <p:cNvPr id="95" name="Shape 95"/>
-          <p:cNvSpPr txBox="1"/>
+          <p:cNvSpPr txBox="1">
+            <a:spLocks noGrp="1"/>
+          </p:cNvSpPr>
           <p:nvPr>
-            <p:ph idx="1" type="body"/>
+            <p:ph type="body" idx="1"/>
           </p:nvPr>
         </p:nvSpPr>
         <p:spPr>
@@ -8357,12 +8462,12 @@
           </a:prstGeom>
         </p:spPr>
         <p:txBody>
-          <a:bodyPr anchorCtr="0" anchor="t" bIns="91425" lIns="91425" spcFirstLastPara="1" rIns="91425" wrap="square" tIns="91425">
+          <a:bodyPr spcFirstLastPara="1" wrap="square" lIns="91425" tIns="91425" rIns="91425" bIns="91425" anchor="t" anchorCtr="0">
             <a:noAutofit/>
           </a:bodyPr>
           <a:lstStyle/>
           <a:p>
-            <a:pPr indent="0" lvl="0" marL="0" rtl="0">
+            <a:pPr marL="0" lvl="0" indent="0" rtl="0">
               <a:spcBef>
                 <a:spcPts val="0"/>
               </a:spcBef>
@@ -8372,13 +8477,13 @@
               <a:buNone/>
             </a:pPr>
             <a:r>
-              <a:rPr b="1" lang="fr"/>
+              <a:rPr lang="fr" b="1"/>
               <a:t>Cas d’utilisation: Vente de voiture entre particuliers</a:t>
             </a:r>
             <a:endParaRPr b="1"/>
           </a:p>
           <a:p>
-            <a:pPr indent="-317500" lvl="0" marL="457200" rtl="0">
+            <a:pPr marL="457200" lvl="0" indent="-317500" rtl="0">
               <a:spcBef>
                 <a:spcPts val="1600"/>
               </a:spcBef>
@@ -8395,7 +8500,7 @@
             <a:endParaRPr sz="1400"/>
           </a:p>
           <a:p>
-            <a:pPr indent="-317500" lvl="0" marL="457200" rtl="0">
+            <a:pPr marL="457200" lvl="0" indent="-317500" rtl="0">
               <a:spcBef>
                 <a:spcPts val="0"/>
               </a:spcBef>
@@ -8412,7 +8517,7 @@
             <a:endParaRPr sz="1400"/>
           </a:p>
           <a:p>
-            <a:pPr indent="-317500" lvl="0" marL="457200" marR="0" rtl="0" algn="l">
+            <a:pPr marL="457200" marR="0" lvl="0" indent="-317500" algn="l" rtl="0">
               <a:lnSpc>
                 <a:spcPct val="115000"/>
               </a:lnSpc>
@@ -8432,7 +8537,7 @@
             <a:endParaRPr sz="1400"/>
           </a:p>
           <a:p>
-            <a:pPr indent="-317500" lvl="0" marL="457200" marR="0" rtl="0" algn="l">
+            <a:pPr marL="457200" marR="0" lvl="0" indent="-317500" algn="l" rtl="0">
               <a:lnSpc>
                 <a:spcPct val="115000"/>
               </a:lnSpc>
@@ -8462,11 +8567,11 @@
 </file>
 
 <file path=ppt/slides/slide3.xml><?xml version="1.0" encoding="utf-8"?>
-<p:sld xmlns:a="http://schemas.openxmlformats.org/drawingml/2006/main" xmlns:r="http://schemas.openxmlformats.org/officeDocument/2006/relationships" xmlns:mc="http://schemas.openxmlformats.org/markup-compatibility/2006" xmlns:mv="urn:schemas-microsoft-com:mac:vml" xmlns:p="http://schemas.openxmlformats.org/presentationml/2006/main" xmlns:c="http://schemas.openxmlformats.org/drawingml/2006/chart" xmlns:dgm="http://schemas.openxmlformats.org/drawingml/2006/diagram" xmlns:o="urn:schemas-microsoft-com:office:office" xmlns:v="urn:schemas-microsoft-com:vml" xmlns:pvml="urn:schemas-microsoft-com:office:powerpoint" xmlns:com="http://schemas.openxmlformats.org/drawingml/2006/compatibility" xmlns:p14="http://schemas.microsoft.com/office/powerpoint/2010/main" xmlns:p15="http://schemas.microsoft.com/office/powerpoint/2012/main">
+<p:sld xmlns:a="http://schemas.openxmlformats.org/drawingml/2006/main" xmlns:r="http://schemas.openxmlformats.org/officeDocument/2006/relationships" xmlns:p="http://schemas.openxmlformats.org/presentationml/2006/main">
   <p:cSld>
     <p:spTree>
       <p:nvGrpSpPr>
-        <p:cNvPr id="99" name="Shape 99"/>
+        <p:cNvPr id="1" name="Shape 99"/>
         <p:cNvGrpSpPr/>
         <p:nvPr/>
       </p:nvGrpSpPr>
@@ -8481,7 +8586,9 @@
       <p:sp>
         <p:nvSpPr>
           <p:cNvPr id="100" name="Shape 100"/>
-          <p:cNvSpPr txBox="1"/>
+          <p:cNvSpPr txBox="1">
+            <a:spLocks noGrp="1"/>
+          </p:cNvSpPr>
           <p:nvPr>
             <p:ph type="title"/>
           </p:nvPr>
@@ -8496,12 +8603,12 @@
           </a:prstGeom>
         </p:spPr>
         <p:txBody>
-          <a:bodyPr anchorCtr="0" anchor="t" bIns="91425" lIns="91425" spcFirstLastPara="1" rIns="91425" wrap="square" tIns="91425">
+          <a:bodyPr spcFirstLastPara="1" wrap="square" lIns="91425" tIns="91425" rIns="91425" bIns="91425" anchor="t" anchorCtr="0">
             <a:noAutofit/>
           </a:bodyPr>
           <a:lstStyle/>
           <a:p>
-            <a:pPr indent="0" lvl="0" marL="0" algn="ctr">
+            <a:pPr marL="0" lvl="0" indent="0" algn="ctr">
               <a:spcBef>
                 <a:spcPts val="0"/>
               </a:spcBef>
@@ -8521,9 +8628,11 @@
       <p:sp>
         <p:nvSpPr>
           <p:cNvPr id="101" name="Shape 101"/>
-          <p:cNvSpPr txBox="1"/>
+          <p:cNvSpPr txBox="1">
+            <a:spLocks noGrp="1"/>
+          </p:cNvSpPr>
           <p:nvPr>
-            <p:ph idx="1" type="body"/>
+            <p:ph type="body" idx="1"/>
           </p:nvPr>
         </p:nvSpPr>
         <p:spPr>
@@ -8536,12 +8645,12 @@
           </a:prstGeom>
         </p:spPr>
         <p:txBody>
-          <a:bodyPr anchorCtr="0" anchor="t" bIns="91425" lIns="91425" spcFirstLastPara="1" rIns="91425" wrap="square" tIns="91425">
+          <a:bodyPr spcFirstLastPara="1" wrap="square" lIns="91425" tIns="91425" rIns="91425" bIns="91425" anchor="t" anchorCtr="0">
             <a:noAutofit/>
           </a:bodyPr>
           <a:lstStyle/>
           <a:p>
-            <a:pPr indent="0" lvl="0" marL="0" rtl="0">
+            <a:pPr marL="0" lvl="0" indent="0" rtl="0">
               <a:spcBef>
                 <a:spcPts val="0"/>
               </a:spcBef>
@@ -8551,13 +8660,13 @@
               <a:buNone/>
             </a:pPr>
             <a:r>
-              <a:rPr b="1" lang="fr"/>
+              <a:rPr lang="fr" b="1"/>
               <a:t>Fonctionnalitées</a:t>
             </a:r>
             <a:endParaRPr b="1"/>
           </a:p>
           <a:p>
-            <a:pPr indent="-317500" lvl="0" marL="457200" rtl="0">
+            <a:pPr marL="457200" lvl="0" indent="-317500" rtl="0">
               <a:lnSpc>
                 <a:spcPct val="115000"/>
               </a:lnSpc>
@@ -8571,7 +8680,7 @@
               <a:buChar char="-"/>
             </a:pPr>
             <a:r>
-              <a:rPr b="1" lang="fr" sz="1400"/>
+              <a:rPr lang="fr" sz="1400" b="1"/>
               <a:t>Sécurité</a:t>
             </a:r>
             <a:r>
@@ -8581,7 +8690,7 @@
             <a:endParaRPr sz="1400"/>
           </a:p>
           <a:p>
-            <a:pPr indent="-317500" lvl="0" marL="457200" rtl="0">
+            <a:pPr marL="457200" lvl="0" indent="-317500" rtl="0">
               <a:lnSpc>
                 <a:spcPct val="150000"/>
               </a:lnSpc>
@@ -8595,7 +8704,7 @@
               <a:buChar char="-"/>
             </a:pPr>
             <a:r>
-              <a:rPr b="1" lang="fr" sz="1400"/>
+              <a:rPr lang="fr" sz="1400" b="1"/>
               <a:t>Rapidité</a:t>
             </a:r>
             <a:r>
@@ -8605,7 +8714,7 @@
             <a:endParaRPr sz="1400"/>
           </a:p>
           <a:p>
-            <a:pPr indent="-317500" lvl="0" marL="457200" rtl="0">
+            <a:pPr marL="457200" lvl="0" indent="-317500" rtl="0">
               <a:spcBef>
                 <a:spcPts val="0"/>
               </a:spcBef>
@@ -8616,20 +8725,12 @@
               <a:buChar char="-"/>
             </a:pPr>
             <a:r>
-              <a:rPr b="1" lang="fr" sz="1400"/>
+              <a:rPr lang="fr" sz="1400" b="1"/>
               <a:t>Transparence</a:t>
             </a:r>
             <a:r>
               <a:rPr lang="fr" sz="1400"/>
-              <a:t>: Chaque transaction est publique sur la blockchain, cela permet de vérifier simplement </a:t>
-            </a:r>
-            <a:r>
-              <a:rPr lang="fr" sz="1400"/>
-              <a:t>l'état</a:t>
-            </a:r>
-            <a:r>
-              <a:rPr lang="fr" sz="1400"/>
-              <a:t> du Smart Contract et de la transaction.</a:t>
+              <a:t>: Chaque transaction est publique sur la blockchain, cela permet de vérifier simplement l'état du Smart Contract et de la transaction.</a:t>
             </a:r>
             <a:endParaRPr sz="1400"/>
           </a:p>
@@ -8644,11 +8745,11 @@
 </file>
 
 <file path=ppt/slides/slide4.xml><?xml version="1.0" encoding="utf-8"?>
-<p:sld xmlns:a="http://schemas.openxmlformats.org/drawingml/2006/main" xmlns:r="http://schemas.openxmlformats.org/officeDocument/2006/relationships" xmlns:mc="http://schemas.openxmlformats.org/markup-compatibility/2006" xmlns:mv="urn:schemas-microsoft-com:mac:vml" xmlns:p="http://schemas.openxmlformats.org/presentationml/2006/main" xmlns:c="http://schemas.openxmlformats.org/drawingml/2006/chart" xmlns:dgm="http://schemas.openxmlformats.org/drawingml/2006/diagram" xmlns:o="urn:schemas-microsoft-com:office:office" xmlns:v="urn:schemas-microsoft-com:vml" xmlns:pvml="urn:schemas-microsoft-com:office:powerpoint" xmlns:com="http://schemas.openxmlformats.org/drawingml/2006/compatibility" xmlns:p14="http://schemas.microsoft.com/office/powerpoint/2010/main" xmlns:p15="http://schemas.microsoft.com/office/powerpoint/2012/main">
+<p:sld xmlns:a="http://schemas.openxmlformats.org/drawingml/2006/main" xmlns:r="http://schemas.openxmlformats.org/officeDocument/2006/relationships" xmlns:p="http://schemas.openxmlformats.org/presentationml/2006/main">
   <p:cSld>
     <p:spTree>
       <p:nvGrpSpPr>
-        <p:cNvPr id="105" name="Shape 105"/>
+        <p:cNvPr id="1" name="Shape 105"/>
         <p:cNvGrpSpPr/>
         <p:nvPr/>
       </p:nvGrpSpPr>
@@ -8663,7 +8764,9 @@
       <p:sp>
         <p:nvSpPr>
           <p:cNvPr id="106" name="Shape 106"/>
-          <p:cNvSpPr txBox="1"/>
+          <p:cNvSpPr txBox="1">
+            <a:spLocks noGrp="1"/>
+          </p:cNvSpPr>
           <p:nvPr>
             <p:ph type="title"/>
           </p:nvPr>
@@ -8678,12 +8781,12 @@
           </a:prstGeom>
         </p:spPr>
         <p:txBody>
-          <a:bodyPr anchorCtr="0" anchor="t" bIns="91425" lIns="91425" spcFirstLastPara="1" rIns="91425" wrap="square" tIns="91425">
+          <a:bodyPr spcFirstLastPara="1" wrap="square" lIns="91425" tIns="91425" rIns="91425" bIns="91425" anchor="t" anchorCtr="0">
             <a:noAutofit/>
           </a:bodyPr>
           <a:lstStyle/>
           <a:p>
-            <a:pPr indent="0" lvl="0" marL="0" algn="ctr">
+            <a:pPr marL="0" lvl="0" indent="0" algn="ctr">
               <a:spcBef>
                 <a:spcPts val="0"/>
               </a:spcBef>
@@ -8703,9 +8806,11 @@
       <p:sp>
         <p:nvSpPr>
           <p:cNvPr id="107" name="Shape 107"/>
-          <p:cNvSpPr txBox="1"/>
+          <p:cNvSpPr txBox="1">
+            <a:spLocks noGrp="1"/>
+          </p:cNvSpPr>
           <p:nvPr>
-            <p:ph idx="1" type="body"/>
+            <p:ph type="body" idx="1"/>
           </p:nvPr>
         </p:nvSpPr>
         <p:spPr>
@@ -8718,12 +8823,12 @@
           </a:prstGeom>
         </p:spPr>
         <p:txBody>
-          <a:bodyPr anchorCtr="0" anchor="t" bIns="91425" lIns="91425" spcFirstLastPara="1" rIns="91425" wrap="square" tIns="91425">
+          <a:bodyPr spcFirstLastPara="1" wrap="square" lIns="91425" tIns="91425" rIns="91425" bIns="91425" anchor="t" anchorCtr="0">
             <a:noAutofit/>
           </a:bodyPr>
           <a:lstStyle/>
           <a:p>
-            <a:pPr indent="0" lvl="0" marL="0">
+            <a:pPr marL="0" lvl="0" indent="0">
               <a:spcBef>
                 <a:spcPts val="0"/>
               </a:spcBef>
@@ -8739,7 +8844,7 @@
             <a:endParaRPr sz="1400"/>
           </a:p>
           <a:p>
-            <a:pPr indent="-317500" lvl="0" marL="457200" rtl="0">
+            <a:pPr marL="457200" lvl="0" indent="-317500" rtl="0">
               <a:spcBef>
                 <a:spcPts val="1600"/>
               </a:spcBef>
@@ -8756,7 +8861,7 @@
             <a:endParaRPr sz="1400"/>
           </a:p>
           <a:p>
-            <a:pPr indent="-317500" lvl="0" marL="457200" rtl="0">
+            <a:pPr marL="457200" lvl="0" indent="-317500" rtl="0">
               <a:spcBef>
                 <a:spcPts val="0"/>
               </a:spcBef>
@@ -8773,7 +8878,7 @@
             <a:endParaRPr sz="1400"/>
           </a:p>
           <a:p>
-            <a:pPr indent="0" lvl="0" marL="0" rtl="0">
+            <a:pPr marL="0" lvl="0" indent="0" rtl="0">
               <a:spcBef>
                 <a:spcPts val="1600"/>
               </a:spcBef>
@@ -8789,7 +8894,7 @@
             <a:endParaRPr sz="1400"/>
           </a:p>
           <a:p>
-            <a:pPr indent="-317500" lvl="0" marL="457200" rtl="0">
+            <a:pPr marL="457200" lvl="0" indent="-317500" rtl="0">
               <a:spcBef>
                 <a:spcPts val="1600"/>
               </a:spcBef>
@@ -8806,7 +8911,7 @@
             <a:endParaRPr sz="1400"/>
           </a:p>
           <a:p>
-            <a:pPr indent="-317500" lvl="0" marL="457200" rtl="0">
+            <a:pPr marL="457200" lvl="0" indent="-317500" rtl="0">
               <a:spcBef>
                 <a:spcPts val="0"/>
               </a:spcBef>
@@ -8823,7 +8928,7 @@
             <a:endParaRPr sz="1400"/>
           </a:p>
           <a:p>
-            <a:pPr indent="0" lvl="0" marL="0" rtl="0">
+            <a:pPr marL="0" lvl="0" indent="0" rtl="0">
               <a:spcBef>
                 <a:spcPts val="1600"/>
               </a:spcBef>
@@ -8834,15 +8939,7 @@
             </a:pPr>
             <a:r>
               <a:rPr lang="fr" sz="1400"/>
-              <a:t>Il </a:t>
-            </a:r>
-            <a:r>
-              <a:rPr lang="fr" sz="1400"/>
-              <a:t>existe</a:t>
-            </a:r>
-            <a:r>
-              <a:rPr lang="fr" sz="1400"/>
-              <a:t> d'autres solutions tel que PayPal, qui peut stocker de l'argent sur la plateforme PayPal, et de réaliser des achats sur internet.</a:t>
+              <a:t>Il existe d'autres solutions tel que PayPal, qui peut stocker de l'argent sur la plateforme PayPal, et de réaliser des achats sur internet.</a:t>
             </a:r>
             <a:endParaRPr sz="1400"/>
           </a:p>
@@ -8857,11 +8954,11 @@
 </file>
 
 <file path=ppt/slides/slide5.xml><?xml version="1.0" encoding="utf-8"?>
-<p:sld xmlns:a="http://schemas.openxmlformats.org/drawingml/2006/main" xmlns:r="http://schemas.openxmlformats.org/officeDocument/2006/relationships" xmlns:mc="http://schemas.openxmlformats.org/markup-compatibility/2006" xmlns:mv="urn:schemas-microsoft-com:mac:vml" xmlns:p="http://schemas.openxmlformats.org/presentationml/2006/main" xmlns:c="http://schemas.openxmlformats.org/drawingml/2006/chart" xmlns:dgm="http://schemas.openxmlformats.org/drawingml/2006/diagram" xmlns:o="urn:schemas-microsoft-com:office:office" xmlns:v="urn:schemas-microsoft-com:vml" xmlns:pvml="urn:schemas-microsoft-com:office:powerpoint" xmlns:com="http://schemas.openxmlformats.org/drawingml/2006/compatibility" xmlns:p14="http://schemas.microsoft.com/office/powerpoint/2010/main" xmlns:p15="http://schemas.microsoft.com/office/powerpoint/2012/main">
+<p:sld xmlns:a="http://schemas.openxmlformats.org/drawingml/2006/main" xmlns:r="http://schemas.openxmlformats.org/officeDocument/2006/relationships" xmlns:p="http://schemas.openxmlformats.org/presentationml/2006/main">
   <p:cSld>
     <p:spTree>
       <p:nvGrpSpPr>
-        <p:cNvPr id="111" name="Shape 111"/>
+        <p:cNvPr id="1" name="Shape 111"/>
         <p:cNvGrpSpPr/>
         <p:nvPr/>
       </p:nvGrpSpPr>
@@ -8876,7 +8973,9 @@
       <p:sp>
         <p:nvSpPr>
           <p:cNvPr id="112" name="Shape 112"/>
-          <p:cNvSpPr txBox="1"/>
+          <p:cNvSpPr txBox="1">
+            <a:spLocks noGrp="1"/>
+          </p:cNvSpPr>
           <p:nvPr>
             <p:ph type="title"/>
           </p:nvPr>
@@ -8891,12 +8990,12 @@
           </a:prstGeom>
         </p:spPr>
         <p:txBody>
-          <a:bodyPr anchorCtr="0" anchor="t" bIns="91425" lIns="91425" spcFirstLastPara="1" rIns="91425" wrap="square" tIns="91425">
+          <a:bodyPr spcFirstLastPara="1" wrap="square" lIns="91425" tIns="91425" rIns="91425" bIns="91425" anchor="t" anchorCtr="0">
             <a:noAutofit/>
           </a:bodyPr>
           <a:lstStyle/>
           <a:p>
-            <a:pPr indent="0" lvl="0" marL="0" algn="ctr">
+            <a:pPr marL="0" lvl="0" indent="0" algn="ctr">
               <a:spcBef>
                 <a:spcPts val="0"/>
               </a:spcBef>
@@ -8950,11 +9049,11 @@
 </file>
 
 <file path=ppt/slides/slide6.xml><?xml version="1.0" encoding="utf-8"?>
-<p:sld xmlns:a="http://schemas.openxmlformats.org/drawingml/2006/main" xmlns:r="http://schemas.openxmlformats.org/officeDocument/2006/relationships" xmlns:mc="http://schemas.openxmlformats.org/markup-compatibility/2006" xmlns:mv="urn:schemas-microsoft-com:mac:vml" xmlns:p="http://schemas.openxmlformats.org/presentationml/2006/main" xmlns:c="http://schemas.openxmlformats.org/drawingml/2006/chart" xmlns:dgm="http://schemas.openxmlformats.org/drawingml/2006/diagram" xmlns:o="urn:schemas-microsoft-com:office:office" xmlns:v="urn:schemas-microsoft-com:vml" xmlns:pvml="urn:schemas-microsoft-com:office:powerpoint" xmlns:com="http://schemas.openxmlformats.org/drawingml/2006/compatibility" xmlns:p14="http://schemas.microsoft.com/office/powerpoint/2010/main" xmlns:p15="http://schemas.microsoft.com/office/powerpoint/2012/main">
+<p:sld xmlns:a="http://schemas.openxmlformats.org/drawingml/2006/main" xmlns:r="http://schemas.openxmlformats.org/officeDocument/2006/relationships" xmlns:p="http://schemas.openxmlformats.org/presentationml/2006/main">
   <p:cSld>
     <p:spTree>
       <p:nvGrpSpPr>
-        <p:cNvPr id="117" name="Shape 117"/>
+        <p:cNvPr id="1" name="Shape 117"/>
         <p:cNvGrpSpPr/>
         <p:nvPr/>
       </p:nvGrpSpPr>
@@ -8969,7 +9068,9 @@
       <p:sp>
         <p:nvSpPr>
           <p:cNvPr id="118" name="Shape 118"/>
-          <p:cNvSpPr txBox="1"/>
+          <p:cNvSpPr txBox="1">
+            <a:spLocks noGrp="1"/>
+          </p:cNvSpPr>
           <p:nvPr>
             <p:ph type="title"/>
           </p:nvPr>
@@ -8984,12 +9085,12 @@
           </a:prstGeom>
         </p:spPr>
         <p:txBody>
-          <a:bodyPr anchorCtr="0" anchor="t" bIns="91425" lIns="91425" spcFirstLastPara="1" rIns="91425" wrap="square" tIns="91425">
+          <a:bodyPr spcFirstLastPara="1" wrap="square" lIns="91425" tIns="91425" rIns="91425" bIns="91425" anchor="t" anchorCtr="0">
             <a:noAutofit/>
           </a:bodyPr>
           <a:lstStyle/>
           <a:p>
-            <a:pPr indent="0" lvl="0" marL="0" algn="ctr">
+            <a:pPr marL="0" lvl="0" indent="0" algn="ctr">
               <a:spcBef>
                 <a:spcPts val="0"/>
               </a:spcBef>
@@ -9005,7 +9106,7 @@
             <a:endParaRPr/>
           </a:p>
           <a:p>
-            <a:pPr indent="0" lvl="0" marL="0">
+            <a:pPr marL="0" lvl="0" indent="0">
               <a:spcBef>
                 <a:spcPts val="0"/>
               </a:spcBef>
@@ -9014,9 +9115,6 @@
               </a:spcAft>
               <a:buNone/>
             </a:pPr>
-            <a:r>
-              <a:t/>
-            </a:r>
             <a:endParaRPr/>
           </a:p>
         </p:txBody>
@@ -9024,9 +9122,11 @@
       <p:sp>
         <p:nvSpPr>
           <p:cNvPr id="119" name="Shape 119"/>
-          <p:cNvSpPr txBox="1"/>
+          <p:cNvSpPr txBox="1">
+            <a:spLocks noGrp="1"/>
+          </p:cNvSpPr>
           <p:nvPr>
-            <p:ph idx="1" type="body"/>
+            <p:ph type="body" idx="1"/>
           </p:nvPr>
         </p:nvSpPr>
         <p:spPr>
@@ -9039,12 +9139,12 @@
           </a:prstGeom>
         </p:spPr>
         <p:txBody>
-          <a:bodyPr anchorCtr="0" anchor="t" bIns="91425" lIns="91425" spcFirstLastPara="1" rIns="91425" wrap="square" tIns="91425">
+          <a:bodyPr spcFirstLastPara="1" wrap="square" lIns="91425" tIns="91425" rIns="91425" bIns="91425" anchor="t" anchorCtr="0">
             <a:noAutofit/>
           </a:bodyPr>
           <a:lstStyle/>
           <a:p>
-            <a:pPr indent="0" lvl="0" marL="0">
+            <a:pPr marL="0" lvl="0" indent="0">
               <a:spcBef>
                 <a:spcPts val="0"/>
               </a:spcBef>
@@ -9053,9 +9153,6 @@
               </a:spcAft>
               <a:buNone/>
             </a:pPr>
-            <a:r>
-              <a:t/>
-            </a:r>
             <a:endParaRPr/>
           </a:p>
         </p:txBody>
@@ -9094,12 +9191,12 @@
             </a:ln>
           </p:spPr>
           <p:txBody>
-            <a:bodyPr anchorCtr="0" anchor="ctr" bIns="91425" lIns="91425" spcFirstLastPara="1" rIns="91425" wrap="square" tIns="91425">
+            <a:bodyPr spcFirstLastPara="1" wrap="square" lIns="91425" tIns="91425" rIns="91425" bIns="91425" anchor="ctr" anchorCtr="0">
               <a:noAutofit/>
             </a:bodyPr>
             <a:lstStyle/>
             <a:p>
-              <a:pPr indent="0" lvl="0" marL="0" algn="ctr">
+              <a:pPr marL="0" lvl="0" indent="0" algn="ctr">
                 <a:spcBef>
                   <a:spcPts val="0"/>
                 </a:spcBef>
@@ -9109,7 +9206,7 @@
                 <a:buNone/>
               </a:pPr>
               <a:r>
-                <a:rPr b="1" lang="fr" sz="1000">
+                <a:rPr lang="fr" sz="1000" b="1">
                   <a:solidFill>
                     <a:schemeClr val="dk2"/>
                   </a:solidFill>
@@ -9123,7 +9220,7 @@
                 </a:rPr>
                 <a:t>Smart Contract</a:t>
               </a:r>
-              <a:endParaRPr b="1" sz="1000">
+              <a:endParaRPr sz="1000" b="1">
                 <a:solidFill>
                   <a:schemeClr val="dk2"/>
                 </a:solidFill>
@@ -9137,7 +9234,7 @@
               </a:endParaRPr>
             </a:p>
             <a:p>
-              <a:pPr indent="0" lvl="0" marL="0" algn="r">
+              <a:pPr marL="0" lvl="0" indent="0" algn="r">
                 <a:spcBef>
                   <a:spcPts val="0"/>
                 </a:spcBef>
@@ -9146,10 +9243,7 @@
                 </a:spcAft>
                 <a:buNone/>
               </a:pPr>
-              <a:r>
-                <a:t/>
-              </a:r>
-              <a:endParaRPr b="1" sz="1200">
+              <a:endParaRPr sz="1200" b="1">
                 <a:latin typeface="Roboto"/>
                 <a:ea typeface="Roboto"/>
                 <a:cs typeface="Roboto"/>
@@ -9157,7 +9251,7 @@
               </a:endParaRPr>
             </a:p>
             <a:p>
-              <a:pPr indent="0" lvl="0" marL="0" algn="r">
+              <a:pPr marL="0" lvl="0" indent="0" algn="r">
                 <a:spcBef>
                   <a:spcPts val="0"/>
                 </a:spcBef>
@@ -9166,10 +9260,7 @@
                 </a:spcAft>
                 <a:buNone/>
               </a:pPr>
-              <a:r>
-                <a:t/>
-              </a:r>
-              <a:endParaRPr b="1" sz="800">
+              <a:endParaRPr sz="800" b="1">
                 <a:latin typeface="Roboto"/>
                 <a:ea typeface="Roboto"/>
                 <a:cs typeface="Roboto"/>
@@ -9193,14 +9284,14 @@
               <a:avLst/>
             </a:prstGeom>
             <a:noFill/>
-            <a:ln cap="flat" cmpd="sng" w="9525">
+            <a:ln w="9525" cap="flat" cmpd="sng">
               <a:solidFill>
                 <a:srgbClr val="C2C2C2"/>
               </a:solidFill>
               <a:prstDash val="solid"/>
               <a:round/>
-              <a:headEnd len="sm" w="sm" type="none"/>
-              <a:tailEnd len="sm" w="sm" type="none"/>
+              <a:headEnd type="none" w="sm" len="sm"/>
+              <a:tailEnd type="none" w="sm" len="sm"/>
             </a:ln>
           </p:spPr>
         </p:cxnSp>
@@ -9226,12 +9317,12 @@
             </a:ln>
           </p:spPr>
           <p:txBody>
-            <a:bodyPr anchorCtr="0" anchor="ctr" bIns="91425" lIns="91425" spcFirstLastPara="1" rIns="91425" wrap="square" tIns="91425">
+            <a:bodyPr spcFirstLastPara="1" wrap="square" lIns="91425" tIns="91425" rIns="91425" bIns="91425" anchor="ctr" anchorCtr="0">
               <a:noAutofit/>
             </a:bodyPr>
             <a:lstStyle/>
             <a:p>
-              <a:pPr indent="0" lvl="0" marL="0">
+              <a:pPr marL="0" lvl="0" indent="0">
                 <a:spcBef>
                   <a:spcPts val="0"/>
                 </a:spcBef>
@@ -9240,9 +9331,6 @@
                 </a:spcAft>
                 <a:buNone/>
               </a:pPr>
-              <a:r>
-                <a:t/>
-              </a:r>
               <a:endParaRPr/>
             </a:p>
           </p:txBody>
@@ -9267,12 +9355,12 @@
             </a:ln>
           </p:spPr>
           <p:txBody>
-            <a:bodyPr anchorCtr="0" anchor="t" bIns="91425" lIns="91425" spcFirstLastPara="1" rIns="91425" wrap="square" tIns="91425">
+            <a:bodyPr spcFirstLastPara="1" wrap="square" lIns="91425" tIns="91425" rIns="91425" bIns="91425" anchor="t" anchorCtr="0">
               <a:noAutofit/>
             </a:bodyPr>
             <a:lstStyle/>
             <a:p>
-              <a:pPr indent="0" lvl="0" marL="0" algn="ctr">
+              <a:pPr marL="0" lvl="0" indent="0" algn="ctr">
                 <a:spcBef>
                   <a:spcPts val="0"/>
                 </a:spcBef>
@@ -9336,12 +9424,12 @@
             </a:ln>
           </p:spPr>
           <p:txBody>
-            <a:bodyPr anchorCtr="0" anchor="ctr" bIns="91425" lIns="91425" spcFirstLastPara="1" rIns="91425" wrap="square" tIns="91425">
+            <a:bodyPr spcFirstLastPara="1" wrap="square" lIns="91425" tIns="91425" rIns="91425" bIns="91425" anchor="ctr" anchorCtr="0">
               <a:noAutofit/>
             </a:bodyPr>
             <a:lstStyle/>
             <a:p>
-              <a:pPr indent="0" lvl="0" marL="0" algn="ctr">
+              <a:pPr marL="0" lvl="0" indent="0" algn="ctr">
                 <a:spcBef>
                   <a:spcPts val="0"/>
                 </a:spcBef>
@@ -9351,7 +9439,7 @@
                 <a:buNone/>
               </a:pPr>
               <a:r>
-                <a:rPr b="1" lang="fr" sz="1000">
+                <a:rPr lang="fr" sz="1000" b="1">
                   <a:solidFill>
                     <a:schemeClr val="dk2"/>
                   </a:solidFill>
@@ -9365,7 +9453,7 @@
                 </a:rPr>
                 <a:t>api web en nodeJS </a:t>
               </a:r>
-              <a:endParaRPr b="1" sz="1200">
+              <a:endParaRPr sz="1200" b="1">
                 <a:latin typeface="Roboto"/>
                 <a:ea typeface="Roboto"/>
                 <a:cs typeface="Roboto"/>
@@ -9373,7 +9461,7 @@
               </a:endParaRPr>
             </a:p>
             <a:p>
-              <a:pPr indent="0" lvl="0" marL="0">
+              <a:pPr marL="0" lvl="0" indent="0">
                 <a:spcBef>
                   <a:spcPts val="0"/>
                 </a:spcBef>
@@ -9382,10 +9470,7 @@
                 </a:spcAft>
                 <a:buNone/>
               </a:pPr>
-              <a:r>
-                <a:t/>
-              </a:r>
-              <a:endParaRPr b="1" sz="1200">
+              <a:endParaRPr sz="1200" b="1">
                 <a:latin typeface="Roboto"/>
                 <a:ea typeface="Roboto"/>
                 <a:cs typeface="Roboto"/>
@@ -9393,7 +9478,7 @@
               </a:endParaRPr>
             </a:p>
             <a:p>
-              <a:pPr indent="0" lvl="0" marL="0" algn="ctr">
+              <a:pPr marL="0" lvl="0" indent="0" algn="ctr">
                 <a:spcBef>
                   <a:spcPts val="0"/>
                 </a:spcBef>
@@ -9411,7 +9496,7 @@
                 </a:rPr>
                 <a:t>Interface de l’application web réaliser en NodeJs.</a:t>
               </a:r>
-              <a:endParaRPr b="1" sz="800">
+              <a:endParaRPr sz="800" b="1">
                 <a:latin typeface="Roboto"/>
                 <a:ea typeface="Roboto"/>
                 <a:cs typeface="Roboto"/>
@@ -9435,14 +9520,14 @@
               <a:avLst/>
             </a:prstGeom>
             <a:noFill/>
-            <a:ln cap="flat" cmpd="sng" w="9525">
+            <a:ln w="9525" cap="flat" cmpd="sng">
               <a:solidFill>
                 <a:srgbClr val="C2C2C2"/>
               </a:solidFill>
               <a:prstDash val="solid"/>
               <a:round/>
-              <a:headEnd len="sm" w="sm" type="none"/>
-              <a:tailEnd len="sm" w="sm" type="none"/>
+              <a:headEnd type="none" w="sm" len="sm"/>
+              <a:tailEnd type="none" w="sm" len="sm"/>
             </a:ln>
           </p:spPr>
         </p:cxnSp>
@@ -9468,12 +9553,12 @@
             </a:ln>
           </p:spPr>
           <p:txBody>
-            <a:bodyPr anchorCtr="0" anchor="ctr" bIns="91425" lIns="91425" spcFirstLastPara="1" rIns="91425" wrap="square" tIns="91425">
+            <a:bodyPr spcFirstLastPara="1" wrap="square" lIns="91425" tIns="91425" rIns="91425" bIns="91425" anchor="ctr" anchorCtr="0">
               <a:noAutofit/>
             </a:bodyPr>
             <a:lstStyle/>
             <a:p>
-              <a:pPr indent="0" lvl="0" marL="0">
+              <a:pPr marL="0" lvl="0" indent="0">
                 <a:spcBef>
                   <a:spcPts val="0"/>
                 </a:spcBef>
@@ -9482,9 +9567,6 @@
                 </a:spcAft>
                 <a:buNone/>
               </a:pPr>
-              <a:r>
-                <a:t/>
-              </a:r>
               <a:endParaRPr/>
             </a:p>
           </p:txBody>
@@ -9509,12 +9591,12 @@
             </a:ln>
           </p:spPr>
           <p:txBody>
-            <a:bodyPr anchorCtr="0" anchor="t" bIns="91425" lIns="91425" spcFirstLastPara="1" rIns="91425" wrap="square" tIns="91425">
+            <a:bodyPr spcFirstLastPara="1" wrap="square" lIns="91425" tIns="91425" rIns="91425" bIns="91425" anchor="t" anchorCtr="0">
               <a:noAutofit/>
             </a:bodyPr>
             <a:lstStyle/>
             <a:p>
-              <a:pPr indent="0" lvl="0" marL="0" algn="ctr">
+              <a:pPr marL="0" lvl="0" indent="0" algn="ctr">
                 <a:spcBef>
                   <a:spcPts val="0"/>
                 </a:spcBef>
@@ -9578,12 +9660,12 @@
             </a:ln>
           </p:spPr>
           <p:txBody>
-            <a:bodyPr anchorCtr="0" anchor="ctr" bIns="91425" lIns="91425" spcFirstLastPara="1" rIns="91425" wrap="square" tIns="91425">
+            <a:bodyPr spcFirstLastPara="1" wrap="square" lIns="91425" tIns="91425" rIns="91425" bIns="91425" anchor="ctr" anchorCtr="0">
               <a:noAutofit/>
             </a:bodyPr>
             <a:lstStyle/>
             <a:p>
-              <a:pPr indent="0" lvl="0" marL="0" rtl="0" algn="ctr">
+              <a:pPr marL="0" lvl="0" indent="0" algn="ctr" rtl="0">
                 <a:spcBef>
                   <a:spcPts val="0"/>
                 </a:spcBef>
@@ -9593,7 +9675,7 @@
                 <a:buNone/>
               </a:pPr>
               <a:r>
-                <a:rPr b="1" lang="fr" sz="1000">
+                <a:rPr lang="fr" sz="1000" b="1">
                   <a:solidFill>
                     <a:schemeClr val="dk2"/>
                   </a:solidFill>
@@ -9607,7 +9689,7 @@
                 </a:rPr>
                 <a:t>blockchain, web3js</a:t>
               </a:r>
-              <a:endParaRPr b="1" sz="1000">
+              <a:endParaRPr sz="1000" b="1">
                 <a:solidFill>
                   <a:schemeClr val="dk2"/>
                 </a:solidFill>
@@ -9621,7 +9703,7 @@
               </a:endParaRPr>
             </a:p>
             <a:p>
-              <a:pPr indent="0" lvl="0" marL="0" algn="ctr">
+              <a:pPr marL="0" lvl="0" indent="0" algn="ctr">
                 <a:spcBef>
                   <a:spcPts val="0"/>
                 </a:spcBef>
@@ -9659,7 +9741,7 @@
               </a:endParaRPr>
             </a:p>
             <a:p>
-              <a:pPr indent="0" lvl="0" marL="0" algn="r">
+              <a:pPr marL="0" lvl="0" indent="0" algn="r">
                 <a:spcBef>
                   <a:spcPts val="0"/>
                 </a:spcBef>
@@ -9668,10 +9750,7 @@
                 </a:spcAft>
                 <a:buNone/>
               </a:pPr>
-              <a:r>
-                <a:t/>
-              </a:r>
-              <a:endParaRPr b="1" sz="1200">
+              <a:endParaRPr sz="1200" b="1">
                 <a:latin typeface="Roboto"/>
                 <a:ea typeface="Roboto"/>
                 <a:cs typeface="Roboto"/>
@@ -9679,7 +9758,7 @@
               </a:endParaRPr>
             </a:p>
             <a:p>
-              <a:pPr indent="0" lvl="0" marL="0" algn="r">
+              <a:pPr marL="0" lvl="0" indent="0" algn="r">
                 <a:spcBef>
                   <a:spcPts val="0"/>
                 </a:spcBef>
@@ -9697,7 +9776,7 @@
                 </a:rPr>
                 <a:t>.</a:t>
               </a:r>
-              <a:endParaRPr b="1" sz="800">
+              <a:endParaRPr sz="800" b="1">
                 <a:latin typeface="Roboto"/>
                 <a:ea typeface="Roboto"/>
                 <a:cs typeface="Roboto"/>
@@ -9721,14 +9800,14 @@
               <a:avLst/>
             </a:prstGeom>
             <a:noFill/>
-            <a:ln cap="flat" cmpd="sng" w="9525">
+            <a:ln w="9525" cap="flat" cmpd="sng">
               <a:solidFill>
                 <a:srgbClr val="C2C2C2"/>
               </a:solidFill>
               <a:prstDash val="solid"/>
               <a:round/>
-              <a:headEnd len="sm" w="sm" type="none"/>
-              <a:tailEnd len="sm" w="sm" type="none"/>
+              <a:headEnd type="none" w="sm" len="sm"/>
+              <a:tailEnd type="none" w="sm" len="sm"/>
             </a:ln>
           </p:spPr>
         </p:cxnSp>
@@ -9754,12 +9833,12 @@
             </a:ln>
           </p:spPr>
           <p:txBody>
-            <a:bodyPr anchorCtr="0" anchor="ctr" bIns="91425" lIns="91425" spcFirstLastPara="1" rIns="91425" wrap="square" tIns="91425">
+            <a:bodyPr spcFirstLastPara="1" wrap="square" lIns="91425" tIns="91425" rIns="91425" bIns="91425" anchor="ctr" anchorCtr="0">
               <a:noAutofit/>
             </a:bodyPr>
             <a:lstStyle/>
             <a:p>
-              <a:pPr indent="0" lvl="0" marL="0">
+              <a:pPr marL="0" lvl="0" indent="0">
                 <a:spcBef>
                   <a:spcPts val="0"/>
                 </a:spcBef>
@@ -9768,9 +9847,6 @@
                 </a:spcAft>
                 <a:buNone/>
               </a:pPr>
-              <a:r>
-                <a:t/>
-              </a:r>
               <a:endParaRPr/>
             </a:p>
           </p:txBody>
@@ -9795,12 +9871,12 @@
             </a:ln>
           </p:spPr>
           <p:txBody>
-            <a:bodyPr anchorCtr="0" anchor="t" bIns="91425" lIns="91425" spcFirstLastPara="1" rIns="91425" wrap="square" tIns="91425">
+            <a:bodyPr spcFirstLastPara="1" wrap="square" lIns="91425" tIns="91425" rIns="91425" bIns="91425" anchor="t" anchorCtr="0">
               <a:noAutofit/>
             </a:bodyPr>
             <a:lstStyle/>
             <a:p>
-              <a:pPr indent="0" lvl="0" marL="0" algn="ctr">
+              <a:pPr marL="0" lvl="0" indent="0" algn="ctr">
                 <a:spcBef>
                   <a:spcPts val="0"/>
                 </a:spcBef>
@@ -9856,8 +9932,13 @@
               <a:ext cx="2541910" cy="950456"/>
             </a:xfrm>
             <a:custGeom>
+              <a:avLst/>
+              <a:gdLst/>
+              <a:ahLst/>
+              <a:cxnLst/>
+              <a:rect l="0" t="0" r="0" b="0"/>
               <a:pathLst>
-                <a:path extrusionOk="0" h="43529" w="126826">
+                <a:path w="126826" h="43529" extrusionOk="0">
                   <a:moveTo>
                     <a:pt x="0" y="20002"/>
                   </a:moveTo>
@@ -9894,8 +9975,13 @@
               <a:ext cx="1758228" cy="1384350"/>
             </a:xfrm>
             <a:custGeom>
+              <a:avLst/>
+              <a:gdLst/>
+              <a:ahLst/>
+              <a:cxnLst/>
+              <a:rect l="0" t="0" r="0" b="0"/>
               <a:pathLst>
-                <a:path extrusionOk="0" h="63817" w="87725">
+                <a:path w="87725" h="63817" extrusionOk="0">
                   <a:moveTo>
                     <a:pt x="24288" y="0"/>
                   </a:moveTo>
@@ -9935,8 +10021,13 @@
               <a:ext cx="1758228" cy="1384350"/>
             </a:xfrm>
             <a:custGeom>
+              <a:avLst/>
+              <a:gdLst/>
+              <a:ahLst/>
+              <a:cxnLst/>
+              <a:rect l="0" t="0" r="0" b="0"/>
               <a:pathLst>
-                <a:path extrusionOk="0" h="63817" w="87725">
+                <a:path w="87725" h="63817" extrusionOk="0">
                   <a:moveTo>
                     <a:pt x="24288" y="0"/>
                   </a:moveTo>
@@ -9976,8 +10067,13 @@
               <a:ext cx="1565850" cy="585863"/>
             </a:xfrm>
             <a:custGeom>
+              <a:avLst/>
+              <a:gdLst/>
+              <a:ahLst/>
+              <a:cxnLst/>
+              <a:rect l="0" t="0" r="0" b="0"/>
               <a:pathLst>
-                <a:path extrusionOk="0" h="8150" w="24053">
+                <a:path w="24053" h="8150" extrusionOk="0">
                   <a:moveTo>
                     <a:pt x="0" y="3827"/>
                   </a:moveTo>
@@ -10014,8 +10110,13 @@
               <a:ext cx="1189300" cy="1015326"/>
             </a:xfrm>
             <a:custGeom>
+              <a:avLst/>
+              <a:gdLst/>
+              <a:ahLst/>
+              <a:cxnLst/>
+              <a:rect l="0" t="0" r="0" b="0"/>
               <a:pathLst>
-                <a:path extrusionOk="0" h="14114" w="18238">
+                <a:path w="18238" h="14114" extrusionOk="0">
                   <a:moveTo>
                     <a:pt x="6262" y="0"/>
                   </a:moveTo>
@@ -10052,8 +10153,13 @@
               <a:ext cx="1189300" cy="1015326"/>
             </a:xfrm>
             <a:custGeom>
+              <a:avLst/>
+              <a:gdLst/>
+              <a:ahLst/>
+              <a:cxnLst/>
+              <a:rect l="0" t="0" r="0" b="0"/>
               <a:pathLst>
-                <a:path extrusionOk="0" h="14114" w="18238">
+                <a:path w="18238" h="14114" extrusionOk="0">
                   <a:moveTo>
                     <a:pt x="6262" y="0"/>
                   </a:moveTo>
@@ -10090,8 +10196,13 @@
               <a:ext cx="693508" cy="1201140"/>
             </a:xfrm>
             <a:custGeom>
+              <a:avLst/>
+              <a:gdLst/>
+              <a:ahLst/>
+              <a:cxnLst/>
+              <a:rect l="0" t="0" r="0" b="0"/>
               <a:pathLst>
-                <a:path extrusionOk="0" h="16697" w="10635">
+                <a:path w="10635" h="16697" extrusionOk="0">
                   <a:moveTo>
                     <a:pt x="10635" y="0"/>
                   </a:moveTo>
@@ -10125,8 +10236,13 @@
               <a:ext cx="693508" cy="1201140"/>
             </a:xfrm>
             <a:custGeom>
+              <a:avLst/>
+              <a:gdLst/>
+              <a:ahLst/>
+              <a:cxnLst/>
+              <a:rect l="0" t="0" r="0" b="0"/>
               <a:pathLst>
-                <a:path extrusionOk="0" h="16697" w="10635">
+                <a:path w="10635" h="16697" extrusionOk="0">
                   <a:moveTo>
                     <a:pt x="10635" y="0"/>
                   </a:moveTo>
@@ -10157,32 +10273,32 @@
   <p:timing>
     <p:tnLst>
       <p:par>
-        <p:cTn dur="indefinite" nodeType="tmRoot" restart="never">
+        <p:cTn id="1" dur="indefinite" restart="never" nodeType="tmRoot">
           <p:childTnLst>
             <p:seq concurrent="1" nextAc="seek">
-              <p:cTn dur="indefinite" id="2" nodeType="mainSeq">
+              <p:cTn id="2" dur="indefinite" nodeType="mainSeq">
                 <p:childTnLst>
                   <p:par>
-                    <p:cTn fill="hold">
+                    <p:cTn id="3" fill="hold">
                       <p:stCondLst>
                         <p:cond delay="indefinite"/>
                       </p:stCondLst>
                       <p:childTnLst>
                         <p:par>
-                          <p:cTn fill="hold">
+                          <p:cTn id="4" fill="hold">
                             <p:stCondLst>
                               <p:cond delay="0"/>
                             </p:stCondLst>
                             <p:childTnLst>
                               <p:par>
-                                <p:cTn fill="hold" nodeType="clickEffect" presetClass="entr" presetID="10" presetSubtype="0">
+                                <p:cTn id="5" presetID="10" presetClass="entr" presetSubtype="0" fill="hold" nodeType="clickEffect">
                                   <p:stCondLst>
                                     <p:cond delay="0"/>
                                   </p:stCondLst>
                                   <p:childTnLst>
                                     <p:set>
                                       <p:cBhvr>
-                                        <p:cTn dur="1" fill="hold">
+                                        <p:cTn id="6" dur="1" fill="hold">
                                           <p:stCondLst>
                                             <p:cond delay="0"/>
                                           </p:stCondLst>
@@ -10198,9 +10314,9 @@
                                         <p:strVal val="visible"/>
                                       </p:to>
                                     </p:set>
-                                    <p:animEffect filter="fade" transition="in">
+                                    <p:animEffect transition="in" filter="fade">
                                       <p:cBhvr>
-                                        <p:cTn dur="1000"/>
+                                        <p:cTn id="7" dur="1000"/>
                                         <p:tgtEl>
                                           <p:spTgt spid="119"/>
                                         </p:tgtEl>
@@ -10218,14 +10334,14 @@
                 </p:childTnLst>
               </p:cTn>
               <p:prevCondLst>
-                <p:cond evt="onPrev">
+                <p:cond evt="onPrev" delay="0">
                   <p:tgtEl>
                     <p:sldTgt/>
                   </p:tgtEl>
                 </p:cond>
               </p:prevCondLst>
               <p:nextCondLst>
-                <p:cond evt="onNext">
+                <p:cond evt="onNext" delay="0">
                   <p:tgtEl>
                     <p:sldTgt/>
                   </p:tgtEl>
@@ -10241,11 +10357,11 @@
 </file>
 
 <file path=ppt/slides/slide7.xml><?xml version="1.0" encoding="utf-8"?>
-<p:sld xmlns:a="http://schemas.openxmlformats.org/drawingml/2006/main" xmlns:r="http://schemas.openxmlformats.org/officeDocument/2006/relationships" xmlns:mc="http://schemas.openxmlformats.org/markup-compatibility/2006" xmlns:mv="urn:schemas-microsoft-com:mac:vml" xmlns:p="http://schemas.openxmlformats.org/presentationml/2006/main" xmlns:c="http://schemas.openxmlformats.org/drawingml/2006/chart" xmlns:dgm="http://schemas.openxmlformats.org/drawingml/2006/diagram" xmlns:o="urn:schemas-microsoft-com:office:office" xmlns:v="urn:schemas-microsoft-com:vml" xmlns:pvml="urn:schemas-microsoft-com:office:powerpoint" xmlns:com="http://schemas.openxmlformats.org/drawingml/2006/compatibility" xmlns:p14="http://schemas.microsoft.com/office/powerpoint/2010/main" xmlns:p15="http://schemas.microsoft.com/office/powerpoint/2012/main">
+<p:sld xmlns:a="http://schemas.openxmlformats.org/drawingml/2006/main" xmlns:r="http://schemas.openxmlformats.org/officeDocument/2006/relationships" xmlns:p="http://schemas.openxmlformats.org/presentationml/2006/main">
   <p:cSld>
     <p:spTree>
       <p:nvGrpSpPr>
-        <p:cNvPr id="147" name="Shape 147"/>
+        <p:cNvPr id="1" name="Shape 147"/>
         <p:cNvGrpSpPr/>
         <p:nvPr/>
       </p:nvGrpSpPr>
@@ -10260,7 +10376,9 @@
       <p:sp>
         <p:nvSpPr>
           <p:cNvPr id="148" name="Shape 148"/>
-          <p:cNvSpPr txBox="1"/>
+          <p:cNvSpPr txBox="1">
+            <a:spLocks noGrp="1"/>
+          </p:cNvSpPr>
           <p:nvPr>
             <p:ph type="title"/>
           </p:nvPr>
@@ -10275,12 +10393,12 @@
           </a:prstGeom>
         </p:spPr>
         <p:txBody>
-          <a:bodyPr anchorCtr="0" anchor="t" bIns="91425" lIns="91425" spcFirstLastPara="1" rIns="91425" wrap="square" tIns="91425">
+          <a:bodyPr spcFirstLastPara="1" wrap="square" lIns="91425" tIns="91425" rIns="91425" bIns="91425" anchor="t" anchorCtr="0">
             <a:noAutofit/>
           </a:bodyPr>
           <a:lstStyle/>
           <a:p>
-            <a:pPr indent="0" lvl="0" marL="0" algn="ctr">
+            <a:pPr marL="0" lvl="0" indent="0" algn="ctr">
               <a:spcBef>
                 <a:spcPts val="0"/>
               </a:spcBef>
@@ -10307,7 +10425,7 @@
           <a:blip r:embed="rId3">
             <a:alphaModFix/>
           </a:blip>
-          <a:srcRect b="16915" l="38438" r="0" t="0"/>
+          <a:srcRect l="38438" b="16915"/>
           <a:stretch/>
         </p:blipFill>
         <p:spPr>
@@ -10344,12 +10462,12 @@
           </a:ln>
         </p:spPr>
         <p:txBody>
-          <a:bodyPr anchorCtr="0" anchor="t" bIns="91425" lIns="91425" spcFirstLastPara="1" rIns="91425" wrap="square" tIns="91425">
+          <a:bodyPr spcFirstLastPara="1" wrap="square" lIns="91425" tIns="91425" rIns="91425" bIns="91425" anchor="t" anchorCtr="0">
             <a:noAutofit/>
           </a:bodyPr>
           <a:lstStyle/>
           <a:p>
-            <a:pPr indent="0" lvl="0" marL="0">
+            <a:pPr marL="0" lvl="0" indent="0">
               <a:spcBef>
                 <a:spcPts val="0"/>
               </a:spcBef>
@@ -10360,13 +10478,47 @@
             </a:pPr>
             <a:r>
               <a:rPr lang="fr"/>
-              <a:t>Clé publique du contrat : </a:t>
-            </a:r>
-            <a:r>
-              <a:rPr lang="fr"/>
-              <a:t>0xa348129835574f3123aca1f5884f593c23109752</a:t>
+              <a:t>Clé publique du contrat : 0xa348129835574f3123aca1f5884f593c23109752</a:t>
             </a:r>
             <a:endParaRPr/>
+          </a:p>
+        </p:txBody>
+      </p:sp>
+      <p:sp>
+        <p:nvSpPr>
+          <p:cNvPr id="3" name="ZoneTexte 2">
+            <a:extLst>
+              <a:ext uri="{FF2B5EF4-FFF2-40B4-BE49-F238E27FC236}">
+                <a16:creationId xmlns:a16="http://schemas.microsoft.com/office/drawing/2014/main" id="{E38776FA-4CA7-2345-8EBA-F2312DE8C94B}"/>
+              </a:ext>
+            </a:extLst>
+          </p:cNvPr>
+          <p:cNvSpPr txBox="1"/>
+          <p:nvPr/>
+        </p:nvSpPr>
+        <p:spPr>
+          <a:xfrm>
+            <a:off x="674176" y="4228211"/>
+            <a:ext cx="712054" cy="307777"/>
+          </a:xfrm>
+          <a:prstGeom prst="rect">
+            <a:avLst/>
+          </a:prstGeom>
+          <a:noFill/>
+        </p:spPr>
+        <p:txBody>
+          <a:bodyPr wrap="none" rtlCol="0">
+            <a:spAutoFit/>
+          </a:bodyPr>
+          <a:lstStyle/>
+          <a:p>
+            <a:r>
+              <a:rPr lang="fr-FR" dirty="0">
+                <a:hlinkClick r:id="rId4"/>
+              </a:rPr>
+              <a:t>Github</a:t>
+            </a:r>
+            <a:endParaRPr lang="fr-FR" dirty="0"/>
           </a:p>
         </p:txBody>
       </p:sp>
@@ -10379,11 +10531,11 @@
 </file>
 
 <file path=ppt/slides/slide8.xml><?xml version="1.0" encoding="utf-8"?>
-<p:sld xmlns:a="http://schemas.openxmlformats.org/drawingml/2006/main" xmlns:r="http://schemas.openxmlformats.org/officeDocument/2006/relationships" xmlns:mc="http://schemas.openxmlformats.org/markup-compatibility/2006" xmlns:mv="urn:schemas-microsoft-com:mac:vml" xmlns:p="http://schemas.openxmlformats.org/presentationml/2006/main" xmlns:c="http://schemas.openxmlformats.org/drawingml/2006/chart" xmlns:dgm="http://schemas.openxmlformats.org/drawingml/2006/diagram" xmlns:o="urn:schemas-microsoft-com:office:office" xmlns:v="urn:schemas-microsoft-com:vml" xmlns:pvml="urn:schemas-microsoft-com:office:powerpoint" xmlns:com="http://schemas.openxmlformats.org/drawingml/2006/compatibility" xmlns:p14="http://schemas.microsoft.com/office/powerpoint/2010/main" xmlns:p15="http://schemas.microsoft.com/office/powerpoint/2012/main">
+<p:sld xmlns:a="http://schemas.openxmlformats.org/drawingml/2006/main" xmlns:r="http://schemas.openxmlformats.org/officeDocument/2006/relationships" xmlns:p="http://schemas.openxmlformats.org/presentationml/2006/main">
   <p:cSld>
     <p:spTree>
       <p:nvGrpSpPr>
-        <p:cNvPr id="154" name="Shape 154"/>
+        <p:cNvPr id="1" name="Shape 154"/>
         <p:cNvGrpSpPr/>
         <p:nvPr/>
       </p:nvGrpSpPr>
@@ -10398,7 +10550,9 @@
       <p:sp>
         <p:nvSpPr>
           <p:cNvPr id="155" name="Shape 155"/>
-          <p:cNvSpPr txBox="1"/>
+          <p:cNvSpPr txBox="1">
+            <a:spLocks noGrp="1"/>
+          </p:cNvSpPr>
           <p:nvPr>
             <p:ph type="title"/>
           </p:nvPr>
@@ -10413,12 +10567,12 @@
           </a:prstGeom>
         </p:spPr>
         <p:txBody>
-          <a:bodyPr anchorCtr="0" anchor="t" bIns="91425" lIns="91425" spcFirstLastPara="1" rIns="91425" wrap="square" tIns="91425">
+          <a:bodyPr spcFirstLastPara="1" wrap="square" lIns="91425" tIns="91425" rIns="91425" bIns="91425" anchor="t" anchorCtr="0">
             <a:noAutofit/>
           </a:bodyPr>
           <a:lstStyle/>
           <a:p>
-            <a:pPr indent="0" lvl="0" marL="0" algn="ctr">
+            <a:pPr marL="0" lvl="0" indent="0" algn="ctr">
               <a:spcBef>
                 <a:spcPts val="0"/>
               </a:spcBef>
@@ -10539,12 +10693,12 @@
           </a:ln>
         </p:spPr>
         <p:txBody>
-          <a:bodyPr anchorCtr="0" anchor="t" bIns="91425" lIns="91425" spcFirstLastPara="1" rIns="91425" wrap="square" tIns="91425">
+          <a:bodyPr spcFirstLastPara="1" wrap="square" lIns="91425" tIns="91425" rIns="91425" bIns="91425" anchor="t" anchorCtr="0">
             <a:noAutofit/>
           </a:bodyPr>
           <a:lstStyle/>
           <a:p>
-            <a:pPr indent="0" lvl="0" marL="0">
+            <a:pPr marL="0" lvl="0" indent="0">
               <a:spcBef>
                 <a:spcPts val="0"/>
               </a:spcBef>
@@ -10581,12 +10735,12 @@
           </a:ln>
         </p:spPr>
         <p:txBody>
-          <a:bodyPr anchorCtr="0" anchor="t" bIns="91425" lIns="91425" spcFirstLastPara="1" rIns="91425" wrap="square" tIns="91425">
+          <a:bodyPr spcFirstLastPara="1" wrap="square" lIns="91425" tIns="91425" rIns="91425" bIns="91425" anchor="t" anchorCtr="0">
             <a:noAutofit/>
           </a:bodyPr>
           <a:lstStyle/>
           <a:p>
-            <a:pPr indent="0" lvl="0" marL="0" rtl="0">
+            <a:pPr marL="0" lvl="0" indent="0" rtl="0">
               <a:spcBef>
                 <a:spcPts val="0"/>
               </a:spcBef>
@@ -10623,12 +10777,12 @@
           </a:ln>
         </p:spPr>
         <p:txBody>
-          <a:bodyPr anchorCtr="0" anchor="t" bIns="91425" lIns="91425" spcFirstLastPara="1" rIns="91425" wrap="square" tIns="91425">
+          <a:bodyPr spcFirstLastPara="1" wrap="square" lIns="91425" tIns="91425" rIns="91425" bIns="91425" anchor="t" anchorCtr="0">
             <a:noAutofit/>
           </a:bodyPr>
           <a:lstStyle/>
           <a:p>
-            <a:pPr indent="0" lvl="0" marL="0">
+            <a:pPr marL="0" lvl="0" indent="0">
               <a:spcBef>
                 <a:spcPts val="0"/>
               </a:spcBef>
@@ -10637,13 +10791,10 @@
               </a:spcAft>
               <a:buNone/>
             </a:pPr>
-            <a:r>
-              <a:t/>
-            </a:r>
             <a:endParaRPr/>
           </a:p>
           <a:p>
-            <a:pPr indent="0" lvl="0" marL="0" rtl="0">
+            <a:pPr marL="0" lvl="0" indent="0" rtl="0">
               <a:spcBef>
                 <a:spcPts val="0"/>
               </a:spcBef>
@@ -10680,12 +10831,12 @@
           </a:ln>
         </p:spPr>
         <p:txBody>
-          <a:bodyPr anchorCtr="0" anchor="t" bIns="91425" lIns="91425" spcFirstLastPara="1" rIns="91425" wrap="square" tIns="91425">
+          <a:bodyPr spcFirstLastPara="1" wrap="square" lIns="91425" tIns="91425" rIns="91425" bIns="91425" anchor="t" anchorCtr="0">
             <a:noAutofit/>
           </a:bodyPr>
           <a:lstStyle/>
           <a:p>
-            <a:pPr indent="0" lvl="0" marL="0" rtl="0">
+            <a:pPr marL="0" lvl="0" indent="0" rtl="0">
               <a:spcBef>
                 <a:spcPts val="0"/>
               </a:spcBef>
@@ -10739,7 +10890,7 @@
 </file>
 
 <file path=ppt/theme/theme1.xml><?xml version="1.0" encoding="utf-8"?>
-<a:theme xmlns:a="http://schemas.openxmlformats.org/drawingml/2006/main" xmlns:r="http://schemas.openxmlformats.org/officeDocument/2006/relationships" name="Geometric">
+<a:theme xmlns:a="http://schemas.openxmlformats.org/drawingml/2006/main" name="Geometric">
   <a:themeElements>
     <a:clrScheme name="Geometric">
       <a:dk1>
@@ -11014,11 +11165,13 @@
       </a:bgFillStyleLst>
     </a:fmtScheme>
   </a:themeElements>
+  <a:objectDefaults/>
+  <a:extraClrSchemeLst/>
 </a:theme>
 </file>
 
 <file path=ppt/theme/theme2.xml><?xml version="1.0" encoding="utf-8"?>
-<a:theme xmlns:a="http://schemas.openxmlformats.org/drawingml/2006/main" xmlns:r="http://schemas.openxmlformats.org/officeDocument/2006/relationships">
+<a:theme xmlns:a="http://schemas.openxmlformats.org/drawingml/2006/main">
   <a:themeElements>
     <a:clrScheme name="Default">
       <a:dk1>
@@ -11293,5 +11446,7 @@
       </a:bgFillStyleLst>
     </a:fmtScheme>
   </a:themeElements>
+  <a:objectDefaults/>
+  <a:extraClrSchemeLst/>
 </a:theme>
 </file>